--- a/Illustrations.pptx
+++ b/Illustrations.pptx
@@ -111,6 +111,11 @@
       </a:defRPr>
     </a:lvl9pPr>
   </p:defaultTextStyle>
+  <p:extLst>
+    <p:ext uri="{EFAFB233-063F-42B5-8137-9DF3F51BA10A}">
+      <p15:sldGuideLst xmlns:p15="http://schemas.microsoft.com/office/powerpoint/2012/main"/>
+    </p:ext>
+  </p:extLst>
 </p:presentation>
 </file>
 
@@ -196,7 +201,7 @@
           <a:p>
             <a:fld id="{D4132F78-145B-4E09-A749-FC2612A50C34}" type="datetimeFigureOut">
               <a:rPr lang="ru-RU" smtClean="0"/>
-              <a:t>06.05.2024</a:t>
+              <a:t>07.05.2024</a:t>
             </a:fld>
             <a:endParaRPr lang="ru-RU"/>
           </a:p>
@@ -694,7 +699,7 @@
           <a:p>
             <a:fld id="{0D7D8A5E-F820-4C45-897A-B8B30BC14499}" type="datetimeFigureOut">
               <a:rPr lang="ru-RU" smtClean="0"/>
-              <a:t>06.05.2024</a:t>
+              <a:t>07.05.2024</a:t>
             </a:fld>
             <a:endParaRPr lang="ru-RU"/>
           </a:p>
@@ -892,7 +897,7 @@
           <a:p>
             <a:fld id="{0D7D8A5E-F820-4C45-897A-B8B30BC14499}" type="datetimeFigureOut">
               <a:rPr lang="ru-RU" smtClean="0"/>
-              <a:t>06.05.2024</a:t>
+              <a:t>07.05.2024</a:t>
             </a:fld>
             <a:endParaRPr lang="ru-RU"/>
           </a:p>
@@ -1100,7 +1105,7 @@
           <a:p>
             <a:fld id="{0D7D8A5E-F820-4C45-897A-B8B30BC14499}" type="datetimeFigureOut">
               <a:rPr lang="ru-RU" smtClean="0"/>
-              <a:t>06.05.2024</a:t>
+              <a:t>07.05.2024</a:t>
             </a:fld>
             <a:endParaRPr lang="ru-RU"/>
           </a:p>
@@ -1298,7 +1303,7 @@
           <a:p>
             <a:fld id="{0D7D8A5E-F820-4C45-897A-B8B30BC14499}" type="datetimeFigureOut">
               <a:rPr lang="ru-RU" smtClean="0"/>
-              <a:t>06.05.2024</a:t>
+              <a:t>07.05.2024</a:t>
             </a:fld>
             <a:endParaRPr lang="ru-RU"/>
           </a:p>
@@ -1573,7 +1578,7 @@
           <a:p>
             <a:fld id="{0D7D8A5E-F820-4C45-897A-B8B30BC14499}" type="datetimeFigureOut">
               <a:rPr lang="ru-RU" smtClean="0"/>
-              <a:t>06.05.2024</a:t>
+              <a:t>07.05.2024</a:t>
             </a:fld>
             <a:endParaRPr lang="ru-RU"/>
           </a:p>
@@ -1838,7 +1843,7 @@
           <a:p>
             <a:fld id="{0D7D8A5E-F820-4C45-897A-B8B30BC14499}" type="datetimeFigureOut">
               <a:rPr lang="ru-RU" smtClean="0"/>
-              <a:t>06.05.2024</a:t>
+              <a:t>07.05.2024</a:t>
             </a:fld>
             <a:endParaRPr lang="ru-RU"/>
           </a:p>
@@ -2250,7 +2255,7 @@
           <a:p>
             <a:fld id="{0D7D8A5E-F820-4C45-897A-B8B30BC14499}" type="datetimeFigureOut">
               <a:rPr lang="ru-RU" smtClean="0"/>
-              <a:t>06.05.2024</a:t>
+              <a:t>07.05.2024</a:t>
             </a:fld>
             <a:endParaRPr lang="ru-RU"/>
           </a:p>
@@ -2391,7 +2396,7 @@
           <a:p>
             <a:fld id="{0D7D8A5E-F820-4C45-897A-B8B30BC14499}" type="datetimeFigureOut">
               <a:rPr lang="ru-RU" smtClean="0"/>
-              <a:t>06.05.2024</a:t>
+              <a:t>07.05.2024</a:t>
             </a:fld>
             <a:endParaRPr lang="ru-RU"/>
           </a:p>
@@ -2504,7 +2509,7 @@
           <a:p>
             <a:fld id="{0D7D8A5E-F820-4C45-897A-B8B30BC14499}" type="datetimeFigureOut">
               <a:rPr lang="ru-RU" smtClean="0"/>
-              <a:t>06.05.2024</a:t>
+              <a:t>07.05.2024</a:t>
             </a:fld>
             <a:endParaRPr lang="ru-RU"/>
           </a:p>
@@ -2815,7 +2820,7 @@
           <a:p>
             <a:fld id="{0D7D8A5E-F820-4C45-897A-B8B30BC14499}" type="datetimeFigureOut">
               <a:rPr lang="ru-RU" smtClean="0"/>
-              <a:t>06.05.2024</a:t>
+              <a:t>07.05.2024</a:t>
             </a:fld>
             <a:endParaRPr lang="ru-RU"/>
           </a:p>
@@ -3103,7 +3108,7 @@
           <a:p>
             <a:fld id="{0D7D8A5E-F820-4C45-897A-B8B30BC14499}" type="datetimeFigureOut">
               <a:rPr lang="ru-RU" smtClean="0"/>
-              <a:t>06.05.2024</a:t>
+              <a:t>07.05.2024</a:t>
             </a:fld>
             <a:endParaRPr lang="ru-RU"/>
           </a:p>
@@ -3344,7 +3349,7 @@
           <a:p>
             <a:fld id="{0D7D8A5E-F820-4C45-897A-B8B30BC14499}" type="datetimeFigureOut">
               <a:rPr lang="ru-RU" smtClean="0"/>
-              <a:t>06.05.2024</a:t>
+              <a:t>07.05.2024</a:t>
             </a:fld>
             <a:endParaRPr lang="ru-RU"/>
           </a:p>
@@ -3761,1072 +3766,1206 @@
           <a:chExt cx="0" cy="0"/>
         </a:xfrm>
       </p:grpSpPr>
-      <p:sp>
-        <p:nvSpPr>
-          <p:cNvPr id="4" name="Прямоугольник 3">
+      <p:grpSp>
+        <p:nvGrpSpPr>
+          <p:cNvPr id="14" name="Группа 13">
             <a:extLst>
               <a:ext uri="{FF2B5EF4-FFF2-40B4-BE49-F238E27FC236}">
-                <a16:creationId xmlns:a16="http://schemas.microsoft.com/office/drawing/2014/main" id="{D3685C67-4574-4867-B282-30D69F3FA6D5}"/>
+                <a16:creationId xmlns:a16="http://schemas.microsoft.com/office/drawing/2014/main" id="{4626BC9A-9B9F-4E04-A079-EB3A3F589EEC}"/>
               </a:ext>
             </a:extLst>
           </p:cNvPr>
-          <p:cNvSpPr/>
+          <p:cNvGrpSpPr/>
           <p:nvPr/>
-        </p:nvSpPr>
-        <p:spPr>
+        </p:nvGrpSpPr>
+        <p:grpSpPr>
           <a:xfrm>
-            <a:off x="1492563" y="1878005"/>
-            <a:ext cx="4432585" cy="2845712"/>
+            <a:off x="1100724" y="2104015"/>
+            <a:ext cx="6165561" cy="2649969"/>
+            <a:chOff x="5404680" y="4070216"/>
+            <a:chExt cx="6165561" cy="2649969"/>
           </a:xfrm>
-          <a:prstGeom prst="rect">
-            <a:avLst/>
-          </a:prstGeom>
-          <a:noFill/>
-          <a:ln w="19050">
-            <a:solidFill>
-              <a:schemeClr val="tx1"/>
-            </a:solidFill>
-          </a:ln>
-        </p:spPr>
-        <p:style>
-          <a:lnRef idx="2">
-            <a:schemeClr val="accent1">
-              <a:shade val="50000"/>
-            </a:schemeClr>
-          </a:lnRef>
-          <a:fillRef idx="1">
-            <a:schemeClr val="accent1"/>
-          </a:fillRef>
-          <a:effectRef idx="0">
-            <a:schemeClr val="accent1"/>
-          </a:effectRef>
-          <a:fontRef idx="minor">
-            <a:schemeClr val="lt1"/>
-          </a:fontRef>
-        </p:style>
-        <p:txBody>
-          <a:bodyPr rtlCol="0" anchor="ctr"/>
-          <a:lstStyle/>
-          <a:p>
-            <a:pPr algn="ctr"/>
-            <a:endParaRPr lang="ru-RU"/>
-          </a:p>
-        </p:txBody>
-      </p:sp>
-      <p:cxnSp>
-        <p:nvCxnSpPr>
-          <p:cNvPr id="6" name="Прямая со стрелкой 5">
-            <a:extLst>
-              <a:ext uri="{FF2B5EF4-FFF2-40B4-BE49-F238E27FC236}">
-                <a16:creationId xmlns:a16="http://schemas.microsoft.com/office/drawing/2014/main" id="{BF21633A-55C7-44E8-BAE2-333FA2BC2C40}"/>
-              </a:ext>
-            </a:extLst>
-          </p:cNvPr>
-          <p:cNvCxnSpPr/>
-          <p:nvPr/>
-        </p:nvCxnSpPr>
-        <p:spPr>
-          <a:xfrm>
-            <a:off x="1148126" y="5166565"/>
-            <a:ext cx="430548" cy="0"/>
-          </a:xfrm>
-          <a:prstGeom prst="straightConnector1">
-            <a:avLst/>
-          </a:prstGeom>
-          <a:ln w="12700">
-            <a:solidFill>
-              <a:srgbClr val="FF0000"/>
-            </a:solidFill>
-            <a:tailEnd type="triangle"/>
-          </a:ln>
-        </p:spPr>
-        <p:style>
-          <a:lnRef idx="1">
-            <a:schemeClr val="accent1"/>
-          </a:lnRef>
-          <a:fillRef idx="0">
-            <a:schemeClr val="accent1"/>
-          </a:fillRef>
-          <a:effectRef idx="0">
-            <a:schemeClr val="accent1"/>
-          </a:effectRef>
-          <a:fontRef idx="minor">
-            <a:schemeClr val="tx1"/>
-          </a:fontRef>
-        </p:style>
-      </p:cxnSp>
-      <p:cxnSp>
-        <p:nvCxnSpPr>
-          <p:cNvPr id="8" name="Прямая со стрелкой 7">
-            <a:extLst>
-              <a:ext uri="{FF2B5EF4-FFF2-40B4-BE49-F238E27FC236}">
-                <a16:creationId xmlns:a16="http://schemas.microsoft.com/office/drawing/2014/main" id="{B40000BA-9E81-4B11-A4F8-1098ED987CDC}"/>
-              </a:ext>
-            </a:extLst>
-          </p:cNvPr>
-          <p:cNvCxnSpPr/>
-          <p:nvPr/>
-        </p:nvCxnSpPr>
-        <p:spPr>
-          <a:xfrm flipV="1">
-            <a:off x="1148126" y="4723717"/>
-            <a:ext cx="0" cy="442848"/>
-          </a:xfrm>
-          <a:prstGeom prst="straightConnector1">
-            <a:avLst/>
-          </a:prstGeom>
-          <a:ln w="12700">
-            <a:solidFill>
-              <a:srgbClr val="FF0000"/>
-            </a:solidFill>
-            <a:tailEnd type="triangle"/>
-          </a:ln>
-        </p:spPr>
-        <p:style>
-          <a:lnRef idx="1">
-            <a:schemeClr val="accent1"/>
-          </a:lnRef>
-          <a:fillRef idx="0">
-            <a:schemeClr val="accent1"/>
-          </a:fillRef>
-          <a:effectRef idx="0">
-            <a:schemeClr val="accent1"/>
-          </a:effectRef>
-          <a:fontRef idx="minor">
-            <a:schemeClr val="tx1"/>
-          </a:fontRef>
-        </p:style>
-      </p:cxnSp>
-      <mc:AlternateContent xmlns:mc="http://schemas.openxmlformats.org/markup-compatibility/2006">
-        <mc:Choice xmlns:a14="http://schemas.microsoft.com/office/drawing/2010/main" Requires="a14">
-          <p:sp>
-            <p:nvSpPr>
-              <p:cNvPr id="9" name="TextBox 8">
+        </p:grpSpPr>
+        <p:grpSp>
+          <p:nvGrpSpPr>
+            <p:cNvPr id="15" name="Группа 14">
+              <a:extLst>
+                <a:ext uri="{FF2B5EF4-FFF2-40B4-BE49-F238E27FC236}">
+                  <a16:creationId xmlns:a16="http://schemas.microsoft.com/office/drawing/2014/main" id="{86CE05A4-4F81-4F12-9123-2FC882BBEF93}"/>
+                </a:ext>
+              </a:extLst>
+            </p:cNvPr>
+            <p:cNvGrpSpPr/>
+            <p:nvPr/>
+          </p:nvGrpSpPr>
+          <p:grpSpPr>
+            <a:xfrm>
+              <a:off x="5404680" y="4070216"/>
+              <a:ext cx="6165561" cy="2649969"/>
+              <a:chOff x="5404680" y="4070216"/>
+              <a:chExt cx="6165561" cy="2649969"/>
+            </a:xfrm>
+          </p:grpSpPr>
+          <p:grpSp>
+            <p:nvGrpSpPr>
+              <p:cNvPr id="23" name="Группа 22">
                 <a:extLst>
                   <a:ext uri="{FF2B5EF4-FFF2-40B4-BE49-F238E27FC236}">
-                    <a16:creationId xmlns:a16="http://schemas.microsoft.com/office/drawing/2014/main" id="{713ADEE8-FB62-4EC8-A2C6-50C766A75AC7}"/>
+                    <a16:creationId xmlns:a16="http://schemas.microsoft.com/office/drawing/2014/main" id="{9F671D16-DCBF-470A-8BF7-CC26587501DF}"/>
                   </a:ext>
                 </a:extLst>
               </p:cNvPr>
-              <p:cNvSpPr txBox="1"/>
+              <p:cNvGrpSpPr/>
               <p:nvPr/>
-            </p:nvSpPr>
-            <p:spPr>
+            </p:nvGrpSpPr>
+            <p:grpSpPr>
               <a:xfrm>
-                <a:off x="1492563" y="5232172"/>
-                <a:ext cx="121700" cy="184666"/>
+                <a:off x="5764027" y="4425230"/>
+                <a:ext cx="5471225" cy="1958524"/>
+                <a:chOff x="7565327" y="2929211"/>
+                <a:chExt cx="4432585" cy="2845712"/>
               </a:xfrm>
-              <a:prstGeom prst="rect">
-                <a:avLst/>
-              </a:prstGeom>
-              <a:noFill/>
-            </p:spPr>
-            <p:txBody>
-              <a:bodyPr wrap="none" lIns="0" tIns="0" rIns="0" bIns="0" rtlCol="0">
-                <a:spAutoFit/>
-              </a:bodyPr>
-              <a:lstStyle/>
-              <a:p>
-                <a14:m>
-                  <m:oMathPara xmlns:m="http://schemas.openxmlformats.org/officeDocument/2006/math">
-                    <m:oMathParaPr>
-                      <m:jc m:val="centerGroup"/>
-                    </m:oMathParaPr>
-                    <m:oMath xmlns:m="http://schemas.openxmlformats.org/officeDocument/2006/math">
-                      <m:r>
-                        <a:rPr lang="en-US" sz="1200" b="0" i="1" smtClean="0">
-                          <a:latin typeface="Cambria Math" panose="02040503050406030204" pitchFamily="18" charset="0"/>
-                        </a:rPr>
-                        <m:t>𝑥</m:t>
-                      </m:r>
-                    </m:oMath>
-                  </m:oMathPara>
-                </a14:m>
-                <a:endParaRPr lang="ru-RU" dirty="0"/>
-              </a:p>
-            </p:txBody>
-          </p:sp>
-        </mc:Choice>
-        <mc:Fallback>
-          <p:sp>
-            <p:nvSpPr>
-              <p:cNvPr id="9" name="TextBox 8">
+              <a:solidFill>
+                <a:srgbClr val="F0F7EC"/>
+              </a:solidFill>
+            </p:grpSpPr>
+            <p:sp>
+              <p:nvSpPr>
+                <p:cNvPr id="34" name="Прямоугольник 33">
+                  <a:extLst>
+                    <a:ext uri="{FF2B5EF4-FFF2-40B4-BE49-F238E27FC236}">
+                      <a16:creationId xmlns:a16="http://schemas.microsoft.com/office/drawing/2014/main" id="{259D2E4E-1893-4D9D-A9A6-0AA1B43B307B}"/>
+                    </a:ext>
+                  </a:extLst>
+                </p:cNvPr>
+                <p:cNvSpPr>
+                  <a:spLocks noChangeAspect="1"/>
+                </p:cNvSpPr>
+                <p:nvPr/>
+              </p:nvSpPr>
+              <p:spPr>
+                <a:xfrm>
+                  <a:off x="7565327" y="2929211"/>
+                  <a:ext cx="4432585" cy="2845712"/>
+                </a:xfrm>
+                <a:prstGeom prst="rect">
+                  <a:avLst/>
+                </a:prstGeom>
+                <a:grpFill/>
+                <a:ln w="19050">
+                  <a:solidFill>
+                    <a:schemeClr val="tx1"/>
+                  </a:solidFill>
+                </a:ln>
+              </p:spPr>
+              <p:style>
+                <a:lnRef idx="2">
+                  <a:schemeClr val="accent1">
+                    <a:shade val="50000"/>
+                  </a:schemeClr>
+                </a:lnRef>
+                <a:fillRef idx="1">
+                  <a:schemeClr val="accent1"/>
+                </a:fillRef>
+                <a:effectRef idx="0">
+                  <a:schemeClr val="accent1"/>
+                </a:effectRef>
+                <a:fontRef idx="minor">
+                  <a:schemeClr val="lt1"/>
+                </a:fontRef>
+              </p:style>
+              <p:txBody>
+                <a:bodyPr rtlCol="0" anchor="ctr"/>
+                <a:lstStyle/>
+                <a:p>
+                  <a:pPr algn="ctr"/>
+                  <a:endParaRPr lang="ru-RU"/>
+                </a:p>
+              </p:txBody>
+            </p:sp>
+            <p:cxnSp>
+              <p:nvCxnSpPr>
+                <p:cNvPr id="35" name="Прямая соединительная линия 34">
+                  <a:extLst>
+                    <a:ext uri="{FF2B5EF4-FFF2-40B4-BE49-F238E27FC236}">
+                      <a16:creationId xmlns:a16="http://schemas.microsoft.com/office/drawing/2014/main" id="{763A4BFE-608B-4CDF-B7D3-49B6BB823057}"/>
+                    </a:ext>
+                  </a:extLst>
+                </p:cNvPr>
+                <p:cNvCxnSpPr>
+                  <a:cxnSpLocks noChangeAspect="1"/>
+                </p:cNvCxnSpPr>
+                <p:nvPr/>
+              </p:nvCxnSpPr>
+              <p:spPr>
+                <a:xfrm>
+                  <a:off x="7565327" y="5766722"/>
+                  <a:ext cx="2267548" cy="0"/>
+                </a:xfrm>
+                <a:prstGeom prst="line">
+                  <a:avLst/>
+                </a:prstGeom>
+                <a:grpFill/>
+                <a:ln w="38100">
+                  <a:solidFill>
+                    <a:srgbClr val="00B050"/>
+                  </a:solidFill>
+                </a:ln>
+              </p:spPr>
+              <p:style>
+                <a:lnRef idx="1">
+                  <a:schemeClr val="accent1"/>
+                </a:lnRef>
+                <a:fillRef idx="0">
+                  <a:schemeClr val="accent1"/>
+                </a:fillRef>
+                <a:effectRef idx="0">
+                  <a:schemeClr val="accent1"/>
+                </a:effectRef>
+                <a:fontRef idx="minor">
+                  <a:schemeClr val="tx1"/>
+                </a:fontRef>
+              </p:style>
+            </p:cxnSp>
+          </p:grpSp>
+          <p:grpSp>
+            <p:nvGrpSpPr>
+              <p:cNvPr id="24" name="Группа 23">
                 <a:extLst>
                   <a:ext uri="{FF2B5EF4-FFF2-40B4-BE49-F238E27FC236}">
-                    <a16:creationId xmlns:a16="http://schemas.microsoft.com/office/drawing/2014/main" id="{713ADEE8-FB62-4EC8-A2C6-50C766A75AC7}"/>
+                    <a16:creationId xmlns:a16="http://schemas.microsoft.com/office/drawing/2014/main" id="{A2B71C12-0C30-4922-A23B-CBA4BA06E0BA}"/>
                   </a:ext>
                 </a:extLst>
               </p:cNvPr>
-              <p:cNvSpPr txBox="1">
-                <a:spLocks noRot="1" noChangeAspect="1" noMove="1" noResize="1" noEditPoints="1" noAdjustHandles="1" noChangeArrowheads="1" noChangeShapeType="1" noTextEdit="1"/>
-              </p:cNvSpPr>
+              <p:cNvGrpSpPr>
+                <a:grpSpLocks noChangeAspect="1"/>
+              </p:cNvGrpSpPr>
               <p:nvPr/>
-            </p:nvSpPr>
-            <p:spPr>
+            </p:nvGrpSpPr>
+            <p:grpSpPr>
               <a:xfrm>
-                <a:off x="1492563" y="5232172"/>
-                <a:ext cx="121700" cy="184666"/>
+                <a:off x="5533779" y="5727121"/>
+                <a:ext cx="851201" cy="938888"/>
+                <a:chOff x="7049957" y="5745255"/>
+                <a:chExt cx="617527" cy="681142"/>
               </a:xfrm>
-              <a:prstGeom prst="rect">
-                <a:avLst/>
-              </a:prstGeom>
-              <a:blipFill>
-                <a:blip r:embed="rId2"/>
-                <a:stretch>
-                  <a:fillRect l="-20000" r="-10000"/>
-                </a:stretch>
-              </a:blipFill>
-            </p:spPr>
-            <p:txBody>
-              <a:bodyPr/>
-              <a:lstStyle/>
-              <a:p>
-                <a:r>
-                  <a:rPr lang="ru-RU">
+            </p:grpSpPr>
+            <p:cxnSp>
+              <p:nvCxnSpPr>
+                <p:cNvPr id="30" name="Прямая со стрелкой 29">
+                  <a:extLst>
+                    <a:ext uri="{FF2B5EF4-FFF2-40B4-BE49-F238E27FC236}">
+                      <a16:creationId xmlns:a16="http://schemas.microsoft.com/office/drawing/2014/main" id="{D51E6E1D-9823-48B0-B3DE-041F86CC6983}"/>
+                    </a:ext>
+                  </a:extLst>
+                </p:cNvPr>
+                <p:cNvCxnSpPr>
+                  <a:cxnSpLocks noChangeAspect="1"/>
+                </p:cNvCxnSpPr>
+                <p:nvPr/>
+              </p:nvCxnSpPr>
+              <p:spPr>
+                <a:xfrm flipV="1">
+                  <a:off x="7220890" y="5774923"/>
+                  <a:ext cx="0" cy="442848"/>
+                </a:xfrm>
+                <a:prstGeom prst="straightConnector1">
+                  <a:avLst/>
+                </a:prstGeom>
+                <a:ln w="28575">
+                  <a:solidFill>
+                    <a:srgbClr val="FF0000"/>
+                  </a:solidFill>
+                  <a:tailEnd type="triangle"/>
+                </a:ln>
+              </p:spPr>
+              <p:style>
+                <a:lnRef idx="1">
+                  <a:schemeClr val="accent1"/>
+                </a:lnRef>
+                <a:fillRef idx="0">
+                  <a:schemeClr val="accent1"/>
+                </a:fillRef>
+                <a:effectRef idx="0">
+                  <a:schemeClr val="accent1"/>
+                </a:effectRef>
+                <a:fontRef idx="minor">
+                  <a:schemeClr val="tx1"/>
+                </a:fontRef>
+              </p:style>
+            </p:cxnSp>
+            <mc:AlternateContent xmlns:mc="http://schemas.openxmlformats.org/markup-compatibility/2006" xmlns:a14="http://schemas.microsoft.com/office/drawing/2010/main">
+              <mc:Choice Requires="a14">
+                <p:sp>
+                  <p:nvSpPr>
+                    <p:cNvPr id="31" name="TextBox 30">
+                      <a:extLst>
+                        <a:ext uri="{FF2B5EF4-FFF2-40B4-BE49-F238E27FC236}">
+                          <a16:creationId xmlns:a16="http://schemas.microsoft.com/office/drawing/2014/main" id="{95E0E43C-79BE-4015-985C-6094C5FE5335}"/>
+                        </a:ext>
+                      </a:extLst>
+                    </p:cNvPr>
+                    <p:cNvSpPr txBox="1">
+                      <a:spLocks noChangeAspect="1"/>
+                    </p:cNvSpPr>
+                    <p:nvPr/>
+                  </p:nvSpPr>
+                  <p:spPr>
+                    <a:xfrm>
+                      <a:off x="7545784" y="6241731"/>
+                      <a:ext cx="121700" cy="184666"/>
+                    </a:xfrm>
+                    <a:prstGeom prst="rect">
+                      <a:avLst/>
+                    </a:prstGeom>
                     <a:noFill/>
-                  </a:rPr>
-                  <a:t> </a:t>
-                </a:r>
-              </a:p>
-            </p:txBody>
-          </p:sp>
-        </mc:Fallback>
-      </mc:AlternateContent>
-      <mc:AlternateContent xmlns:mc="http://schemas.openxmlformats.org/markup-compatibility/2006">
-        <mc:Choice xmlns:a14="http://schemas.microsoft.com/office/drawing/2010/main" Requires="a14">
-          <p:sp>
-            <p:nvSpPr>
-              <p:cNvPr id="10" name="TextBox 9">
-                <a:extLst>
-                  <a:ext uri="{FF2B5EF4-FFF2-40B4-BE49-F238E27FC236}">
-                    <a16:creationId xmlns:a16="http://schemas.microsoft.com/office/drawing/2014/main" id="{091E8187-4A0E-40C3-BD48-3B621FB793A5}"/>
-                  </a:ext>
-                </a:extLst>
-              </p:cNvPr>
-              <p:cNvSpPr txBox="1"/>
-              <p:nvPr/>
-            </p:nvSpPr>
-            <p:spPr>
-              <a:xfrm>
-                <a:off x="915058" y="4631384"/>
-                <a:ext cx="124457" cy="184666"/>
-              </a:xfrm>
-              <a:prstGeom prst="rect">
-                <a:avLst/>
-              </a:prstGeom>
-              <a:noFill/>
-            </p:spPr>
-            <p:txBody>
-              <a:bodyPr wrap="none" lIns="0" tIns="0" rIns="0" bIns="0" rtlCol="0">
-                <a:spAutoFit/>
-              </a:bodyPr>
-              <a:lstStyle/>
-              <a:p>
-                <a14:m>
-                  <m:oMathPara xmlns:m="http://schemas.openxmlformats.org/officeDocument/2006/math">
-                    <m:oMathParaPr>
-                      <m:jc m:val="centerGroup"/>
-                    </m:oMathParaPr>
-                    <m:oMath xmlns:m="http://schemas.openxmlformats.org/officeDocument/2006/math">
-                      <m:r>
-                        <a:rPr lang="en-US" sz="1200" b="0" i="1" smtClean="0">
-                          <a:latin typeface="Cambria Math" panose="02040503050406030204" pitchFamily="18" charset="0"/>
+                    <a:ln w="28575">
+                      <a:noFill/>
+                    </a:ln>
+                  </p:spPr>
+                  <p:txBody>
+                    <a:bodyPr wrap="square" lIns="0" tIns="0" rIns="0" bIns="0" rtlCol="0">
+                      <a:spAutoFit/>
+                    </a:bodyPr>
+                    <a:lstStyle/>
+                    <a:p>
+                      <a:pPr/>
+                      <a14:m>
+                        <m:oMathPara xmlns:m="http://schemas.openxmlformats.org/officeDocument/2006/math">
+                          <m:oMathParaPr>
+                            <m:jc m:val="centerGroup"/>
+                          </m:oMathParaPr>
+                          <m:oMath xmlns:m="http://schemas.openxmlformats.org/officeDocument/2006/math">
+                            <m:r>
+                              <a:rPr lang="en-US" sz="1200" b="0" i="1" smtClean="0">
+                                <a:latin typeface="Cambria Math" panose="02040503050406030204" pitchFamily="18" charset="0"/>
+                              </a:rPr>
+                              <m:t>𝑥</m:t>
+                            </m:r>
+                          </m:oMath>
+                        </m:oMathPara>
+                      </a14:m>
+                      <a:endParaRPr lang="ru-RU" dirty="0"/>
+                    </a:p>
+                  </p:txBody>
+                </p:sp>
+              </mc:Choice>
+              <mc:Fallback xmlns="">
+                <p:sp>
+                  <p:nvSpPr>
+                    <p:cNvPr id="112" name="TextBox 111">
+                      <a:extLst>
+                        <a:ext uri="{FF2B5EF4-FFF2-40B4-BE49-F238E27FC236}">
+                          <a16:creationId xmlns:a16="http://schemas.microsoft.com/office/drawing/2014/main" id="{93C5AD03-8867-4E1E-B16F-88E967C0A31F}"/>
+                        </a:ext>
+                      </a:extLst>
+                    </p:cNvPr>
+                    <p:cNvSpPr txBox="1">
+                      <a:spLocks noRot="1" noChangeAspect="1" noMove="1" noResize="1" noEditPoints="1" noAdjustHandles="1" noChangeArrowheads="1" noChangeShapeType="1" noTextEdit="1"/>
+                    </p:cNvSpPr>
+                    <p:nvPr/>
+                  </p:nvSpPr>
+                  <p:spPr>
+                    <a:xfrm>
+                      <a:off x="7545784" y="6241731"/>
+                      <a:ext cx="121700" cy="184666"/>
+                    </a:xfrm>
+                    <a:prstGeom prst="rect">
+                      <a:avLst/>
+                    </a:prstGeom>
+                    <a:blipFill>
+                      <a:blip r:embed="rId5"/>
+                      <a:stretch>
+                        <a:fillRect/>
+                      </a:stretch>
+                    </a:blipFill>
+                    <a:ln w="28575">
+                      <a:noFill/>
+                    </a:ln>
+                  </p:spPr>
+                  <p:txBody>
+                    <a:bodyPr/>
+                    <a:lstStyle/>
+                    <a:p>
+                      <a:r>
+                        <a:rPr lang="ru-RU">
+                          <a:noFill/>
                         </a:rPr>
-                        <m:t>𝑦</m:t>
-                      </m:r>
-                    </m:oMath>
-                  </m:oMathPara>
-                </a14:m>
-                <a:endParaRPr lang="ru-RU" dirty="0"/>
-              </a:p>
-            </p:txBody>
-          </p:sp>
-        </mc:Choice>
-        <mc:Fallback>
-          <p:sp>
-            <p:nvSpPr>
-              <p:cNvPr id="10" name="TextBox 9">
-                <a:extLst>
-                  <a:ext uri="{FF2B5EF4-FFF2-40B4-BE49-F238E27FC236}">
-                    <a16:creationId xmlns:a16="http://schemas.microsoft.com/office/drawing/2014/main" id="{091E8187-4A0E-40C3-BD48-3B621FB793A5}"/>
-                  </a:ext>
-                </a:extLst>
-              </p:cNvPr>
-              <p:cNvSpPr txBox="1">
-                <a:spLocks noRot="1" noChangeAspect="1" noMove="1" noResize="1" noEditPoints="1" noAdjustHandles="1" noChangeArrowheads="1" noChangeShapeType="1" noTextEdit="1"/>
-              </p:cNvSpPr>
-              <p:nvPr/>
-            </p:nvSpPr>
-            <p:spPr>
-              <a:xfrm>
-                <a:off x="915058" y="4631384"/>
-                <a:ext cx="124457" cy="184666"/>
-              </a:xfrm>
-              <a:prstGeom prst="rect">
-                <a:avLst/>
-              </a:prstGeom>
-              <a:blipFill>
-                <a:blip r:embed="rId3"/>
-                <a:stretch>
-                  <a:fillRect l="-28571" r="-23810" b="-23333"/>
-                </a:stretch>
-              </a:blipFill>
-            </p:spPr>
-            <p:txBody>
-              <a:bodyPr/>
-              <a:lstStyle/>
-              <a:p>
-                <a:r>
-                  <a:rPr lang="ru-RU">
+                        <a:t> </a:t>
+                      </a:r>
+                    </a:p>
+                  </p:txBody>
+                </p:sp>
+              </mc:Fallback>
+            </mc:AlternateContent>
+            <mc:AlternateContent xmlns:mc="http://schemas.openxmlformats.org/markup-compatibility/2006" xmlns:a14="http://schemas.microsoft.com/office/drawing/2010/main">
+              <mc:Choice Requires="a14">
+                <p:sp>
+                  <p:nvSpPr>
+                    <p:cNvPr id="32" name="TextBox 31">
+                      <a:extLst>
+                        <a:ext uri="{FF2B5EF4-FFF2-40B4-BE49-F238E27FC236}">
+                          <a16:creationId xmlns:a16="http://schemas.microsoft.com/office/drawing/2014/main" id="{37BA77CE-3902-4EF8-8847-1B58910F7D3A}"/>
+                        </a:ext>
+                      </a:extLst>
+                    </p:cNvPr>
+                    <p:cNvSpPr txBox="1">
+                      <a:spLocks noChangeAspect="1"/>
+                    </p:cNvSpPr>
+                    <p:nvPr/>
+                  </p:nvSpPr>
+                  <p:spPr>
+                    <a:xfrm>
+                      <a:off x="7049957" y="5745255"/>
+                      <a:ext cx="124457" cy="184666"/>
+                    </a:xfrm>
+                    <a:prstGeom prst="rect">
+                      <a:avLst/>
+                    </a:prstGeom>
                     <a:noFill/>
-                  </a:rPr>
-                  <a:t> </a:t>
-                </a:r>
-              </a:p>
-            </p:txBody>
-          </p:sp>
-        </mc:Fallback>
-      </mc:AlternateContent>
-      <p:cxnSp>
-        <p:nvCxnSpPr>
-          <p:cNvPr id="12" name="Прямая соединительная линия 11">
-            <a:extLst>
-              <a:ext uri="{FF2B5EF4-FFF2-40B4-BE49-F238E27FC236}">
-                <a16:creationId xmlns:a16="http://schemas.microsoft.com/office/drawing/2014/main" id="{0C6BC4A4-6C0C-4936-9ABA-B1138534E472}"/>
-              </a:ext>
-            </a:extLst>
-          </p:cNvPr>
-          <p:cNvCxnSpPr/>
-          <p:nvPr/>
-        </p:nvCxnSpPr>
-        <p:spPr>
-          <a:xfrm>
-            <a:off x="1492563" y="4715516"/>
-            <a:ext cx="2267548" cy="0"/>
-          </a:xfrm>
-          <a:prstGeom prst="line">
-            <a:avLst/>
-          </a:prstGeom>
-          <a:ln w="38100">
-            <a:solidFill>
-              <a:srgbClr val="00B050"/>
-            </a:solidFill>
-          </a:ln>
-        </p:spPr>
-        <p:style>
-          <a:lnRef idx="1">
-            <a:schemeClr val="accent1"/>
-          </a:lnRef>
-          <a:fillRef idx="0">
-            <a:schemeClr val="accent1"/>
-          </a:fillRef>
-          <a:effectRef idx="0">
-            <a:schemeClr val="accent1"/>
-          </a:effectRef>
-          <a:fontRef idx="minor">
-            <a:schemeClr val="tx1"/>
-          </a:fontRef>
-        </p:style>
-      </p:cxnSp>
-      <mc:AlternateContent xmlns:mc="http://schemas.openxmlformats.org/markup-compatibility/2006">
-        <mc:Choice xmlns:a14="http://schemas.microsoft.com/office/drawing/2010/main" Requires="a14">
-          <p:sp>
-            <p:nvSpPr>
-              <p:cNvPr id="17" name="TextBox 16">
-                <a:extLst>
-                  <a:ext uri="{FF2B5EF4-FFF2-40B4-BE49-F238E27FC236}">
-                    <a16:creationId xmlns:a16="http://schemas.microsoft.com/office/drawing/2014/main" id="{A77F773A-FFCB-43BE-8626-60E09A229174}"/>
-                  </a:ext>
-                </a:extLst>
-              </p:cNvPr>
-              <p:cNvSpPr txBox="1"/>
-              <p:nvPr/>
-            </p:nvSpPr>
-            <p:spPr>
-              <a:xfrm>
-                <a:off x="5014849" y="2043375"/>
-                <a:ext cx="277320" cy="369332"/>
-              </a:xfrm>
-              <a:prstGeom prst="rect">
-                <a:avLst/>
-              </a:prstGeom>
-              <a:noFill/>
-            </p:spPr>
-            <p:txBody>
-              <a:bodyPr wrap="none" lIns="0" tIns="0" rIns="0" bIns="0" rtlCol="0">
-                <a:spAutoFit/>
-              </a:bodyPr>
-              <a:lstStyle/>
-              <a:p>
-                <a14:m>
-                  <m:oMathPara xmlns:m="http://schemas.openxmlformats.org/officeDocument/2006/math">
-                    <m:oMathParaPr>
-                      <m:jc m:val="centerGroup"/>
-                    </m:oMathParaPr>
-                    <m:oMath xmlns:m="http://schemas.openxmlformats.org/officeDocument/2006/math">
-                      <m:r>
-                        <m:rPr>
-                          <m:sty m:val="p"/>
-                        </m:rPr>
-                        <a:rPr lang="el-GR" sz="2400" i="1" smtClean="0">
-                          <a:latin typeface="Cambria Math" panose="02040503050406030204" pitchFamily="18" charset="0"/>
-                          <a:ea typeface="Cambria Math" panose="02040503050406030204" pitchFamily="18" charset="0"/>
+                    <a:ln w="28575">
+                      <a:noFill/>
+                    </a:ln>
+                  </p:spPr>
+                  <p:txBody>
+                    <a:bodyPr wrap="square" lIns="0" tIns="0" rIns="0" bIns="0" rtlCol="0">
+                      <a:spAutoFit/>
+                    </a:bodyPr>
+                    <a:lstStyle/>
+                    <a:p>
+                      <a:pPr/>
+                      <a14:m>
+                        <m:oMathPara xmlns:m="http://schemas.openxmlformats.org/officeDocument/2006/math">
+                          <m:oMathParaPr>
+                            <m:jc m:val="centerGroup"/>
+                          </m:oMathParaPr>
+                          <m:oMath xmlns:m="http://schemas.openxmlformats.org/officeDocument/2006/math">
+                            <m:r>
+                              <a:rPr lang="en-US" sz="1200" b="0" i="1" smtClean="0">
+                                <a:latin typeface="Cambria Math" panose="02040503050406030204" pitchFamily="18" charset="0"/>
+                              </a:rPr>
+                              <m:t>𝑦</m:t>
+                            </m:r>
+                          </m:oMath>
+                        </m:oMathPara>
+                      </a14:m>
+                      <a:endParaRPr lang="ru-RU" dirty="0"/>
+                    </a:p>
+                  </p:txBody>
+                </p:sp>
+              </mc:Choice>
+              <mc:Fallback xmlns="">
+                <p:sp>
+                  <p:nvSpPr>
+                    <p:cNvPr id="113" name="TextBox 112">
+                      <a:extLst>
+                        <a:ext uri="{FF2B5EF4-FFF2-40B4-BE49-F238E27FC236}">
+                          <a16:creationId xmlns:a16="http://schemas.microsoft.com/office/drawing/2014/main" id="{93BAF3D1-7F09-4B84-A184-51B213B0CAAC}"/>
+                        </a:ext>
+                      </a:extLst>
+                    </p:cNvPr>
+                    <p:cNvSpPr txBox="1">
+                      <a:spLocks noRot="1" noChangeAspect="1" noMove="1" noResize="1" noEditPoints="1" noAdjustHandles="1" noChangeArrowheads="1" noChangeShapeType="1" noTextEdit="1"/>
+                    </p:cNvSpPr>
+                    <p:nvPr/>
+                  </p:nvSpPr>
+                  <p:spPr>
+                    <a:xfrm>
+                      <a:off x="7049957" y="5745255"/>
+                      <a:ext cx="124457" cy="184666"/>
+                    </a:xfrm>
+                    <a:prstGeom prst="rect">
+                      <a:avLst/>
+                    </a:prstGeom>
+                    <a:blipFill>
+                      <a:blip r:embed="rId6"/>
+                      <a:stretch>
+                        <a:fillRect l="-7143" r="-7143"/>
+                      </a:stretch>
+                    </a:blipFill>
+                    <a:ln w="28575">
+                      <a:noFill/>
+                    </a:ln>
+                  </p:spPr>
+                  <p:txBody>
+                    <a:bodyPr/>
+                    <a:lstStyle/>
+                    <a:p>
+                      <a:r>
+                        <a:rPr lang="ru-RU">
+                          <a:noFill/>
                         </a:rPr>
-                        <m:t>Ω</m:t>
-                      </m:r>
-                    </m:oMath>
-                  </m:oMathPara>
-                </a14:m>
-                <a:endParaRPr lang="ru-RU" dirty="0"/>
-              </a:p>
-            </p:txBody>
-          </p:sp>
-        </mc:Choice>
-        <mc:Fallback>
-          <p:sp>
-            <p:nvSpPr>
-              <p:cNvPr id="17" name="TextBox 16">
-                <a:extLst>
-                  <a:ext uri="{FF2B5EF4-FFF2-40B4-BE49-F238E27FC236}">
-                    <a16:creationId xmlns:a16="http://schemas.microsoft.com/office/drawing/2014/main" id="{A77F773A-FFCB-43BE-8626-60E09A229174}"/>
-                  </a:ext>
-                </a:extLst>
-              </p:cNvPr>
-              <p:cNvSpPr txBox="1">
-                <a:spLocks noRot="1" noChangeAspect="1" noMove="1" noResize="1" noEditPoints="1" noAdjustHandles="1" noChangeArrowheads="1" noChangeShapeType="1" noTextEdit="1"/>
-              </p:cNvSpPr>
-              <p:nvPr/>
-            </p:nvSpPr>
-            <p:spPr>
-              <a:xfrm>
-                <a:off x="5014849" y="2043375"/>
-                <a:ext cx="277320" cy="369332"/>
-              </a:xfrm>
-              <a:prstGeom prst="rect">
-                <a:avLst/>
-              </a:prstGeom>
-              <a:blipFill>
-                <a:blip r:embed="rId4"/>
-                <a:stretch>
-                  <a:fillRect l="-26667" r="-26667" b="-6557"/>
-                </a:stretch>
-              </a:blipFill>
-            </p:spPr>
-            <p:txBody>
-              <a:bodyPr/>
-              <a:lstStyle/>
-              <a:p>
-                <a:r>
-                  <a:rPr lang="ru-RU">
-                    <a:noFill/>
-                  </a:rPr>
-                  <a:t> </a:t>
-                </a:r>
-              </a:p>
-            </p:txBody>
-          </p:sp>
-        </mc:Fallback>
-      </mc:AlternateContent>
-      <mc:AlternateContent xmlns:mc="http://schemas.openxmlformats.org/markup-compatibility/2006">
-        <mc:Choice xmlns:a14="http://schemas.microsoft.com/office/drawing/2010/main" Requires="a14">
-          <p:sp>
-            <p:nvSpPr>
-              <p:cNvPr id="18" name="TextBox 17">
-                <a:extLst>
-                  <a:ext uri="{FF2B5EF4-FFF2-40B4-BE49-F238E27FC236}">
-                    <a16:creationId xmlns:a16="http://schemas.microsoft.com/office/drawing/2014/main" id="{8BFB8C2A-A5DA-4E5B-9196-FC92C4426E04}"/>
-                  </a:ext>
-                </a:extLst>
-              </p:cNvPr>
-              <p:cNvSpPr txBox="1"/>
-              <p:nvPr/>
-            </p:nvSpPr>
-            <p:spPr>
-              <a:xfrm>
-                <a:off x="1614263" y="3030915"/>
-                <a:ext cx="225703" cy="276999"/>
-              </a:xfrm>
-              <a:prstGeom prst="rect">
-                <a:avLst/>
-              </a:prstGeom>
-              <a:noFill/>
-            </p:spPr>
-            <p:txBody>
-              <a:bodyPr wrap="none" lIns="0" tIns="0" rIns="0" bIns="0" rtlCol="0">
-                <a:spAutoFit/>
-              </a:bodyPr>
-              <a:lstStyle/>
-              <a:p>
-                <a14:m>
-                  <m:oMathPara xmlns:m="http://schemas.openxmlformats.org/officeDocument/2006/math">
-                    <m:oMathParaPr>
-                      <m:jc m:val="centerGroup"/>
-                    </m:oMathParaPr>
-                    <m:oMath xmlns:m="http://schemas.openxmlformats.org/officeDocument/2006/math">
-                      <m:sSub>
-                        <m:sSubPr>
-                          <m:ctrlPr>
-                            <a:rPr lang="el-GR" i="1" smtClean="0">
-                              <a:latin typeface="Cambria Math" panose="02040503050406030204" pitchFamily="18" charset="0"/>
-                              <a:ea typeface="Cambria Math" panose="02040503050406030204" pitchFamily="18" charset="0"/>
-                            </a:rPr>
-                          </m:ctrlPr>
-                        </m:sSubPr>
-                        <m:e>
-                          <m:r>
-                            <m:rPr>
-                              <m:sty m:val="p"/>
-                            </m:rPr>
-                            <a:rPr lang="el-GR" i="1" smtClean="0">
-                              <a:latin typeface="Cambria Math" panose="02040503050406030204" pitchFamily="18" charset="0"/>
-                              <a:ea typeface="Cambria Math" panose="02040503050406030204" pitchFamily="18" charset="0"/>
-                            </a:rPr>
-                            <m:t>Γ</m:t>
-                          </m:r>
-                        </m:e>
-                        <m:sub>
-                          <m:r>
-                            <a:rPr lang="en-US" b="0" i="1" smtClean="0">
-                              <a:latin typeface="Cambria Math" panose="02040503050406030204" pitchFamily="18" charset="0"/>
-                              <a:ea typeface="Cambria Math" panose="02040503050406030204" pitchFamily="18" charset="0"/>
-                            </a:rPr>
-                            <m:t>𝑙</m:t>
-                          </m:r>
-                        </m:sub>
-                      </m:sSub>
-                    </m:oMath>
-                  </m:oMathPara>
-                </a14:m>
-                <a:endParaRPr lang="ru-RU" dirty="0"/>
-              </a:p>
-            </p:txBody>
-          </p:sp>
-        </mc:Choice>
-        <mc:Fallback>
-          <p:sp>
-            <p:nvSpPr>
-              <p:cNvPr id="18" name="TextBox 17">
-                <a:extLst>
-                  <a:ext uri="{FF2B5EF4-FFF2-40B4-BE49-F238E27FC236}">
-                    <a16:creationId xmlns:a16="http://schemas.microsoft.com/office/drawing/2014/main" id="{8BFB8C2A-A5DA-4E5B-9196-FC92C4426E04}"/>
-                  </a:ext>
-                </a:extLst>
-              </p:cNvPr>
-              <p:cNvSpPr txBox="1">
-                <a:spLocks noRot="1" noChangeAspect="1" noMove="1" noResize="1" noEditPoints="1" noAdjustHandles="1" noChangeArrowheads="1" noChangeShapeType="1" noTextEdit="1"/>
-              </p:cNvSpPr>
-              <p:nvPr/>
-            </p:nvSpPr>
-            <p:spPr>
-              <a:xfrm>
-                <a:off x="1614263" y="3030915"/>
-                <a:ext cx="225703" cy="276999"/>
-              </a:xfrm>
-              <a:prstGeom prst="rect">
-                <a:avLst/>
-              </a:prstGeom>
-              <a:blipFill>
-                <a:blip r:embed="rId5"/>
-                <a:stretch>
-                  <a:fillRect l="-27027" r="-8108" b="-15217"/>
-                </a:stretch>
-              </a:blipFill>
-            </p:spPr>
-            <p:txBody>
-              <a:bodyPr/>
-              <a:lstStyle/>
-              <a:p>
-                <a:r>
-                  <a:rPr lang="ru-RU">
-                    <a:noFill/>
-                  </a:rPr>
-                  <a:t> </a:t>
-                </a:r>
-              </a:p>
-            </p:txBody>
-          </p:sp>
-        </mc:Fallback>
-      </mc:AlternateContent>
-      <mc:AlternateContent xmlns:mc="http://schemas.openxmlformats.org/markup-compatibility/2006">
-        <mc:Choice xmlns:a14="http://schemas.microsoft.com/office/drawing/2010/main" Requires="a14">
-          <p:sp>
-            <p:nvSpPr>
-              <p:cNvPr id="19" name="TextBox 18">
-                <a:extLst>
-                  <a:ext uri="{FF2B5EF4-FFF2-40B4-BE49-F238E27FC236}">
-                    <a16:creationId xmlns:a16="http://schemas.microsoft.com/office/drawing/2014/main" id="{BA63766A-7E20-4CF5-B2BF-0681F2F9CA67}"/>
-                  </a:ext>
-                </a:extLst>
-              </p:cNvPr>
-              <p:cNvSpPr txBox="1"/>
-              <p:nvPr/>
-            </p:nvSpPr>
-            <p:spPr>
-              <a:xfrm>
-                <a:off x="2513485" y="4312319"/>
-                <a:ext cx="252184" cy="299249"/>
-              </a:xfrm>
-              <a:prstGeom prst="rect">
-                <a:avLst/>
-              </a:prstGeom>
-              <a:noFill/>
-            </p:spPr>
-            <p:txBody>
-              <a:bodyPr wrap="none" lIns="0" tIns="0" rIns="0" bIns="0" rtlCol="0">
-                <a:spAutoFit/>
-              </a:bodyPr>
-              <a:lstStyle/>
-              <a:p>
-                <a14:m>
-                  <m:oMathPara xmlns:m="http://schemas.openxmlformats.org/officeDocument/2006/math">
-                    <m:oMathParaPr>
-                      <m:jc m:val="centerGroup"/>
-                    </m:oMathParaPr>
-                    <m:oMath xmlns:m="http://schemas.openxmlformats.org/officeDocument/2006/math">
-                      <m:sSub>
-                        <m:sSubPr>
-                          <m:ctrlPr>
-                            <a:rPr lang="el-GR" i="1" smtClean="0">
-                              <a:latin typeface="Cambria Math" panose="02040503050406030204" pitchFamily="18" charset="0"/>
-                              <a:ea typeface="Cambria Math" panose="02040503050406030204" pitchFamily="18" charset="0"/>
-                            </a:rPr>
-                          </m:ctrlPr>
-                        </m:sSubPr>
-                        <m:e>
-                          <m:r>
-                            <m:rPr>
-                              <m:sty m:val="p"/>
-                            </m:rPr>
-                            <a:rPr lang="el-GR" i="1" smtClean="0">
-                              <a:latin typeface="Cambria Math" panose="02040503050406030204" pitchFamily="18" charset="0"/>
-                              <a:ea typeface="Cambria Math" panose="02040503050406030204" pitchFamily="18" charset="0"/>
-                            </a:rPr>
-                            <m:t>Γ</m:t>
-                          </m:r>
-                        </m:e>
-                        <m:sub>
-                          <m:r>
-                            <a:rPr lang="en-US" b="0" i="1" smtClean="0">
-                              <a:latin typeface="Cambria Math" panose="02040503050406030204" pitchFamily="18" charset="0"/>
-                              <a:ea typeface="Cambria Math" panose="02040503050406030204" pitchFamily="18" charset="0"/>
-                            </a:rPr>
-                            <m:t>𝑓</m:t>
-                          </m:r>
-                        </m:sub>
-                      </m:sSub>
-                    </m:oMath>
-                  </m:oMathPara>
-                </a14:m>
-                <a:endParaRPr lang="ru-RU" dirty="0"/>
-              </a:p>
-            </p:txBody>
-          </p:sp>
-        </mc:Choice>
-        <mc:Fallback>
-          <p:sp>
-            <p:nvSpPr>
-              <p:cNvPr id="19" name="TextBox 18">
-                <a:extLst>
-                  <a:ext uri="{FF2B5EF4-FFF2-40B4-BE49-F238E27FC236}">
-                    <a16:creationId xmlns:a16="http://schemas.microsoft.com/office/drawing/2014/main" id="{BA63766A-7E20-4CF5-B2BF-0681F2F9CA67}"/>
-                  </a:ext>
-                </a:extLst>
-              </p:cNvPr>
-              <p:cNvSpPr txBox="1">
-                <a:spLocks noRot="1" noChangeAspect="1" noMove="1" noResize="1" noEditPoints="1" noAdjustHandles="1" noChangeArrowheads="1" noChangeShapeType="1" noTextEdit="1"/>
-              </p:cNvSpPr>
-              <p:nvPr/>
-            </p:nvSpPr>
-            <p:spPr>
-              <a:xfrm>
-                <a:off x="2513485" y="4312319"/>
-                <a:ext cx="252184" cy="299249"/>
-              </a:xfrm>
-              <a:prstGeom prst="rect">
-                <a:avLst/>
-              </a:prstGeom>
-              <a:blipFill>
-                <a:blip r:embed="rId6"/>
-                <a:stretch>
-                  <a:fillRect l="-21429" r="-14286" b="-28571"/>
-                </a:stretch>
-              </a:blipFill>
-            </p:spPr>
-            <p:txBody>
-              <a:bodyPr/>
-              <a:lstStyle/>
-              <a:p>
-                <a:r>
-                  <a:rPr lang="ru-RU">
-                    <a:noFill/>
-                  </a:rPr>
-                  <a:t> </a:t>
-                </a:r>
-              </a:p>
-            </p:txBody>
-          </p:sp>
-        </mc:Fallback>
-      </mc:AlternateContent>
-      <mc:AlternateContent xmlns:mc="http://schemas.openxmlformats.org/markup-compatibility/2006">
-        <mc:Choice xmlns:a14="http://schemas.microsoft.com/office/drawing/2010/main" Requires="a14">
-          <p:sp>
-            <p:nvSpPr>
-              <p:cNvPr id="20" name="TextBox 19">
-                <a:extLst>
-                  <a:ext uri="{FF2B5EF4-FFF2-40B4-BE49-F238E27FC236}">
-                    <a16:creationId xmlns:a16="http://schemas.microsoft.com/office/drawing/2014/main" id="{13B4C247-DDEA-49FF-AE76-314CA98F483E}"/>
-                  </a:ext>
-                </a:extLst>
-              </p:cNvPr>
-              <p:cNvSpPr txBox="1"/>
-              <p:nvPr/>
-            </p:nvSpPr>
-            <p:spPr>
-              <a:xfrm>
-                <a:off x="4776392" y="4312086"/>
-                <a:ext cx="278923" cy="276999"/>
-              </a:xfrm>
-              <a:prstGeom prst="rect">
-                <a:avLst/>
-              </a:prstGeom>
-              <a:noFill/>
-            </p:spPr>
-            <p:txBody>
-              <a:bodyPr wrap="none" lIns="0" tIns="0" rIns="0" bIns="0" rtlCol="0">
-                <a:spAutoFit/>
-              </a:bodyPr>
-              <a:lstStyle/>
-              <a:p>
-                <a14:m>
-                  <m:oMathPara xmlns:m="http://schemas.openxmlformats.org/officeDocument/2006/math">
-                    <m:oMathParaPr>
-                      <m:jc m:val="centerGroup"/>
-                    </m:oMathParaPr>
-                    <m:oMath xmlns:m="http://schemas.openxmlformats.org/officeDocument/2006/math">
-                      <m:sSub>
-                        <m:sSubPr>
-                          <m:ctrlPr>
-                            <a:rPr lang="el-GR" i="1" smtClean="0">
-                              <a:latin typeface="Cambria Math" panose="02040503050406030204" pitchFamily="18" charset="0"/>
-                              <a:ea typeface="Cambria Math" panose="02040503050406030204" pitchFamily="18" charset="0"/>
-                            </a:rPr>
-                          </m:ctrlPr>
-                        </m:sSubPr>
-                        <m:e>
-                          <m:r>
-                            <m:rPr>
-                              <m:sty m:val="p"/>
-                            </m:rPr>
-                            <a:rPr lang="el-GR" i="1" smtClean="0">
-                              <a:latin typeface="Cambria Math" panose="02040503050406030204" pitchFamily="18" charset="0"/>
-                              <a:ea typeface="Cambria Math" panose="02040503050406030204" pitchFamily="18" charset="0"/>
-                            </a:rPr>
-                            <m:t>Γ</m:t>
-                          </m:r>
-                        </m:e>
-                        <m:sub>
-                          <m:r>
-                            <a:rPr lang="en-US" b="0" i="1" smtClean="0">
-                              <a:latin typeface="Cambria Math" panose="02040503050406030204" pitchFamily="18" charset="0"/>
-                              <a:ea typeface="Cambria Math" panose="02040503050406030204" pitchFamily="18" charset="0"/>
-                            </a:rPr>
-                            <m:t>𝐵</m:t>
-                          </m:r>
-                        </m:sub>
-                      </m:sSub>
-                    </m:oMath>
-                  </m:oMathPara>
-                </a14:m>
-                <a:endParaRPr lang="ru-RU" dirty="0"/>
-              </a:p>
-            </p:txBody>
-          </p:sp>
-        </mc:Choice>
-        <mc:Fallback>
-          <p:sp>
-            <p:nvSpPr>
-              <p:cNvPr id="20" name="TextBox 19">
-                <a:extLst>
-                  <a:ext uri="{FF2B5EF4-FFF2-40B4-BE49-F238E27FC236}">
-                    <a16:creationId xmlns:a16="http://schemas.microsoft.com/office/drawing/2014/main" id="{13B4C247-DDEA-49FF-AE76-314CA98F483E}"/>
-                  </a:ext>
-                </a:extLst>
-              </p:cNvPr>
-              <p:cNvSpPr txBox="1">
-                <a:spLocks noRot="1" noChangeAspect="1" noMove="1" noResize="1" noEditPoints="1" noAdjustHandles="1" noChangeArrowheads="1" noChangeShapeType="1" noTextEdit="1"/>
-              </p:cNvSpPr>
-              <p:nvPr/>
-            </p:nvSpPr>
-            <p:spPr>
-              <a:xfrm>
-                <a:off x="4776392" y="4312086"/>
-                <a:ext cx="278923" cy="276999"/>
-              </a:xfrm>
-              <a:prstGeom prst="rect">
-                <a:avLst/>
-              </a:prstGeom>
-              <a:blipFill>
-                <a:blip r:embed="rId7"/>
-                <a:stretch>
-                  <a:fillRect l="-22222" r="-6667" b="-15217"/>
-                </a:stretch>
-              </a:blipFill>
-            </p:spPr>
-            <p:txBody>
-              <a:bodyPr/>
-              <a:lstStyle/>
-              <a:p>
-                <a:r>
-                  <a:rPr lang="ru-RU">
-                    <a:noFill/>
-                  </a:rPr>
-                  <a:t> </a:t>
-                </a:r>
-              </a:p>
-            </p:txBody>
-          </p:sp>
-        </mc:Fallback>
-      </mc:AlternateContent>
-      <mc:AlternateContent xmlns:mc="http://schemas.openxmlformats.org/markup-compatibility/2006">
-        <mc:Choice xmlns:a14="http://schemas.microsoft.com/office/drawing/2010/main" Requires="a14">
-          <p:sp>
-            <p:nvSpPr>
-              <p:cNvPr id="21" name="TextBox 20">
-                <a:extLst>
-                  <a:ext uri="{FF2B5EF4-FFF2-40B4-BE49-F238E27FC236}">
-                    <a16:creationId xmlns:a16="http://schemas.microsoft.com/office/drawing/2014/main" id="{C8C98F78-7E49-467A-97AD-166D5010BBA1}"/>
-                  </a:ext>
-                </a:extLst>
-              </p:cNvPr>
-              <p:cNvSpPr txBox="1"/>
-              <p:nvPr/>
-            </p:nvSpPr>
-            <p:spPr>
-              <a:xfrm>
-                <a:off x="5570999" y="3093106"/>
-                <a:ext cx="276293" cy="276999"/>
-              </a:xfrm>
-              <a:prstGeom prst="rect">
-                <a:avLst/>
-              </a:prstGeom>
-              <a:noFill/>
-            </p:spPr>
-            <p:txBody>
-              <a:bodyPr wrap="none" lIns="0" tIns="0" rIns="0" bIns="0" rtlCol="0">
-                <a:spAutoFit/>
-              </a:bodyPr>
-              <a:lstStyle/>
-              <a:p>
-                <a14:m>
-                  <m:oMathPara xmlns:m="http://schemas.openxmlformats.org/officeDocument/2006/math">
-                    <m:oMathParaPr>
-                      <m:jc m:val="centerGroup"/>
-                    </m:oMathParaPr>
-                    <m:oMath xmlns:m="http://schemas.openxmlformats.org/officeDocument/2006/math">
-                      <m:sSub>
-                        <m:sSubPr>
-                          <m:ctrlPr>
-                            <a:rPr lang="el-GR" i="1" smtClean="0">
-                              <a:latin typeface="Cambria Math" panose="02040503050406030204" pitchFamily="18" charset="0"/>
-                              <a:ea typeface="Cambria Math" panose="02040503050406030204" pitchFamily="18" charset="0"/>
-                            </a:rPr>
-                          </m:ctrlPr>
-                        </m:sSubPr>
-                        <m:e>
-                          <m:r>
-                            <m:rPr>
-                              <m:sty m:val="p"/>
-                            </m:rPr>
-                            <a:rPr lang="el-GR" i="1" smtClean="0">
-                              <a:latin typeface="Cambria Math" panose="02040503050406030204" pitchFamily="18" charset="0"/>
-                              <a:ea typeface="Cambria Math" panose="02040503050406030204" pitchFamily="18" charset="0"/>
-                            </a:rPr>
-                            <m:t>Γ</m:t>
-                          </m:r>
-                        </m:e>
-                        <m:sub>
-                          <m:r>
-                            <a:rPr lang="en-US" b="0" i="1" smtClean="0">
-                              <a:latin typeface="Cambria Math" panose="02040503050406030204" pitchFamily="18" charset="0"/>
-                              <a:ea typeface="Cambria Math" panose="02040503050406030204" pitchFamily="18" charset="0"/>
-                            </a:rPr>
-                            <m:t>𝑅</m:t>
-                          </m:r>
-                        </m:sub>
-                      </m:sSub>
-                    </m:oMath>
-                  </m:oMathPara>
-                </a14:m>
-                <a:endParaRPr lang="ru-RU" dirty="0"/>
-              </a:p>
-            </p:txBody>
-          </p:sp>
-        </mc:Choice>
-        <mc:Fallback>
-          <p:sp>
-            <p:nvSpPr>
-              <p:cNvPr id="21" name="TextBox 20">
-                <a:extLst>
-                  <a:ext uri="{FF2B5EF4-FFF2-40B4-BE49-F238E27FC236}">
-                    <a16:creationId xmlns:a16="http://schemas.microsoft.com/office/drawing/2014/main" id="{C8C98F78-7E49-467A-97AD-166D5010BBA1}"/>
-                  </a:ext>
-                </a:extLst>
-              </p:cNvPr>
-              <p:cNvSpPr txBox="1">
-                <a:spLocks noRot="1" noChangeAspect="1" noMove="1" noResize="1" noEditPoints="1" noAdjustHandles="1" noChangeArrowheads="1" noChangeShapeType="1" noTextEdit="1"/>
-              </p:cNvSpPr>
-              <p:nvPr/>
-            </p:nvSpPr>
-            <p:spPr>
-              <a:xfrm>
-                <a:off x="5570999" y="3093106"/>
-                <a:ext cx="276293" cy="276999"/>
-              </a:xfrm>
-              <a:prstGeom prst="rect">
-                <a:avLst/>
-              </a:prstGeom>
-              <a:blipFill>
-                <a:blip r:embed="rId8"/>
-                <a:stretch>
-                  <a:fillRect l="-20000" r="-6667" b="-15217"/>
-                </a:stretch>
-              </a:blipFill>
-            </p:spPr>
-            <p:txBody>
-              <a:bodyPr/>
-              <a:lstStyle/>
-              <a:p>
-                <a:r>
-                  <a:rPr lang="ru-RU">
-                    <a:noFill/>
-                  </a:rPr>
-                  <a:t> </a:t>
-                </a:r>
-              </a:p>
-            </p:txBody>
-          </p:sp>
-        </mc:Fallback>
-      </mc:AlternateContent>
-      <mc:AlternateContent xmlns:mc="http://schemas.openxmlformats.org/markup-compatibility/2006">
-        <mc:Choice xmlns:a14="http://schemas.microsoft.com/office/drawing/2010/main" Requires="a14">
-          <p:sp>
-            <p:nvSpPr>
-              <p:cNvPr id="22" name="TextBox 21">
-                <a:extLst>
-                  <a:ext uri="{FF2B5EF4-FFF2-40B4-BE49-F238E27FC236}">
-                    <a16:creationId xmlns:a16="http://schemas.microsoft.com/office/drawing/2014/main" id="{94F9C28D-6351-48FC-919B-CEDB998DC31B}"/>
-                  </a:ext>
-                </a:extLst>
-              </p:cNvPr>
-              <p:cNvSpPr txBox="1"/>
-              <p:nvPr/>
-            </p:nvSpPr>
-            <p:spPr>
-              <a:xfrm>
-                <a:off x="3534408" y="1878005"/>
-                <a:ext cx="278088" cy="276999"/>
-              </a:xfrm>
-              <a:prstGeom prst="rect">
-                <a:avLst/>
-              </a:prstGeom>
-              <a:noFill/>
-            </p:spPr>
-            <p:txBody>
-              <a:bodyPr wrap="none" lIns="0" tIns="0" rIns="0" bIns="0" rtlCol="0">
-                <a:spAutoFit/>
-              </a:bodyPr>
-              <a:lstStyle/>
-              <a:p>
-                <a14:m>
-                  <m:oMathPara xmlns:m="http://schemas.openxmlformats.org/officeDocument/2006/math">
-                    <m:oMathParaPr>
-                      <m:jc m:val="centerGroup"/>
-                    </m:oMathParaPr>
-                    <m:oMath xmlns:m="http://schemas.openxmlformats.org/officeDocument/2006/math">
-                      <m:sSub>
-                        <m:sSubPr>
-                          <m:ctrlPr>
-                            <a:rPr lang="el-GR" i="1" smtClean="0">
-                              <a:latin typeface="Cambria Math" panose="02040503050406030204" pitchFamily="18" charset="0"/>
-                              <a:ea typeface="Cambria Math" panose="02040503050406030204" pitchFamily="18" charset="0"/>
-                            </a:rPr>
-                          </m:ctrlPr>
-                        </m:sSubPr>
-                        <m:e>
-                          <m:r>
-                            <m:rPr>
-                              <m:sty m:val="p"/>
-                            </m:rPr>
-                            <a:rPr lang="el-GR" i="1" smtClean="0">
-                              <a:latin typeface="Cambria Math" panose="02040503050406030204" pitchFamily="18" charset="0"/>
-                              <a:ea typeface="Cambria Math" panose="02040503050406030204" pitchFamily="18" charset="0"/>
-                            </a:rPr>
-                            <m:t>Γ</m:t>
-                          </m:r>
-                        </m:e>
-                        <m:sub>
-                          <m:r>
-                            <a:rPr lang="en-US" b="0" i="1" smtClean="0">
-                              <a:latin typeface="Cambria Math" panose="02040503050406030204" pitchFamily="18" charset="0"/>
-                              <a:ea typeface="Cambria Math" panose="02040503050406030204" pitchFamily="18" charset="0"/>
-                            </a:rPr>
-                            <m:t>𝑇</m:t>
-                          </m:r>
-                        </m:sub>
-                      </m:sSub>
-                    </m:oMath>
-                  </m:oMathPara>
-                </a14:m>
-                <a:endParaRPr lang="ru-RU" dirty="0"/>
-              </a:p>
-            </p:txBody>
-          </p:sp>
-        </mc:Choice>
-        <mc:Fallback>
-          <p:sp>
-            <p:nvSpPr>
-              <p:cNvPr id="22" name="TextBox 21">
-                <a:extLst>
-                  <a:ext uri="{FF2B5EF4-FFF2-40B4-BE49-F238E27FC236}">
-                    <a16:creationId xmlns:a16="http://schemas.microsoft.com/office/drawing/2014/main" id="{94F9C28D-6351-48FC-919B-CEDB998DC31B}"/>
-                  </a:ext>
-                </a:extLst>
-              </p:cNvPr>
-              <p:cNvSpPr txBox="1">
-                <a:spLocks noRot="1" noChangeAspect="1" noMove="1" noResize="1" noEditPoints="1" noAdjustHandles="1" noChangeArrowheads="1" noChangeShapeType="1" noTextEdit="1"/>
-              </p:cNvSpPr>
-              <p:nvPr/>
-            </p:nvSpPr>
-            <p:spPr>
-              <a:xfrm>
-                <a:off x="3534408" y="1878005"/>
-                <a:ext cx="278088" cy="276999"/>
-              </a:xfrm>
-              <a:prstGeom prst="rect">
-                <a:avLst/>
-              </a:prstGeom>
-              <a:blipFill>
-                <a:blip r:embed="rId9"/>
-                <a:stretch>
-                  <a:fillRect l="-22222" r="-4444" b="-15217"/>
-                </a:stretch>
-              </a:blipFill>
-            </p:spPr>
-            <p:txBody>
-              <a:bodyPr/>
-              <a:lstStyle/>
-              <a:p>
-                <a:r>
-                  <a:rPr lang="ru-RU">
-                    <a:noFill/>
-                  </a:rPr>
-                  <a:t> </a:t>
-                </a:r>
-              </a:p>
-            </p:txBody>
-          </p:sp>
-        </mc:Fallback>
-      </mc:AlternateContent>
+                        <a:t> </a:t>
+                      </a:r>
+                    </a:p>
+                  </p:txBody>
+                </p:sp>
+              </mc:Fallback>
+            </mc:AlternateContent>
+            <p:cxnSp>
+              <p:nvCxnSpPr>
+                <p:cNvPr id="33" name="Прямая со стрелкой 32">
+                  <a:extLst>
+                    <a:ext uri="{FF2B5EF4-FFF2-40B4-BE49-F238E27FC236}">
+                      <a16:creationId xmlns:a16="http://schemas.microsoft.com/office/drawing/2014/main" id="{BDC066F5-0B76-4D06-867A-B2C67516ED49}"/>
+                    </a:ext>
+                  </a:extLst>
+                </p:cNvPr>
+                <p:cNvCxnSpPr>
+                  <a:cxnSpLocks noChangeAspect="1"/>
+                </p:cNvCxnSpPr>
+                <p:nvPr/>
+              </p:nvCxnSpPr>
+              <p:spPr>
+                <a:xfrm>
+                  <a:off x="7220890" y="6217771"/>
+                  <a:ext cx="430548" cy="0"/>
+                </a:xfrm>
+                <a:prstGeom prst="straightConnector1">
+                  <a:avLst/>
+                </a:prstGeom>
+                <a:ln w="28575">
+                  <a:solidFill>
+                    <a:srgbClr val="FF0000"/>
+                  </a:solidFill>
+                  <a:tailEnd type="triangle"/>
+                </a:ln>
+              </p:spPr>
+              <p:style>
+                <a:lnRef idx="1">
+                  <a:schemeClr val="accent1"/>
+                </a:lnRef>
+                <a:fillRef idx="0">
+                  <a:schemeClr val="accent1"/>
+                </a:fillRef>
+                <a:effectRef idx="0">
+                  <a:schemeClr val="accent1"/>
+                </a:effectRef>
+                <a:fontRef idx="minor">
+                  <a:schemeClr val="tx1"/>
+                </a:fontRef>
+              </p:style>
+            </p:cxnSp>
+          </p:grpSp>
+          <mc:AlternateContent xmlns:mc="http://schemas.openxmlformats.org/markup-compatibility/2006">
+            <mc:Choice xmlns:a14="http://schemas.microsoft.com/office/drawing/2010/main" Requires="a14">
+              <p:sp>
+                <p:nvSpPr>
+                  <p:cNvPr id="25" name="TextBox 24">
+                    <a:extLst>
+                      <a:ext uri="{FF2B5EF4-FFF2-40B4-BE49-F238E27FC236}">
+                        <a16:creationId xmlns:a16="http://schemas.microsoft.com/office/drawing/2014/main" id="{9F539C58-C867-4402-B0B0-EB009420196B}"/>
+                      </a:ext>
+                    </a:extLst>
+                  </p:cNvPr>
+                  <p:cNvSpPr txBox="1">
+                    <a:spLocks noChangeAspect="1"/>
+                  </p:cNvSpPr>
+                  <p:nvPr/>
+                </p:nvSpPr>
+                <p:spPr>
+                  <a:xfrm>
+                    <a:off x="5404680" y="5175411"/>
+                    <a:ext cx="225703" cy="276999"/>
+                  </a:xfrm>
+                  <a:prstGeom prst="rect">
+                    <a:avLst/>
+                  </a:prstGeom>
+                  <a:noFill/>
+                </p:spPr>
+                <p:txBody>
+                  <a:bodyPr wrap="square" lIns="0" tIns="0" rIns="0" bIns="0" rtlCol="0">
+                    <a:spAutoFit/>
+                  </a:bodyPr>
+                  <a:lstStyle/>
+                  <a:p>
+                    <a:pPr/>
+                    <a14:m>
+                      <m:oMathPara xmlns:m="http://schemas.openxmlformats.org/officeDocument/2006/math">
+                        <m:oMathParaPr>
+                          <m:jc m:val="centerGroup"/>
+                        </m:oMathParaPr>
+                        <m:oMath xmlns:m="http://schemas.openxmlformats.org/officeDocument/2006/math">
+                          <m:sSub>
+                            <m:sSubPr>
+                              <m:ctrlPr>
+                                <a:rPr lang="el-GR" i="1" smtClean="0">
+                                  <a:latin typeface="Cambria Math" panose="02040503050406030204" pitchFamily="18" charset="0"/>
+                                  <a:ea typeface="Cambria Math" panose="02040503050406030204" pitchFamily="18" charset="0"/>
+                                </a:rPr>
+                              </m:ctrlPr>
+                            </m:sSubPr>
+                            <m:e>
+                              <m:r>
+                                <m:rPr>
+                                  <m:sty m:val="p"/>
+                                </m:rPr>
+                                <a:rPr lang="el-GR" i="1" smtClean="0">
+                                  <a:latin typeface="Cambria Math" panose="02040503050406030204" pitchFamily="18" charset="0"/>
+                                  <a:ea typeface="Cambria Math" panose="02040503050406030204" pitchFamily="18" charset="0"/>
+                                </a:rPr>
+                                <m:t>Γ</m:t>
+                              </m:r>
+                            </m:e>
+                            <m:sub>
+                              <m:r>
+                                <a:rPr lang="en-US" b="0" i="1" smtClean="0">
+                                  <a:latin typeface="Cambria Math" panose="02040503050406030204" pitchFamily="18" charset="0"/>
+                                  <a:ea typeface="Cambria Math" panose="02040503050406030204" pitchFamily="18" charset="0"/>
+                                </a:rPr>
+                                <m:t>𝑙</m:t>
+                              </m:r>
+                            </m:sub>
+                          </m:sSub>
+                        </m:oMath>
+                      </m:oMathPara>
+                    </a14:m>
+                    <a:endParaRPr lang="ru-RU" dirty="0"/>
+                  </a:p>
+                </p:txBody>
+              </p:sp>
+            </mc:Choice>
+            <mc:Fallback>
+              <p:sp>
+                <p:nvSpPr>
+                  <p:cNvPr id="25" name="TextBox 24">
+                    <a:extLst>
+                      <a:ext uri="{FF2B5EF4-FFF2-40B4-BE49-F238E27FC236}">
+                        <a16:creationId xmlns:a16="http://schemas.microsoft.com/office/drawing/2014/main" id="{9F539C58-C867-4402-B0B0-EB009420196B}"/>
+                      </a:ext>
+                    </a:extLst>
+                  </p:cNvPr>
+                  <p:cNvSpPr txBox="1">
+                    <a:spLocks noRot="1" noChangeAspect="1" noMove="1" noResize="1" noEditPoints="1" noAdjustHandles="1" noChangeArrowheads="1" noChangeShapeType="1" noTextEdit="1"/>
+                  </p:cNvSpPr>
+                  <p:nvPr/>
+                </p:nvSpPr>
+                <p:spPr>
+                  <a:xfrm>
+                    <a:off x="5404680" y="5175411"/>
+                    <a:ext cx="225703" cy="276999"/>
+                  </a:xfrm>
+                  <a:prstGeom prst="rect">
+                    <a:avLst/>
+                  </a:prstGeom>
+                  <a:blipFill>
+                    <a:blip r:embed="rId7"/>
+                    <a:stretch>
+                      <a:fillRect l="-27027" r="-8108" b="-15217"/>
+                    </a:stretch>
+                  </a:blipFill>
+                </p:spPr>
+                <p:txBody>
+                  <a:bodyPr/>
+                  <a:lstStyle/>
+                  <a:p>
+                    <a:r>
+                      <a:rPr lang="ru-RU">
+                        <a:noFill/>
+                      </a:rPr>
+                      <a:t> </a:t>
+                    </a:r>
+                  </a:p>
+                </p:txBody>
+              </p:sp>
+            </mc:Fallback>
+          </mc:AlternateContent>
+          <mc:AlternateContent xmlns:mc="http://schemas.openxmlformats.org/markup-compatibility/2006">
+            <mc:Choice xmlns:a14="http://schemas.microsoft.com/office/drawing/2010/main" Requires="a14">
+              <p:sp>
+                <p:nvSpPr>
+                  <p:cNvPr id="26" name="TextBox 25">
+                    <a:extLst>
+                      <a:ext uri="{FF2B5EF4-FFF2-40B4-BE49-F238E27FC236}">
+                        <a16:creationId xmlns:a16="http://schemas.microsoft.com/office/drawing/2014/main" id="{EC510919-E20A-4EF3-A484-30F0D759F71A}"/>
+                      </a:ext>
+                    </a:extLst>
+                  </p:cNvPr>
+                  <p:cNvSpPr txBox="1">
+                    <a:spLocks noChangeAspect="1"/>
+                  </p:cNvSpPr>
+                  <p:nvPr/>
+                </p:nvSpPr>
+                <p:spPr>
+                  <a:xfrm>
+                    <a:off x="7037374" y="6420936"/>
+                    <a:ext cx="252184" cy="299249"/>
+                  </a:xfrm>
+                  <a:prstGeom prst="rect">
+                    <a:avLst/>
+                  </a:prstGeom>
+                  <a:noFill/>
+                </p:spPr>
+                <p:txBody>
+                  <a:bodyPr wrap="square" lIns="0" tIns="0" rIns="0" bIns="0" rtlCol="0">
+                    <a:spAutoFit/>
+                  </a:bodyPr>
+                  <a:lstStyle/>
+                  <a:p>
+                    <a:pPr/>
+                    <a14:m>
+                      <m:oMathPara xmlns:m="http://schemas.openxmlformats.org/officeDocument/2006/math">
+                        <m:oMathParaPr>
+                          <m:jc m:val="centerGroup"/>
+                        </m:oMathParaPr>
+                        <m:oMath xmlns:m="http://schemas.openxmlformats.org/officeDocument/2006/math">
+                          <m:sSub>
+                            <m:sSubPr>
+                              <m:ctrlPr>
+                                <a:rPr lang="el-GR" i="1" smtClean="0">
+                                  <a:latin typeface="Cambria Math" panose="02040503050406030204" pitchFamily="18" charset="0"/>
+                                  <a:ea typeface="Cambria Math" panose="02040503050406030204" pitchFamily="18" charset="0"/>
+                                </a:rPr>
+                              </m:ctrlPr>
+                            </m:sSubPr>
+                            <m:e>
+                              <m:r>
+                                <m:rPr>
+                                  <m:sty m:val="p"/>
+                                </m:rPr>
+                                <a:rPr lang="el-GR" i="1" smtClean="0">
+                                  <a:latin typeface="Cambria Math" panose="02040503050406030204" pitchFamily="18" charset="0"/>
+                                  <a:ea typeface="Cambria Math" panose="02040503050406030204" pitchFamily="18" charset="0"/>
+                                </a:rPr>
+                                <m:t>Γ</m:t>
+                              </m:r>
+                            </m:e>
+                            <m:sub>
+                              <m:r>
+                                <a:rPr lang="en-US" b="0" i="1" smtClean="0">
+                                  <a:latin typeface="Cambria Math" panose="02040503050406030204" pitchFamily="18" charset="0"/>
+                                  <a:ea typeface="Cambria Math" panose="02040503050406030204" pitchFamily="18" charset="0"/>
+                                </a:rPr>
+                                <m:t>𝑓</m:t>
+                              </m:r>
+                            </m:sub>
+                          </m:sSub>
+                        </m:oMath>
+                      </m:oMathPara>
+                    </a14:m>
+                    <a:endParaRPr lang="ru-RU" dirty="0"/>
+                  </a:p>
+                </p:txBody>
+              </p:sp>
+            </mc:Choice>
+            <mc:Fallback>
+              <p:sp>
+                <p:nvSpPr>
+                  <p:cNvPr id="26" name="TextBox 25">
+                    <a:extLst>
+                      <a:ext uri="{FF2B5EF4-FFF2-40B4-BE49-F238E27FC236}">
+                        <a16:creationId xmlns:a16="http://schemas.microsoft.com/office/drawing/2014/main" id="{EC510919-E20A-4EF3-A484-30F0D759F71A}"/>
+                      </a:ext>
+                    </a:extLst>
+                  </p:cNvPr>
+                  <p:cNvSpPr txBox="1">
+                    <a:spLocks noRot="1" noChangeAspect="1" noMove="1" noResize="1" noEditPoints="1" noAdjustHandles="1" noChangeArrowheads="1" noChangeShapeType="1" noTextEdit="1"/>
+                  </p:cNvSpPr>
+                  <p:nvPr/>
+                </p:nvSpPr>
+                <p:spPr>
+                  <a:xfrm>
+                    <a:off x="7037374" y="6420936"/>
+                    <a:ext cx="252184" cy="299249"/>
+                  </a:xfrm>
+                  <a:prstGeom prst="rect">
+                    <a:avLst/>
+                  </a:prstGeom>
+                  <a:blipFill>
+                    <a:blip r:embed="rId8"/>
+                    <a:stretch>
+                      <a:fillRect l="-21429" r="-14286" b="-28571"/>
+                    </a:stretch>
+                  </a:blipFill>
+                </p:spPr>
+                <p:txBody>
+                  <a:bodyPr/>
+                  <a:lstStyle/>
+                  <a:p>
+                    <a:r>
+                      <a:rPr lang="ru-RU">
+                        <a:noFill/>
+                      </a:rPr>
+                      <a:t> </a:t>
+                    </a:r>
+                  </a:p>
+                </p:txBody>
+              </p:sp>
+            </mc:Fallback>
+          </mc:AlternateContent>
+          <mc:AlternateContent xmlns:mc="http://schemas.openxmlformats.org/markup-compatibility/2006">
+            <mc:Choice xmlns:a14="http://schemas.microsoft.com/office/drawing/2010/main" Requires="a14">
+              <p:sp>
+                <p:nvSpPr>
+                  <p:cNvPr id="27" name="TextBox 26">
+                    <a:extLst>
+                      <a:ext uri="{FF2B5EF4-FFF2-40B4-BE49-F238E27FC236}">
+                        <a16:creationId xmlns:a16="http://schemas.microsoft.com/office/drawing/2014/main" id="{4712F8AA-1954-4528-BE92-8F0D6D716758}"/>
+                      </a:ext>
+                    </a:extLst>
+                  </p:cNvPr>
+                  <p:cNvSpPr txBox="1">
+                    <a:spLocks noChangeAspect="1"/>
+                  </p:cNvSpPr>
+                  <p:nvPr/>
+                </p:nvSpPr>
+                <p:spPr>
+                  <a:xfrm>
+                    <a:off x="9910368" y="6420936"/>
+                    <a:ext cx="278923" cy="276999"/>
+                  </a:xfrm>
+                  <a:prstGeom prst="rect">
+                    <a:avLst/>
+                  </a:prstGeom>
+                  <a:noFill/>
+                </p:spPr>
+                <p:txBody>
+                  <a:bodyPr wrap="square" lIns="0" tIns="0" rIns="0" bIns="0" rtlCol="0">
+                    <a:spAutoFit/>
+                  </a:bodyPr>
+                  <a:lstStyle/>
+                  <a:p>
+                    <a:pPr/>
+                    <a14:m>
+                      <m:oMathPara xmlns:m="http://schemas.openxmlformats.org/officeDocument/2006/math">
+                        <m:oMathParaPr>
+                          <m:jc m:val="centerGroup"/>
+                        </m:oMathParaPr>
+                        <m:oMath xmlns:m="http://schemas.openxmlformats.org/officeDocument/2006/math">
+                          <m:sSub>
+                            <m:sSubPr>
+                              <m:ctrlPr>
+                                <a:rPr lang="el-GR" i="1" smtClean="0">
+                                  <a:latin typeface="Cambria Math" panose="02040503050406030204" pitchFamily="18" charset="0"/>
+                                  <a:ea typeface="Cambria Math" panose="02040503050406030204" pitchFamily="18" charset="0"/>
+                                </a:rPr>
+                              </m:ctrlPr>
+                            </m:sSubPr>
+                            <m:e>
+                              <m:r>
+                                <m:rPr>
+                                  <m:sty m:val="p"/>
+                                </m:rPr>
+                                <a:rPr lang="el-GR" i="1" smtClean="0">
+                                  <a:latin typeface="Cambria Math" panose="02040503050406030204" pitchFamily="18" charset="0"/>
+                                  <a:ea typeface="Cambria Math" panose="02040503050406030204" pitchFamily="18" charset="0"/>
+                                </a:rPr>
+                                <m:t>Γ</m:t>
+                              </m:r>
+                            </m:e>
+                            <m:sub>
+                              <m:r>
+                                <a:rPr lang="en-US" b="0" i="1" smtClean="0">
+                                  <a:latin typeface="Cambria Math" panose="02040503050406030204" pitchFamily="18" charset="0"/>
+                                  <a:ea typeface="Cambria Math" panose="02040503050406030204" pitchFamily="18" charset="0"/>
+                                </a:rPr>
+                                <m:t>𝐵</m:t>
+                              </m:r>
+                            </m:sub>
+                          </m:sSub>
+                        </m:oMath>
+                      </m:oMathPara>
+                    </a14:m>
+                    <a:endParaRPr lang="ru-RU" dirty="0"/>
+                  </a:p>
+                </p:txBody>
+              </p:sp>
+            </mc:Choice>
+            <mc:Fallback>
+              <p:sp>
+                <p:nvSpPr>
+                  <p:cNvPr id="27" name="TextBox 26">
+                    <a:extLst>
+                      <a:ext uri="{FF2B5EF4-FFF2-40B4-BE49-F238E27FC236}">
+                        <a16:creationId xmlns:a16="http://schemas.microsoft.com/office/drawing/2014/main" id="{4712F8AA-1954-4528-BE92-8F0D6D716758}"/>
+                      </a:ext>
+                    </a:extLst>
+                  </p:cNvPr>
+                  <p:cNvSpPr txBox="1">
+                    <a:spLocks noRot="1" noChangeAspect="1" noMove="1" noResize="1" noEditPoints="1" noAdjustHandles="1" noChangeArrowheads="1" noChangeShapeType="1" noTextEdit="1"/>
+                  </p:cNvSpPr>
+                  <p:nvPr/>
+                </p:nvSpPr>
+                <p:spPr>
+                  <a:xfrm>
+                    <a:off x="9910368" y="6420936"/>
+                    <a:ext cx="278923" cy="276999"/>
+                  </a:xfrm>
+                  <a:prstGeom prst="rect">
+                    <a:avLst/>
+                  </a:prstGeom>
+                  <a:blipFill>
+                    <a:blip r:embed="rId9"/>
+                    <a:stretch>
+                      <a:fillRect l="-22222" r="-6667" b="-15556"/>
+                    </a:stretch>
+                  </a:blipFill>
+                </p:spPr>
+                <p:txBody>
+                  <a:bodyPr/>
+                  <a:lstStyle/>
+                  <a:p>
+                    <a:r>
+                      <a:rPr lang="ru-RU">
+                        <a:noFill/>
+                      </a:rPr>
+                      <a:t> </a:t>
+                    </a:r>
+                  </a:p>
+                </p:txBody>
+              </p:sp>
+            </mc:Fallback>
+          </mc:AlternateContent>
+          <mc:AlternateContent xmlns:mc="http://schemas.openxmlformats.org/markup-compatibility/2006">
+            <mc:Choice xmlns:a14="http://schemas.microsoft.com/office/drawing/2010/main" Requires="a14">
+              <p:sp>
+                <p:nvSpPr>
+                  <p:cNvPr id="28" name="TextBox 27">
+                    <a:extLst>
+                      <a:ext uri="{FF2B5EF4-FFF2-40B4-BE49-F238E27FC236}">
+                        <a16:creationId xmlns:a16="http://schemas.microsoft.com/office/drawing/2014/main" id="{98DBD084-6FF8-4D10-AAA2-D66A52128FF6}"/>
+                      </a:ext>
+                    </a:extLst>
+                  </p:cNvPr>
+                  <p:cNvSpPr txBox="1">
+                    <a:spLocks noChangeAspect="1"/>
+                  </p:cNvSpPr>
+                  <p:nvPr/>
+                </p:nvSpPr>
+                <p:spPr>
+                  <a:xfrm>
+                    <a:off x="11293948" y="5235248"/>
+                    <a:ext cx="276293" cy="276999"/>
+                  </a:xfrm>
+                  <a:prstGeom prst="rect">
+                    <a:avLst/>
+                  </a:prstGeom>
+                  <a:noFill/>
+                </p:spPr>
+                <p:txBody>
+                  <a:bodyPr wrap="square" lIns="0" tIns="0" rIns="0" bIns="0" rtlCol="0">
+                    <a:spAutoFit/>
+                  </a:bodyPr>
+                  <a:lstStyle/>
+                  <a:p>
+                    <a:pPr/>
+                    <a14:m>
+                      <m:oMathPara xmlns:m="http://schemas.openxmlformats.org/officeDocument/2006/math">
+                        <m:oMathParaPr>
+                          <m:jc m:val="centerGroup"/>
+                        </m:oMathParaPr>
+                        <m:oMath xmlns:m="http://schemas.openxmlformats.org/officeDocument/2006/math">
+                          <m:sSub>
+                            <m:sSubPr>
+                              <m:ctrlPr>
+                                <a:rPr lang="el-GR" i="1" smtClean="0">
+                                  <a:latin typeface="Cambria Math" panose="02040503050406030204" pitchFamily="18" charset="0"/>
+                                  <a:ea typeface="Cambria Math" panose="02040503050406030204" pitchFamily="18" charset="0"/>
+                                </a:rPr>
+                              </m:ctrlPr>
+                            </m:sSubPr>
+                            <m:e>
+                              <m:r>
+                                <m:rPr>
+                                  <m:sty m:val="p"/>
+                                </m:rPr>
+                                <a:rPr lang="el-GR" i="1" smtClean="0">
+                                  <a:latin typeface="Cambria Math" panose="02040503050406030204" pitchFamily="18" charset="0"/>
+                                  <a:ea typeface="Cambria Math" panose="02040503050406030204" pitchFamily="18" charset="0"/>
+                                </a:rPr>
+                                <m:t>Γ</m:t>
+                              </m:r>
+                            </m:e>
+                            <m:sub>
+                              <m:r>
+                                <a:rPr lang="en-US" b="0" i="1" smtClean="0">
+                                  <a:latin typeface="Cambria Math" panose="02040503050406030204" pitchFamily="18" charset="0"/>
+                                  <a:ea typeface="Cambria Math" panose="02040503050406030204" pitchFamily="18" charset="0"/>
+                                </a:rPr>
+                                <m:t>𝑅</m:t>
+                              </m:r>
+                            </m:sub>
+                          </m:sSub>
+                        </m:oMath>
+                      </m:oMathPara>
+                    </a14:m>
+                    <a:endParaRPr lang="ru-RU" dirty="0"/>
+                  </a:p>
+                </p:txBody>
+              </p:sp>
+            </mc:Choice>
+            <mc:Fallback>
+              <p:sp>
+                <p:nvSpPr>
+                  <p:cNvPr id="28" name="TextBox 27">
+                    <a:extLst>
+                      <a:ext uri="{FF2B5EF4-FFF2-40B4-BE49-F238E27FC236}">
+                        <a16:creationId xmlns:a16="http://schemas.microsoft.com/office/drawing/2014/main" id="{98DBD084-6FF8-4D10-AAA2-D66A52128FF6}"/>
+                      </a:ext>
+                    </a:extLst>
+                  </p:cNvPr>
+                  <p:cNvSpPr txBox="1">
+                    <a:spLocks noRot="1" noChangeAspect="1" noMove="1" noResize="1" noEditPoints="1" noAdjustHandles="1" noChangeArrowheads="1" noChangeShapeType="1" noTextEdit="1"/>
+                  </p:cNvSpPr>
+                  <p:nvPr/>
+                </p:nvSpPr>
+                <p:spPr>
+                  <a:xfrm>
+                    <a:off x="11293948" y="5235248"/>
+                    <a:ext cx="276293" cy="276999"/>
+                  </a:xfrm>
+                  <a:prstGeom prst="rect">
+                    <a:avLst/>
+                  </a:prstGeom>
+                  <a:blipFill>
+                    <a:blip r:embed="rId10"/>
+                    <a:stretch>
+                      <a:fillRect l="-20000" r="-6667" b="-15217"/>
+                    </a:stretch>
+                  </a:blipFill>
+                </p:spPr>
+                <p:txBody>
+                  <a:bodyPr/>
+                  <a:lstStyle/>
+                  <a:p>
+                    <a:r>
+                      <a:rPr lang="ru-RU">
+                        <a:noFill/>
+                      </a:rPr>
+                      <a:t> </a:t>
+                    </a:r>
+                  </a:p>
+                </p:txBody>
+              </p:sp>
+            </mc:Fallback>
+          </mc:AlternateContent>
+          <mc:AlternateContent xmlns:mc="http://schemas.openxmlformats.org/markup-compatibility/2006">
+            <mc:Choice xmlns:a14="http://schemas.microsoft.com/office/drawing/2010/main" Requires="a14">
+              <p:sp>
+                <p:nvSpPr>
+                  <p:cNvPr id="29" name="TextBox 28">
+                    <a:extLst>
+                      <a:ext uri="{FF2B5EF4-FFF2-40B4-BE49-F238E27FC236}">
+                        <a16:creationId xmlns:a16="http://schemas.microsoft.com/office/drawing/2014/main" id="{3BCD5B23-9720-4568-BA6E-E08B715CC054}"/>
+                      </a:ext>
+                    </a:extLst>
+                  </p:cNvPr>
+                  <p:cNvSpPr txBox="1">
+                    <a:spLocks noChangeAspect="1"/>
+                  </p:cNvSpPr>
+                  <p:nvPr/>
+                </p:nvSpPr>
+                <p:spPr>
+                  <a:xfrm>
+                    <a:off x="8221551" y="4070216"/>
+                    <a:ext cx="278088" cy="276999"/>
+                  </a:xfrm>
+                  <a:prstGeom prst="rect">
+                    <a:avLst/>
+                  </a:prstGeom>
+                  <a:noFill/>
+                </p:spPr>
+                <p:txBody>
+                  <a:bodyPr wrap="square" lIns="0" tIns="0" rIns="0" bIns="0" rtlCol="0">
+                    <a:spAutoFit/>
+                  </a:bodyPr>
+                  <a:lstStyle/>
+                  <a:p>
+                    <a:pPr/>
+                    <a14:m>
+                      <m:oMathPara xmlns:m="http://schemas.openxmlformats.org/officeDocument/2006/math">
+                        <m:oMathParaPr>
+                          <m:jc m:val="centerGroup"/>
+                        </m:oMathParaPr>
+                        <m:oMath xmlns:m="http://schemas.openxmlformats.org/officeDocument/2006/math">
+                          <m:sSub>
+                            <m:sSubPr>
+                              <m:ctrlPr>
+                                <a:rPr lang="el-GR" i="1" smtClean="0">
+                                  <a:latin typeface="Cambria Math" panose="02040503050406030204" pitchFamily="18" charset="0"/>
+                                  <a:ea typeface="Cambria Math" panose="02040503050406030204" pitchFamily="18" charset="0"/>
+                                </a:rPr>
+                              </m:ctrlPr>
+                            </m:sSubPr>
+                            <m:e>
+                              <m:r>
+                                <m:rPr>
+                                  <m:sty m:val="p"/>
+                                </m:rPr>
+                                <a:rPr lang="el-GR" i="1" smtClean="0">
+                                  <a:latin typeface="Cambria Math" panose="02040503050406030204" pitchFamily="18" charset="0"/>
+                                  <a:ea typeface="Cambria Math" panose="02040503050406030204" pitchFamily="18" charset="0"/>
+                                </a:rPr>
+                                <m:t>Γ</m:t>
+                              </m:r>
+                            </m:e>
+                            <m:sub>
+                              <m:r>
+                                <a:rPr lang="en-US" b="0" i="1" smtClean="0">
+                                  <a:latin typeface="Cambria Math" panose="02040503050406030204" pitchFamily="18" charset="0"/>
+                                  <a:ea typeface="Cambria Math" panose="02040503050406030204" pitchFamily="18" charset="0"/>
+                                </a:rPr>
+                                <m:t>𝑇</m:t>
+                              </m:r>
+                            </m:sub>
+                          </m:sSub>
+                        </m:oMath>
+                      </m:oMathPara>
+                    </a14:m>
+                    <a:endParaRPr lang="ru-RU" dirty="0"/>
+                  </a:p>
+                </p:txBody>
+              </p:sp>
+            </mc:Choice>
+            <mc:Fallback>
+              <p:sp>
+                <p:nvSpPr>
+                  <p:cNvPr id="29" name="TextBox 28">
+                    <a:extLst>
+                      <a:ext uri="{FF2B5EF4-FFF2-40B4-BE49-F238E27FC236}">
+                        <a16:creationId xmlns:a16="http://schemas.microsoft.com/office/drawing/2014/main" id="{3BCD5B23-9720-4568-BA6E-E08B715CC054}"/>
+                      </a:ext>
+                    </a:extLst>
+                  </p:cNvPr>
+                  <p:cNvSpPr txBox="1">
+                    <a:spLocks noRot="1" noChangeAspect="1" noMove="1" noResize="1" noEditPoints="1" noAdjustHandles="1" noChangeArrowheads="1" noChangeShapeType="1" noTextEdit="1"/>
+                  </p:cNvSpPr>
+                  <p:nvPr/>
+                </p:nvSpPr>
+                <p:spPr>
+                  <a:xfrm>
+                    <a:off x="8221551" y="4070216"/>
+                    <a:ext cx="278088" cy="276999"/>
+                  </a:xfrm>
+                  <a:prstGeom prst="rect">
+                    <a:avLst/>
+                  </a:prstGeom>
+                  <a:blipFill>
+                    <a:blip r:embed="rId11"/>
+                    <a:stretch>
+                      <a:fillRect l="-22222" r="-4444" b="-15217"/>
+                    </a:stretch>
+                  </a:blipFill>
+                </p:spPr>
+                <p:txBody>
+                  <a:bodyPr/>
+                  <a:lstStyle/>
+                  <a:p>
+                    <a:r>
+                      <a:rPr lang="ru-RU">
+                        <a:noFill/>
+                      </a:rPr>
+                      <a:t> </a:t>
+                    </a:r>
+                  </a:p>
+                </p:txBody>
+              </p:sp>
+            </mc:Fallback>
+          </mc:AlternateContent>
+        </p:grpSp>
+        <mc:AlternateContent xmlns:mc="http://schemas.openxmlformats.org/markup-compatibility/2006">
+          <mc:Choice xmlns:a14="http://schemas.microsoft.com/office/drawing/2010/main" Requires="a14">
+            <p:sp>
+              <p:nvSpPr>
+                <p:cNvPr id="16" name="TextBox 15">
+                  <a:extLst>
+                    <a:ext uri="{FF2B5EF4-FFF2-40B4-BE49-F238E27FC236}">
+                      <a16:creationId xmlns:a16="http://schemas.microsoft.com/office/drawing/2014/main" id="{2211C296-1934-4598-A4EB-A8AD0FA4E077}"/>
+                    </a:ext>
+                  </a:extLst>
+                </p:cNvPr>
+                <p:cNvSpPr txBox="1">
+                  <a:spLocks noChangeAspect="1"/>
+                </p:cNvSpPr>
+                <p:nvPr/>
+              </p:nvSpPr>
+              <p:spPr>
+                <a:xfrm>
+                  <a:off x="6018302" y="5879014"/>
+                  <a:ext cx="277320" cy="276999"/>
+                </a:xfrm>
+                <a:prstGeom prst="rect">
+                  <a:avLst/>
+                </a:prstGeom>
+                <a:noFill/>
+              </p:spPr>
+              <p:txBody>
+                <a:bodyPr wrap="square" lIns="0" tIns="0" rIns="0" bIns="0" rtlCol="0">
+                  <a:spAutoFit/>
+                </a:bodyPr>
+                <a:lstStyle/>
+                <a:p>
+                  <a:pPr/>
+                  <a14:m>
+                    <m:oMathPara xmlns:m="http://schemas.openxmlformats.org/officeDocument/2006/math">
+                      <m:oMathParaPr>
+                        <m:jc m:val="centerGroup"/>
+                      </m:oMathParaPr>
+                      <m:oMath xmlns:m="http://schemas.openxmlformats.org/officeDocument/2006/math">
+                        <m:r>
+                          <m:rPr>
+                            <m:sty m:val="p"/>
+                          </m:rPr>
+                          <a:rPr lang="el-GR" i="1" smtClean="0">
+                            <a:latin typeface="Cambria Math" panose="02040503050406030204" pitchFamily="18" charset="0"/>
+                            <a:ea typeface="Cambria Math" panose="02040503050406030204" pitchFamily="18" charset="0"/>
+                          </a:rPr>
+                          <m:t>Ω</m:t>
+                        </m:r>
+                      </m:oMath>
+                    </m:oMathPara>
+                  </a14:m>
+                  <a:endParaRPr lang="ru-RU" dirty="0"/>
+                </a:p>
+              </p:txBody>
+            </p:sp>
+          </mc:Choice>
+          <mc:Fallback>
+            <p:sp>
+              <p:nvSpPr>
+                <p:cNvPr id="16" name="TextBox 15">
+                  <a:extLst>
+                    <a:ext uri="{FF2B5EF4-FFF2-40B4-BE49-F238E27FC236}">
+                      <a16:creationId xmlns:a16="http://schemas.microsoft.com/office/drawing/2014/main" id="{2211C296-1934-4598-A4EB-A8AD0FA4E077}"/>
+                    </a:ext>
+                  </a:extLst>
+                </p:cNvPr>
+                <p:cNvSpPr txBox="1">
+                  <a:spLocks noRot="1" noChangeAspect="1" noMove="1" noResize="1" noEditPoints="1" noAdjustHandles="1" noChangeArrowheads="1" noChangeShapeType="1" noTextEdit="1"/>
+                </p:cNvSpPr>
+                <p:nvPr/>
+              </p:nvSpPr>
+              <p:spPr>
+                <a:xfrm>
+                  <a:off x="6018302" y="5879014"/>
+                  <a:ext cx="277320" cy="276999"/>
+                </a:xfrm>
+                <a:prstGeom prst="rect">
+                  <a:avLst/>
+                </a:prstGeom>
+                <a:blipFill>
+                  <a:blip r:embed="rId12"/>
+                  <a:stretch>
+                    <a:fillRect l="-6522" r="-8696" b="-6667"/>
+                  </a:stretch>
+                </a:blipFill>
+              </p:spPr>
+              <p:txBody>
+                <a:bodyPr/>
+                <a:lstStyle/>
+                <a:p>
+                  <a:r>
+                    <a:rPr lang="ru-RU">
+                      <a:noFill/>
+                    </a:rPr>
+                    <a:t> </a:t>
+                  </a:r>
+                </a:p>
+              </p:txBody>
+            </p:sp>
+          </mc:Fallback>
+        </mc:AlternateContent>
+      </p:grpSp>
     </p:spTree>
     <p:extLst>
       <p:ext uri="{BB962C8B-B14F-4D97-AF65-F5344CB8AC3E}">
@@ -4961,8 +5100,8 @@
             </a:fontRef>
           </p:style>
         </p:cxnSp>
-        <mc:AlternateContent xmlns:mc="http://schemas.openxmlformats.org/markup-compatibility/2006">
-          <mc:Choice xmlns:a14="http://schemas.microsoft.com/office/drawing/2010/main" Requires="a14">
+        <mc:AlternateContent xmlns:mc="http://schemas.openxmlformats.org/markup-compatibility/2006" xmlns:a14="http://schemas.microsoft.com/office/drawing/2010/main">
+          <mc:Choice Requires="a14">
             <p:sp>
               <p:nvSpPr>
                 <p:cNvPr id="9" name="TextBox 8">
@@ -5012,7 +5151,7 @@
               </p:txBody>
             </p:sp>
           </mc:Choice>
-          <mc:Fallback>
+          <mc:Fallback xmlns="">
             <p:sp>
               <p:nvSpPr>
                 <p:cNvPr id="9" name="TextBox 8">
@@ -5057,8 +5196,8 @@
             </p:sp>
           </mc:Fallback>
         </mc:AlternateContent>
-        <mc:AlternateContent xmlns:mc="http://schemas.openxmlformats.org/markup-compatibility/2006">
-          <mc:Choice xmlns:a14="http://schemas.microsoft.com/office/drawing/2010/main" Requires="a14">
+        <mc:AlternateContent xmlns:mc="http://schemas.openxmlformats.org/markup-compatibility/2006" xmlns:a14="http://schemas.microsoft.com/office/drawing/2010/main">
+          <mc:Choice Requires="a14">
             <p:sp>
               <p:nvSpPr>
                 <p:cNvPr id="10" name="TextBox 9">
@@ -5108,7 +5247,7 @@
               </p:txBody>
             </p:sp>
           </mc:Choice>
-          <mc:Fallback>
+          <mc:Fallback xmlns="">
             <p:sp>
               <p:nvSpPr>
                 <p:cNvPr id="10" name="TextBox 9">
@@ -5154,8 +5293,8 @@
           </mc:Fallback>
         </mc:AlternateContent>
       </p:grpSp>
-      <mc:AlternateContent xmlns:mc="http://schemas.openxmlformats.org/markup-compatibility/2006">
-        <mc:Choice xmlns:a14="http://schemas.microsoft.com/office/drawing/2010/main" Requires="a14">
+      <mc:AlternateContent xmlns:mc="http://schemas.openxmlformats.org/markup-compatibility/2006" xmlns:a14="http://schemas.microsoft.com/office/drawing/2010/main">
+        <mc:Choice Requires="a14">
           <p:sp>
             <p:nvSpPr>
               <p:cNvPr id="18" name="TextBox 17">
@@ -5230,7 +5369,7 @@
             </p:txBody>
           </p:sp>
         </mc:Choice>
-        <mc:Fallback>
+        <mc:Fallback xmlns="">
           <p:sp>
             <p:nvSpPr>
               <p:cNvPr id="18" name="TextBox 17">
@@ -5275,8 +5414,8 @@
           </p:sp>
         </mc:Fallback>
       </mc:AlternateContent>
-      <mc:AlternateContent xmlns:mc="http://schemas.openxmlformats.org/markup-compatibility/2006">
-        <mc:Choice xmlns:a14="http://schemas.microsoft.com/office/drawing/2010/main" Requires="a14">
+      <mc:AlternateContent xmlns:mc="http://schemas.openxmlformats.org/markup-compatibility/2006" xmlns:a14="http://schemas.microsoft.com/office/drawing/2010/main">
+        <mc:Choice Requires="a14">
           <p:sp>
             <p:nvSpPr>
               <p:cNvPr id="19" name="TextBox 18">
@@ -5351,7 +5490,7 @@
             </p:txBody>
           </p:sp>
         </mc:Choice>
-        <mc:Fallback>
+        <mc:Fallback xmlns="">
           <p:sp>
             <p:nvSpPr>
               <p:cNvPr id="19" name="TextBox 18">
@@ -5396,8 +5535,8 @@
           </p:sp>
         </mc:Fallback>
       </mc:AlternateContent>
-      <mc:AlternateContent xmlns:mc="http://schemas.openxmlformats.org/markup-compatibility/2006">
-        <mc:Choice xmlns:a14="http://schemas.microsoft.com/office/drawing/2010/main" Requires="a14">
+      <mc:AlternateContent xmlns:mc="http://schemas.openxmlformats.org/markup-compatibility/2006" xmlns:a14="http://schemas.microsoft.com/office/drawing/2010/main">
+        <mc:Choice Requires="a14">
           <p:sp>
             <p:nvSpPr>
               <p:cNvPr id="20" name="TextBox 19">
@@ -5472,7 +5611,7 @@
             </p:txBody>
           </p:sp>
         </mc:Choice>
-        <mc:Fallback>
+        <mc:Fallback xmlns="">
           <p:sp>
             <p:nvSpPr>
               <p:cNvPr id="20" name="TextBox 19">
@@ -5517,8 +5656,8 @@
           </p:sp>
         </mc:Fallback>
       </mc:AlternateContent>
-      <mc:AlternateContent xmlns:mc="http://schemas.openxmlformats.org/markup-compatibility/2006">
-        <mc:Choice xmlns:a14="http://schemas.microsoft.com/office/drawing/2010/main" Requires="a14">
+      <mc:AlternateContent xmlns:mc="http://schemas.openxmlformats.org/markup-compatibility/2006" xmlns:a14="http://schemas.microsoft.com/office/drawing/2010/main">
+        <mc:Choice Requires="a14">
           <p:sp>
             <p:nvSpPr>
               <p:cNvPr id="21" name="TextBox 20">
@@ -5593,7 +5732,7 @@
             </p:txBody>
           </p:sp>
         </mc:Choice>
-        <mc:Fallback>
+        <mc:Fallback xmlns="">
           <p:sp>
             <p:nvSpPr>
               <p:cNvPr id="21" name="TextBox 20">
@@ -5638,8 +5777,8 @@
           </p:sp>
         </mc:Fallback>
       </mc:AlternateContent>
-      <mc:AlternateContent xmlns:mc="http://schemas.openxmlformats.org/markup-compatibility/2006">
-        <mc:Choice xmlns:a14="http://schemas.microsoft.com/office/drawing/2010/main" Requires="a14">
+      <mc:AlternateContent xmlns:mc="http://schemas.openxmlformats.org/markup-compatibility/2006" xmlns:a14="http://schemas.microsoft.com/office/drawing/2010/main">
+        <mc:Choice Requires="a14">
           <p:sp>
             <p:nvSpPr>
               <p:cNvPr id="22" name="TextBox 21">
@@ -5714,7 +5853,7 @@
             </p:txBody>
           </p:sp>
         </mc:Choice>
-        <mc:Fallback>
+        <mc:Fallback xmlns="">
           <p:sp>
             <p:nvSpPr>
               <p:cNvPr id="22" name="TextBox 21">
@@ -6124,8 +6263,8 @@
           </a:fontRef>
         </p:style>
       </p:cxnSp>
-      <mc:AlternateContent xmlns:mc="http://schemas.openxmlformats.org/markup-compatibility/2006">
-        <mc:Choice xmlns:a14="http://schemas.microsoft.com/office/drawing/2010/main" Requires="a14">
+      <mc:AlternateContent xmlns:mc="http://schemas.openxmlformats.org/markup-compatibility/2006" xmlns:a14="http://schemas.microsoft.com/office/drawing/2010/main">
+        <mc:Choice Requires="a14">
           <p:sp>
             <p:nvSpPr>
               <p:cNvPr id="27" name="TextBox 26">
@@ -6200,7 +6339,7 @@
             </p:txBody>
           </p:sp>
         </mc:Choice>
-        <mc:Fallback>
+        <mc:Fallback xmlns="">
           <p:sp>
             <p:nvSpPr>
               <p:cNvPr id="27" name="TextBox 26">
@@ -6245,8 +6384,8 @@
           </p:sp>
         </mc:Fallback>
       </mc:AlternateContent>
-      <mc:AlternateContent xmlns:mc="http://schemas.openxmlformats.org/markup-compatibility/2006">
-        <mc:Choice xmlns:a14="http://schemas.microsoft.com/office/drawing/2010/main" Requires="a14">
+      <mc:AlternateContent xmlns:mc="http://schemas.openxmlformats.org/markup-compatibility/2006" xmlns:a14="http://schemas.microsoft.com/office/drawing/2010/main">
+        <mc:Choice Requires="a14">
           <p:sp>
             <p:nvSpPr>
               <p:cNvPr id="17" name="TextBox 16">
@@ -6300,7 +6439,7 @@
             </p:txBody>
           </p:sp>
         </mc:Choice>
-        <mc:Fallback>
+        <mc:Fallback xmlns="">
           <p:sp>
             <p:nvSpPr>
               <p:cNvPr id="17" name="TextBox 16">
@@ -6375,128 +6514,6 @@
           <a:chExt cx="0" cy="0"/>
         </a:xfrm>
       </p:grpSpPr>
-      <p:grpSp>
-        <p:nvGrpSpPr>
-          <p:cNvPr id="125" name="Группа 124">
-            <a:extLst>
-              <a:ext uri="{FF2B5EF4-FFF2-40B4-BE49-F238E27FC236}">
-                <a16:creationId xmlns:a16="http://schemas.microsoft.com/office/drawing/2014/main" id="{8C58781D-4446-4AE7-BDD6-6A23F204EF2B}"/>
-              </a:ext>
-            </a:extLst>
-          </p:cNvPr>
-          <p:cNvGrpSpPr/>
-          <p:nvPr/>
-        </p:nvGrpSpPr>
-        <p:grpSpPr>
-          <a:xfrm>
-            <a:off x="5764027" y="4425230"/>
-            <a:ext cx="5471225" cy="1958524"/>
-            <a:chOff x="7565327" y="2929211"/>
-            <a:chExt cx="4432585" cy="2845712"/>
-          </a:xfrm>
-          <a:solidFill>
-            <a:srgbClr val="F0F7EC"/>
-          </a:solidFill>
-        </p:grpSpPr>
-        <p:sp>
-          <p:nvSpPr>
-            <p:cNvPr id="109" name="Прямоугольник 108">
-              <a:extLst>
-                <a:ext uri="{FF2B5EF4-FFF2-40B4-BE49-F238E27FC236}">
-                  <a16:creationId xmlns:a16="http://schemas.microsoft.com/office/drawing/2014/main" id="{CC6C8900-AB55-463A-898C-8201B00CB8EB}"/>
-                </a:ext>
-              </a:extLst>
-            </p:cNvPr>
-            <p:cNvSpPr>
-              <a:spLocks noChangeAspect="1"/>
-            </p:cNvSpPr>
-            <p:nvPr/>
-          </p:nvSpPr>
-          <p:spPr>
-            <a:xfrm>
-              <a:off x="7565327" y="2929211"/>
-              <a:ext cx="4432585" cy="2845712"/>
-            </a:xfrm>
-            <a:prstGeom prst="rect">
-              <a:avLst/>
-            </a:prstGeom>
-            <a:grpFill/>
-            <a:ln w="19050">
-              <a:solidFill>
-                <a:schemeClr val="tx1"/>
-              </a:solidFill>
-            </a:ln>
-          </p:spPr>
-          <p:style>
-            <a:lnRef idx="2">
-              <a:schemeClr val="accent1">
-                <a:shade val="50000"/>
-              </a:schemeClr>
-            </a:lnRef>
-            <a:fillRef idx="1">
-              <a:schemeClr val="accent1"/>
-            </a:fillRef>
-            <a:effectRef idx="0">
-              <a:schemeClr val="accent1"/>
-            </a:effectRef>
-            <a:fontRef idx="minor">
-              <a:schemeClr val="lt1"/>
-            </a:fontRef>
-          </p:style>
-          <p:txBody>
-            <a:bodyPr rtlCol="0" anchor="ctr"/>
-            <a:lstStyle/>
-            <a:p>
-              <a:pPr algn="ctr"/>
-              <a:endParaRPr lang="ru-RU"/>
-            </a:p>
-          </p:txBody>
-        </p:sp>
-        <p:cxnSp>
-          <p:nvCxnSpPr>
-            <p:cNvPr id="114" name="Прямая соединительная линия 113">
-              <a:extLst>
-                <a:ext uri="{FF2B5EF4-FFF2-40B4-BE49-F238E27FC236}">
-                  <a16:creationId xmlns:a16="http://schemas.microsoft.com/office/drawing/2014/main" id="{B04B5E09-AF30-4FE7-804C-0965597D4905}"/>
-                </a:ext>
-              </a:extLst>
-            </p:cNvPr>
-            <p:cNvCxnSpPr>
-              <a:cxnSpLocks noChangeAspect="1"/>
-            </p:cNvCxnSpPr>
-            <p:nvPr/>
-          </p:nvCxnSpPr>
-          <p:spPr>
-            <a:xfrm>
-              <a:off x="7565327" y="5766722"/>
-              <a:ext cx="2267548" cy="0"/>
-            </a:xfrm>
-            <a:prstGeom prst="line">
-              <a:avLst/>
-            </a:prstGeom>
-            <a:grpFill/>
-            <a:ln w="38100">
-              <a:solidFill>
-                <a:srgbClr val="00B050"/>
-              </a:solidFill>
-            </a:ln>
-          </p:spPr>
-          <p:style>
-            <a:lnRef idx="1">
-              <a:schemeClr val="accent1"/>
-            </a:lnRef>
-            <a:fillRef idx="0">
-              <a:schemeClr val="accent1"/>
-            </a:fillRef>
-            <a:effectRef idx="0">
-              <a:schemeClr val="accent1"/>
-            </a:effectRef>
-            <a:fontRef idx="minor">
-              <a:schemeClr val="tx1"/>
-            </a:fontRef>
-          </p:style>
-        </p:cxnSp>
-      </p:grpSp>
       <p:grpSp>
         <p:nvGrpSpPr>
           <p:cNvPr id="89" name="Группа 88">
@@ -7228,8 +7245,8 @@
               </p:style>
             </p:cxnSp>
           </p:grpSp>
-          <mc:AlternateContent xmlns:mc="http://schemas.openxmlformats.org/markup-compatibility/2006">
-            <mc:Choice xmlns:a14="http://schemas.microsoft.com/office/drawing/2010/main" Requires="a14">
+          <mc:AlternateContent xmlns:mc="http://schemas.openxmlformats.org/markup-compatibility/2006" xmlns:a14="http://schemas.microsoft.com/office/drawing/2010/main">
+            <mc:Choice Requires="a14">
               <p:sp>
                 <p:nvSpPr>
                   <p:cNvPr id="84" name="TextBox 83">
@@ -7258,6 +7275,7 @@
                   </a:bodyPr>
                   <a:lstStyle/>
                   <a:p>
+                    <a:pPr/>
                     <a14:m>
                       <m:oMathPara xmlns:m="http://schemas.openxmlformats.org/officeDocument/2006/math">
                         <m:oMathParaPr>
@@ -7278,7 +7296,7 @@
                 </p:txBody>
               </p:sp>
             </mc:Choice>
-            <mc:Fallback>
+            <mc:Fallback xmlns="">
               <p:sp>
                 <p:nvSpPr>
                   <p:cNvPr id="84" name="TextBox 83">
@@ -7323,8 +7341,8 @@
               </p:sp>
             </mc:Fallback>
           </mc:AlternateContent>
-          <mc:AlternateContent xmlns:mc="http://schemas.openxmlformats.org/markup-compatibility/2006">
-            <mc:Choice xmlns:a14="http://schemas.microsoft.com/office/drawing/2010/main" Requires="a14">
+          <mc:AlternateContent xmlns:mc="http://schemas.openxmlformats.org/markup-compatibility/2006" xmlns:a14="http://schemas.microsoft.com/office/drawing/2010/main">
+            <mc:Choice Requires="a14">
               <p:sp>
                 <p:nvSpPr>
                   <p:cNvPr id="85" name="TextBox 84">
@@ -7353,6 +7371,7 @@
                   </a:bodyPr>
                   <a:lstStyle/>
                   <a:p>
+                    <a:pPr/>
                     <a14:m>
                       <m:oMathPara xmlns:m="http://schemas.openxmlformats.org/officeDocument/2006/math">
                         <m:oMathParaPr>
@@ -7373,7 +7392,7 @@
                 </p:txBody>
               </p:sp>
             </mc:Choice>
-            <mc:Fallback>
+            <mc:Fallback xmlns="">
               <p:sp>
                 <p:nvSpPr>
                   <p:cNvPr id="85" name="TextBox 84">
@@ -7418,8 +7437,8 @@
               </p:sp>
             </mc:Fallback>
           </mc:AlternateContent>
-          <mc:AlternateContent xmlns:mc="http://schemas.openxmlformats.org/markup-compatibility/2006">
-            <mc:Choice xmlns:a14="http://schemas.microsoft.com/office/drawing/2010/main" Requires="a14">
+          <mc:AlternateContent xmlns:mc="http://schemas.openxmlformats.org/markup-compatibility/2006" xmlns:a14="http://schemas.microsoft.com/office/drawing/2010/main">
+            <mc:Choice Requires="a14">
               <p:sp>
                 <p:nvSpPr>
                   <p:cNvPr id="86" name="TextBox 85">
@@ -7448,6 +7467,7 @@
                   </a:bodyPr>
                   <a:lstStyle/>
                   <a:p>
+                    <a:pPr/>
                     <a14:m>
                       <m:oMathPara xmlns:m="http://schemas.openxmlformats.org/officeDocument/2006/math">
                         <m:oMathParaPr>
@@ -7468,7 +7488,7 @@
                 </p:txBody>
               </p:sp>
             </mc:Choice>
-            <mc:Fallback>
+            <mc:Fallback xmlns="">
               <p:sp>
                 <p:nvSpPr>
                   <p:cNvPr id="86" name="TextBox 85">
@@ -7517,78 +7537,1109 @@
       </p:grpSp>
       <p:grpSp>
         <p:nvGrpSpPr>
-          <p:cNvPr id="124" name="Группа 123">
+          <p:cNvPr id="3" name="Группа 2">
             <a:extLst>
               <a:ext uri="{FF2B5EF4-FFF2-40B4-BE49-F238E27FC236}">
-                <a16:creationId xmlns:a16="http://schemas.microsoft.com/office/drawing/2014/main" id="{748EF07C-0437-4D35-B785-29838132F003}"/>
+                <a16:creationId xmlns:a16="http://schemas.microsoft.com/office/drawing/2014/main" id="{774E6FB5-F3A3-4642-B680-565C6EFA1BF4}"/>
               </a:ext>
             </a:extLst>
           </p:cNvPr>
-          <p:cNvGrpSpPr>
-            <a:grpSpLocks noChangeAspect="1"/>
-          </p:cNvGrpSpPr>
+          <p:cNvGrpSpPr/>
           <p:nvPr/>
         </p:nvGrpSpPr>
         <p:grpSpPr>
           <a:xfrm>
-            <a:off x="5533779" y="5727121"/>
-            <a:ext cx="851201" cy="938888"/>
-            <a:chOff x="7049957" y="5745255"/>
-            <a:chExt cx="617527" cy="681142"/>
+            <a:off x="5611218" y="3967704"/>
+            <a:ext cx="6165561" cy="2649969"/>
+            <a:chOff x="5404680" y="4070216"/>
+            <a:chExt cx="6165561" cy="2649969"/>
           </a:xfrm>
         </p:grpSpPr>
-        <p:cxnSp>
-          <p:nvCxnSpPr>
-            <p:cNvPr id="111" name="Прямая со стрелкой 110">
+        <p:grpSp>
+          <p:nvGrpSpPr>
+            <p:cNvPr id="2" name="Группа 1">
               <a:extLst>
                 <a:ext uri="{FF2B5EF4-FFF2-40B4-BE49-F238E27FC236}">
-                  <a16:creationId xmlns:a16="http://schemas.microsoft.com/office/drawing/2014/main" id="{AE191B01-B306-4CB4-87FA-8749EC290B4C}"/>
+                  <a16:creationId xmlns:a16="http://schemas.microsoft.com/office/drawing/2014/main" id="{79B258BE-F7B7-45D3-82A6-C66E58EAF8A0}"/>
                 </a:ext>
               </a:extLst>
             </p:cNvPr>
-            <p:cNvCxnSpPr>
-              <a:cxnSpLocks noChangeAspect="1"/>
-            </p:cNvCxnSpPr>
+            <p:cNvGrpSpPr/>
             <p:nvPr/>
-          </p:nvCxnSpPr>
-          <p:spPr>
-            <a:xfrm flipV="1">
-              <a:off x="7220890" y="5774923"/>
-              <a:ext cx="0" cy="442848"/>
+          </p:nvGrpSpPr>
+          <p:grpSpPr>
+            <a:xfrm>
+              <a:off x="5404680" y="4070216"/>
+              <a:ext cx="6165561" cy="2649969"/>
+              <a:chOff x="5404680" y="4070216"/>
+              <a:chExt cx="6165561" cy="2649969"/>
             </a:xfrm>
-            <a:prstGeom prst="straightConnector1">
-              <a:avLst/>
-            </a:prstGeom>
-            <a:ln w="28575">
+          </p:grpSpPr>
+          <p:grpSp>
+            <p:nvGrpSpPr>
+              <p:cNvPr id="125" name="Группа 124">
+                <a:extLst>
+                  <a:ext uri="{FF2B5EF4-FFF2-40B4-BE49-F238E27FC236}">
+                    <a16:creationId xmlns:a16="http://schemas.microsoft.com/office/drawing/2014/main" id="{8C58781D-4446-4AE7-BDD6-6A23F204EF2B}"/>
+                  </a:ext>
+                </a:extLst>
+              </p:cNvPr>
+              <p:cNvGrpSpPr/>
+              <p:nvPr/>
+            </p:nvGrpSpPr>
+            <p:grpSpPr>
+              <a:xfrm>
+                <a:off x="5764027" y="4425230"/>
+                <a:ext cx="5471225" cy="1958524"/>
+                <a:chOff x="7565327" y="2929211"/>
+                <a:chExt cx="4432585" cy="2845712"/>
+              </a:xfrm>
               <a:solidFill>
-                <a:srgbClr val="FF0000"/>
+                <a:srgbClr val="F0F7EC"/>
               </a:solidFill>
-              <a:tailEnd type="triangle"/>
-            </a:ln>
-          </p:spPr>
-          <p:style>
-            <a:lnRef idx="1">
-              <a:schemeClr val="accent1"/>
-            </a:lnRef>
-            <a:fillRef idx="0">
-              <a:schemeClr val="accent1"/>
-            </a:fillRef>
-            <a:effectRef idx="0">
-              <a:schemeClr val="accent1"/>
-            </a:effectRef>
-            <a:fontRef idx="minor">
-              <a:schemeClr val="tx1"/>
-            </a:fontRef>
-          </p:style>
-        </p:cxnSp>
+            </p:grpSpPr>
+            <p:sp>
+              <p:nvSpPr>
+                <p:cNvPr id="109" name="Прямоугольник 108">
+                  <a:extLst>
+                    <a:ext uri="{FF2B5EF4-FFF2-40B4-BE49-F238E27FC236}">
+                      <a16:creationId xmlns:a16="http://schemas.microsoft.com/office/drawing/2014/main" id="{CC6C8900-AB55-463A-898C-8201B00CB8EB}"/>
+                    </a:ext>
+                  </a:extLst>
+                </p:cNvPr>
+                <p:cNvSpPr>
+                  <a:spLocks noChangeAspect="1"/>
+                </p:cNvSpPr>
+                <p:nvPr/>
+              </p:nvSpPr>
+              <p:spPr>
+                <a:xfrm>
+                  <a:off x="7565327" y="2929211"/>
+                  <a:ext cx="4432585" cy="2845712"/>
+                </a:xfrm>
+                <a:prstGeom prst="rect">
+                  <a:avLst/>
+                </a:prstGeom>
+                <a:grpFill/>
+                <a:ln w="19050">
+                  <a:solidFill>
+                    <a:schemeClr val="tx1"/>
+                  </a:solidFill>
+                </a:ln>
+              </p:spPr>
+              <p:style>
+                <a:lnRef idx="2">
+                  <a:schemeClr val="accent1">
+                    <a:shade val="50000"/>
+                  </a:schemeClr>
+                </a:lnRef>
+                <a:fillRef idx="1">
+                  <a:schemeClr val="accent1"/>
+                </a:fillRef>
+                <a:effectRef idx="0">
+                  <a:schemeClr val="accent1"/>
+                </a:effectRef>
+                <a:fontRef idx="minor">
+                  <a:schemeClr val="lt1"/>
+                </a:fontRef>
+              </p:style>
+              <p:txBody>
+                <a:bodyPr rtlCol="0" anchor="ctr"/>
+                <a:lstStyle/>
+                <a:p>
+                  <a:pPr algn="ctr"/>
+                  <a:endParaRPr lang="ru-RU"/>
+                </a:p>
+              </p:txBody>
+            </p:sp>
+            <p:cxnSp>
+              <p:nvCxnSpPr>
+                <p:cNvPr id="114" name="Прямая соединительная линия 113">
+                  <a:extLst>
+                    <a:ext uri="{FF2B5EF4-FFF2-40B4-BE49-F238E27FC236}">
+                      <a16:creationId xmlns:a16="http://schemas.microsoft.com/office/drawing/2014/main" id="{B04B5E09-AF30-4FE7-804C-0965597D4905}"/>
+                    </a:ext>
+                  </a:extLst>
+                </p:cNvPr>
+                <p:cNvCxnSpPr>
+                  <a:cxnSpLocks noChangeAspect="1"/>
+                </p:cNvCxnSpPr>
+                <p:nvPr/>
+              </p:nvCxnSpPr>
+              <p:spPr>
+                <a:xfrm>
+                  <a:off x="7565327" y="5766722"/>
+                  <a:ext cx="2267548" cy="0"/>
+                </a:xfrm>
+                <a:prstGeom prst="line">
+                  <a:avLst/>
+                </a:prstGeom>
+                <a:grpFill/>
+                <a:ln w="38100">
+                  <a:solidFill>
+                    <a:srgbClr val="00B050"/>
+                  </a:solidFill>
+                </a:ln>
+              </p:spPr>
+              <p:style>
+                <a:lnRef idx="1">
+                  <a:schemeClr val="accent1"/>
+                </a:lnRef>
+                <a:fillRef idx="0">
+                  <a:schemeClr val="accent1"/>
+                </a:fillRef>
+                <a:effectRef idx="0">
+                  <a:schemeClr val="accent1"/>
+                </a:effectRef>
+                <a:fontRef idx="minor">
+                  <a:schemeClr val="tx1"/>
+                </a:fontRef>
+              </p:style>
+            </p:cxnSp>
+          </p:grpSp>
+          <p:grpSp>
+            <p:nvGrpSpPr>
+              <p:cNvPr id="124" name="Группа 123">
+                <a:extLst>
+                  <a:ext uri="{FF2B5EF4-FFF2-40B4-BE49-F238E27FC236}">
+                    <a16:creationId xmlns:a16="http://schemas.microsoft.com/office/drawing/2014/main" id="{748EF07C-0437-4D35-B785-29838132F003}"/>
+                  </a:ext>
+                </a:extLst>
+              </p:cNvPr>
+              <p:cNvGrpSpPr>
+                <a:grpSpLocks noChangeAspect="1"/>
+              </p:cNvGrpSpPr>
+              <p:nvPr/>
+            </p:nvGrpSpPr>
+            <p:grpSpPr>
+              <a:xfrm>
+                <a:off x="5533779" y="5727121"/>
+                <a:ext cx="851201" cy="938888"/>
+                <a:chOff x="7049957" y="5745255"/>
+                <a:chExt cx="617527" cy="681142"/>
+              </a:xfrm>
+            </p:grpSpPr>
+            <p:cxnSp>
+              <p:nvCxnSpPr>
+                <p:cNvPr id="111" name="Прямая со стрелкой 110">
+                  <a:extLst>
+                    <a:ext uri="{FF2B5EF4-FFF2-40B4-BE49-F238E27FC236}">
+                      <a16:creationId xmlns:a16="http://schemas.microsoft.com/office/drawing/2014/main" id="{AE191B01-B306-4CB4-87FA-8749EC290B4C}"/>
+                    </a:ext>
+                  </a:extLst>
+                </p:cNvPr>
+                <p:cNvCxnSpPr>
+                  <a:cxnSpLocks noChangeAspect="1"/>
+                </p:cNvCxnSpPr>
+                <p:nvPr/>
+              </p:nvCxnSpPr>
+              <p:spPr>
+                <a:xfrm flipV="1">
+                  <a:off x="7220890" y="5774923"/>
+                  <a:ext cx="0" cy="442848"/>
+                </a:xfrm>
+                <a:prstGeom prst="straightConnector1">
+                  <a:avLst/>
+                </a:prstGeom>
+                <a:ln w="28575">
+                  <a:solidFill>
+                    <a:srgbClr val="FF0000"/>
+                  </a:solidFill>
+                  <a:tailEnd type="triangle"/>
+                </a:ln>
+              </p:spPr>
+              <p:style>
+                <a:lnRef idx="1">
+                  <a:schemeClr val="accent1"/>
+                </a:lnRef>
+                <a:fillRef idx="0">
+                  <a:schemeClr val="accent1"/>
+                </a:fillRef>
+                <a:effectRef idx="0">
+                  <a:schemeClr val="accent1"/>
+                </a:effectRef>
+                <a:fontRef idx="minor">
+                  <a:schemeClr val="tx1"/>
+                </a:fontRef>
+              </p:style>
+            </p:cxnSp>
+            <mc:AlternateContent xmlns:mc="http://schemas.openxmlformats.org/markup-compatibility/2006" xmlns:a14="http://schemas.microsoft.com/office/drawing/2010/main">
+              <mc:Choice Requires="a14">
+                <p:sp>
+                  <p:nvSpPr>
+                    <p:cNvPr id="112" name="TextBox 111">
+                      <a:extLst>
+                        <a:ext uri="{FF2B5EF4-FFF2-40B4-BE49-F238E27FC236}">
+                          <a16:creationId xmlns:a16="http://schemas.microsoft.com/office/drawing/2014/main" id="{93C5AD03-8867-4E1E-B16F-88E967C0A31F}"/>
+                        </a:ext>
+                      </a:extLst>
+                    </p:cNvPr>
+                    <p:cNvSpPr txBox="1">
+                      <a:spLocks noChangeAspect="1"/>
+                    </p:cNvSpPr>
+                    <p:nvPr/>
+                  </p:nvSpPr>
+                  <p:spPr>
+                    <a:xfrm>
+                      <a:off x="7545784" y="6241731"/>
+                      <a:ext cx="121700" cy="184666"/>
+                    </a:xfrm>
+                    <a:prstGeom prst="rect">
+                      <a:avLst/>
+                    </a:prstGeom>
+                    <a:noFill/>
+                    <a:ln w="28575">
+                      <a:noFill/>
+                    </a:ln>
+                  </p:spPr>
+                  <p:txBody>
+                    <a:bodyPr wrap="square" lIns="0" tIns="0" rIns="0" bIns="0" rtlCol="0">
+                      <a:spAutoFit/>
+                    </a:bodyPr>
+                    <a:lstStyle/>
+                    <a:p>
+                      <a:pPr/>
+                      <a14:m>
+                        <m:oMathPara xmlns:m="http://schemas.openxmlformats.org/officeDocument/2006/math">
+                          <m:oMathParaPr>
+                            <m:jc m:val="centerGroup"/>
+                          </m:oMathParaPr>
+                          <m:oMath xmlns:m="http://schemas.openxmlformats.org/officeDocument/2006/math">
+                            <m:r>
+                              <a:rPr lang="en-US" sz="1200" b="0" i="1" smtClean="0">
+                                <a:latin typeface="Cambria Math" panose="02040503050406030204" pitchFamily="18" charset="0"/>
+                              </a:rPr>
+                              <m:t>𝑥</m:t>
+                            </m:r>
+                          </m:oMath>
+                        </m:oMathPara>
+                      </a14:m>
+                      <a:endParaRPr lang="ru-RU" dirty="0"/>
+                    </a:p>
+                  </p:txBody>
+                </p:sp>
+              </mc:Choice>
+              <mc:Fallback xmlns="">
+                <p:sp>
+                  <p:nvSpPr>
+                    <p:cNvPr id="112" name="TextBox 111">
+                      <a:extLst>
+                        <a:ext uri="{FF2B5EF4-FFF2-40B4-BE49-F238E27FC236}">
+                          <a16:creationId xmlns:a16="http://schemas.microsoft.com/office/drawing/2014/main" id="{93C5AD03-8867-4E1E-B16F-88E967C0A31F}"/>
+                        </a:ext>
+                      </a:extLst>
+                    </p:cNvPr>
+                    <p:cNvSpPr txBox="1">
+                      <a:spLocks noRot="1" noChangeAspect="1" noMove="1" noResize="1" noEditPoints="1" noAdjustHandles="1" noChangeArrowheads="1" noChangeShapeType="1" noTextEdit="1"/>
+                    </p:cNvSpPr>
+                    <p:nvPr/>
+                  </p:nvSpPr>
+                  <p:spPr>
+                    <a:xfrm>
+                      <a:off x="7545784" y="6241731"/>
+                      <a:ext cx="121700" cy="184666"/>
+                    </a:xfrm>
+                    <a:prstGeom prst="rect">
+                      <a:avLst/>
+                    </a:prstGeom>
+                    <a:blipFill>
+                      <a:blip r:embed="rId5"/>
+                      <a:stretch>
+                        <a:fillRect/>
+                      </a:stretch>
+                    </a:blipFill>
+                    <a:ln w="28575">
+                      <a:noFill/>
+                    </a:ln>
+                  </p:spPr>
+                  <p:txBody>
+                    <a:bodyPr/>
+                    <a:lstStyle/>
+                    <a:p>
+                      <a:r>
+                        <a:rPr lang="ru-RU">
+                          <a:noFill/>
+                        </a:rPr>
+                        <a:t> </a:t>
+                      </a:r>
+                    </a:p>
+                  </p:txBody>
+                </p:sp>
+              </mc:Fallback>
+            </mc:AlternateContent>
+            <mc:AlternateContent xmlns:mc="http://schemas.openxmlformats.org/markup-compatibility/2006" xmlns:a14="http://schemas.microsoft.com/office/drawing/2010/main">
+              <mc:Choice Requires="a14">
+                <p:sp>
+                  <p:nvSpPr>
+                    <p:cNvPr id="113" name="TextBox 112">
+                      <a:extLst>
+                        <a:ext uri="{FF2B5EF4-FFF2-40B4-BE49-F238E27FC236}">
+                          <a16:creationId xmlns:a16="http://schemas.microsoft.com/office/drawing/2014/main" id="{93BAF3D1-7F09-4B84-A184-51B213B0CAAC}"/>
+                        </a:ext>
+                      </a:extLst>
+                    </p:cNvPr>
+                    <p:cNvSpPr txBox="1">
+                      <a:spLocks noChangeAspect="1"/>
+                    </p:cNvSpPr>
+                    <p:nvPr/>
+                  </p:nvSpPr>
+                  <p:spPr>
+                    <a:xfrm>
+                      <a:off x="7049957" y="5745255"/>
+                      <a:ext cx="124457" cy="184666"/>
+                    </a:xfrm>
+                    <a:prstGeom prst="rect">
+                      <a:avLst/>
+                    </a:prstGeom>
+                    <a:noFill/>
+                    <a:ln w="28575">
+                      <a:noFill/>
+                    </a:ln>
+                  </p:spPr>
+                  <p:txBody>
+                    <a:bodyPr wrap="square" lIns="0" tIns="0" rIns="0" bIns="0" rtlCol="0">
+                      <a:spAutoFit/>
+                    </a:bodyPr>
+                    <a:lstStyle/>
+                    <a:p>
+                      <a:pPr/>
+                      <a14:m>
+                        <m:oMathPara xmlns:m="http://schemas.openxmlformats.org/officeDocument/2006/math">
+                          <m:oMathParaPr>
+                            <m:jc m:val="centerGroup"/>
+                          </m:oMathParaPr>
+                          <m:oMath xmlns:m="http://schemas.openxmlformats.org/officeDocument/2006/math">
+                            <m:r>
+                              <a:rPr lang="en-US" sz="1200" b="0" i="1" smtClean="0">
+                                <a:latin typeface="Cambria Math" panose="02040503050406030204" pitchFamily="18" charset="0"/>
+                              </a:rPr>
+                              <m:t>𝑦</m:t>
+                            </m:r>
+                          </m:oMath>
+                        </m:oMathPara>
+                      </a14:m>
+                      <a:endParaRPr lang="ru-RU" dirty="0"/>
+                    </a:p>
+                  </p:txBody>
+                </p:sp>
+              </mc:Choice>
+              <mc:Fallback xmlns="">
+                <p:sp>
+                  <p:nvSpPr>
+                    <p:cNvPr id="113" name="TextBox 112">
+                      <a:extLst>
+                        <a:ext uri="{FF2B5EF4-FFF2-40B4-BE49-F238E27FC236}">
+                          <a16:creationId xmlns:a16="http://schemas.microsoft.com/office/drawing/2014/main" id="{93BAF3D1-7F09-4B84-A184-51B213B0CAAC}"/>
+                        </a:ext>
+                      </a:extLst>
+                    </p:cNvPr>
+                    <p:cNvSpPr txBox="1">
+                      <a:spLocks noRot="1" noChangeAspect="1" noMove="1" noResize="1" noEditPoints="1" noAdjustHandles="1" noChangeArrowheads="1" noChangeShapeType="1" noTextEdit="1"/>
+                    </p:cNvSpPr>
+                    <p:nvPr/>
+                  </p:nvSpPr>
+                  <p:spPr>
+                    <a:xfrm>
+                      <a:off x="7049957" y="5745255"/>
+                      <a:ext cx="124457" cy="184666"/>
+                    </a:xfrm>
+                    <a:prstGeom prst="rect">
+                      <a:avLst/>
+                    </a:prstGeom>
+                    <a:blipFill>
+                      <a:blip r:embed="rId6"/>
+                      <a:stretch>
+                        <a:fillRect l="-7143" r="-7143"/>
+                      </a:stretch>
+                    </a:blipFill>
+                    <a:ln w="28575">
+                      <a:noFill/>
+                    </a:ln>
+                  </p:spPr>
+                  <p:txBody>
+                    <a:bodyPr/>
+                    <a:lstStyle/>
+                    <a:p>
+                      <a:r>
+                        <a:rPr lang="ru-RU">
+                          <a:noFill/>
+                        </a:rPr>
+                        <a:t> </a:t>
+                      </a:r>
+                    </a:p>
+                  </p:txBody>
+                </p:sp>
+              </mc:Fallback>
+            </mc:AlternateContent>
+            <p:cxnSp>
+              <p:nvCxnSpPr>
+                <p:cNvPr id="110" name="Прямая со стрелкой 109">
+                  <a:extLst>
+                    <a:ext uri="{FF2B5EF4-FFF2-40B4-BE49-F238E27FC236}">
+                      <a16:creationId xmlns:a16="http://schemas.microsoft.com/office/drawing/2014/main" id="{C525283B-4DEB-4ADF-8354-E85BC0334DE4}"/>
+                    </a:ext>
+                  </a:extLst>
+                </p:cNvPr>
+                <p:cNvCxnSpPr>
+                  <a:cxnSpLocks noChangeAspect="1"/>
+                </p:cNvCxnSpPr>
+                <p:nvPr/>
+              </p:nvCxnSpPr>
+              <p:spPr>
+                <a:xfrm>
+                  <a:off x="7220890" y="6217771"/>
+                  <a:ext cx="430548" cy="0"/>
+                </a:xfrm>
+                <a:prstGeom prst="straightConnector1">
+                  <a:avLst/>
+                </a:prstGeom>
+                <a:ln w="28575">
+                  <a:solidFill>
+                    <a:srgbClr val="FF0000"/>
+                  </a:solidFill>
+                  <a:tailEnd type="triangle"/>
+                </a:ln>
+              </p:spPr>
+              <p:style>
+                <a:lnRef idx="1">
+                  <a:schemeClr val="accent1"/>
+                </a:lnRef>
+                <a:fillRef idx="0">
+                  <a:schemeClr val="accent1"/>
+                </a:fillRef>
+                <a:effectRef idx="0">
+                  <a:schemeClr val="accent1"/>
+                </a:effectRef>
+                <a:fontRef idx="minor">
+                  <a:schemeClr val="tx1"/>
+                </a:fontRef>
+              </p:style>
+            </p:cxnSp>
+          </p:grpSp>
+          <mc:AlternateContent xmlns:mc="http://schemas.openxmlformats.org/markup-compatibility/2006">
+            <mc:Choice xmlns:a14="http://schemas.microsoft.com/office/drawing/2010/main" Requires="a14">
+              <p:sp>
+                <p:nvSpPr>
+                  <p:cNvPr id="116" name="TextBox 115">
+                    <a:extLst>
+                      <a:ext uri="{FF2B5EF4-FFF2-40B4-BE49-F238E27FC236}">
+                        <a16:creationId xmlns:a16="http://schemas.microsoft.com/office/drawing/2014/main" id="{5D0F617F-B506-41FD-B40B-9790B79BDACB}"/>
+                      </a:ext>
+                    </a:extLst>
+                  </p:cNvPr>
+                  <p:cNvSpPr txBox="1">
+                    <a:spLocks noChangeAspect="1"/>
+                  </p:cNvSpPr>
+                  <p:nvPr/>
+                </p:nvSpPr>
+                <p:spPr>
+                  <a:xfrm>
+                    <a:off x="5404680" y="5175411"/>
+                    <a:ext cx="225703" cy="276999"/>
+                  </a:xfrm>
+                  <a:prstGeom prst="rect">
+                    <a:avLst/>
+                  </a:prstGeom>
+                  <a:noFill/>
+                </p:spPr>
+                <p:txBody>
+                  <a:bodyPr wrap="square" lIns="0" tIns="0" rIns="0" bIns="0" rtlCol="0">
+                    <a:spAutoFit/>
+                  </a:bodyPr>
+                  <a:lstStyle/>
+                  <a:p>
+                    <a:pPr/>
+                    <a14:m>
+                      <m:oMathPara xmlns:m="http://schemas.openxmlformats.org/officeDocument/2006/math">
+                        <m:oMathParaPr>
+                          <m:jc m:val="centerGroup"/>
+                        </m:oMathParaPr>
+                        <m:oMath xmlns:m="http://schemas.openxmlformats.org/officeDocument/2006/math">
+                          <m:sSub>
+                            <m:sSubPr>
+                              <m:ctrlPr>
+                                <a:rPr lang="el-GR" i="1" smtClean="0">
+                                  <a:latin typeface="Cambria Math" panose="02040503050406030204" pitchFamily="18" charset="0"/>
+                                  <a:ea typeface="Cambria Math" panose="02040503050406030204" pitchFamily="18" charset="0"/>
+                                </a:rPr>
+                              </m:ctrlPr>
+                            </m:sSubPr>
+                            <m:e>
+                              <m:r>
+                                <m:rPr>
+                                  <m:sty m:val="p"/>
+                                </m:rPr>
+                                <a:rPr lang="el-GR" i="1" smtClean="0">
+                                  <a:latin typeface="Cambria Math" panose="02040503050406030204" pitchFamily="18" charset="0"/>
+                                  <a:ea typeface="Cambria Math" panose="02040503050406030204" pitchFamily="18" charset="0"/>
+                                </a:rPr>
+                                <m:t>Γ</m:t>
+                              </m:r>
+                            </m:e>
+                            <m:sub>
+                              <m:r>
+                                <a:rPr lang="en-US" b="0" i="1" smtClean="0">
+                                  <a:latin typeface="Cambria Math" panose="02040503050406030204" pitchFamily="18" charset="0"/>
+                                  <a:ea typeface="Cambria Math" panose="02040503050406030204" pitchFamily="18" charset="0"/>
+                                </a:rPr>
+                                <m:t>𝑙</m:t>
+                              </m:r>
+                            </m:sub>
+                          </m:sSub>
+                        </m:oMath>
+                      </m:oMathPara>
+                    </a14:m>
+                    <a:endParaRPr lang="ru-RU" dirty="0"/>
+                  </a:p>
+                </p:txBody>
+              </p:sp>
+            </mc:Choice>
+            <mc:Fallback>
+              <p:sp>
+                <p:nvSpPr>
+                  <p:cNvPr id="116" name="TextBox 115">
+                    <a:extLst>
+                      <a:ext uri="{FF2B5EF4-FFF2-40B4-BE49-F238E27FC236}">
+                        <a16:creationId xmlns:a16="http://schemas.microsoft.com/office/drawing/2014/main" id="{5D0F617F-B506-41FD-B40B-9790B79BDACB}"/>
+                      </a:ext>
+                    </a:extLst>
+                  </p:cNvPr>
+                  <p:cNvSpPr txBox="1">
+                    <a:spLocks noRot="1" noChangeAspect="1" noMove="1" noResize="1" noEditPoints="1" noAdjustHandles="1" noChangeArrowheads="1" noChangeShapeType="1" noTextEdit="1"/>
+                  </p:cNvSpPr>
+                  <p:nvPr/>
+                </p:nvSpPr>
+                <p:spPr>
+                  <a:xfrm>
+                    <a:off x="5404680" y="5175411"/>
+                    <a:ext cx="225703" cy="276999"/>
+                  </a:xfrm>
+                  <a:prstGeom prst="rect">
+                    <a:avLst/>
+                  </a:prstGeom>
+                  <a:blipFill>
+                    <a:blip r:embed="rId7"/>
+                    <a:stretch>
+                      <a:fillRect l="-23684" r="-5263" b="-15217"/>
+                    </a:stretch>
+                  </a:blipFill>
+                </p:spPr>
+                <p:txBody>
+                  <a:bodyPr/>
+                  <a:lstStyle/>
+                  <a:p>
+                    <a:r>
+                      <a:rPr lang="ru-RU">
+                        <a:noFill/>
+                      </a:rPr>
+                      <a:t> </a:t>
+                    </a:r>
+                  </a:p>
+                </p:txBody>
+              </p:sp>
+            </mc:Fallback>
+          </mc:AlternateContent>
+          <mc:AlternateContent xmlns:mc="http://schemas.openxmlformats.org/markup-compatibility/2006">
+            <mc:Choice xmlns:a14="http://schemas.microsoft.com/office/drawing/2010/main" Requires="a14">
+              <p:sp>
+                <p:nvSpPr>
+                  <p:cNvPr id="117" name="TextBox 116">
+                    <a:extLst>
+                      <a:ext uri="{FF2B5EF4-FFF2-40B4-BE49-F238E27FC236}">
+                        <a16:creationId xmlns:a16="http://schemas.microsoft.com/office/drawing/2014/main" id="{602A78B8-F28C-4F8D-B60F-CA0C5948928A}"/>
+                      </a:ext>
+                    </a:extLst>
+                  </p:cNvPr>
+                  <p:cNvSpPr txBox="1">
+                    <a:spLocks noChangeAspect="1"/>
+                  </p:cNvSpPr>
+                  <p:nvPr/>
+                </p:nvSpPr>
+                <p:spPr>
+                  <a:xfrm>
+                    <a:off x="7037374" y="6420936"/>
+                    <a:ext cx="252184" cy="299249"/>
+                  </a:xfrm>
+                  <a:prstGeom prst="rect">
+                    <a:avLst/>
+                  </a:prstGeom>
+                  <a:noFill/>
+                </p:spPr>
+                <p:txBody>
+                  <a:bodyPr wrap="square" lIns="0" tIns="0" rIns="0" bIns="0" rtlCol="0">
+                    <a:spAutoFit/>
+                  </a:bodyPr>
+                  <a:lstStyle/>
+                  <a:p>
+                    <a:pPr/>
+                    <a14:m>
+                      <m:oMathPara xmlns:m="http://schemas.openxmlformats.org/officeDocument/2006/math">
+                        <m:oMathParaPr>
+                          <m:jc m:val="centerGroup"/>
+                        </m:oMathParaPr>
+                        <m:oMath xmlns:m="http://schemas.openxmlformats.org/officeDocument/2006/math">
+                          <m:sSub>
+                            <m:sSubPr>
+                              <m:ctrlPr>
+                                <a:rPr lang="el-GR" i="1" smtClean="0">
+                                  <a:latin typeface="Cambria Math" panose="02040503050406030204" pitchFamily="18" charset="0"/>
+                                  <a:ea typeface="Cambria Math" panose="02040503050406030204" pitchFamily="18" charset="0"/>
+                                </a:rPr>
+                              </m:ctrlPr>
+                            </m:sSubPr>
+                            <m:e>
+                              <m:r>
+                                <m:rPr>
+                                  <m:sty m:val="p"/>
+                                </m:rPr>
+                                <a:rPr lang="el-GR" i="1" smtClean="0">
+                                  <a:latin typeface="Cambria Math" panose="02040503050406030204" pitchFamily="18" charset="0"/>
+                                  <a:ea typeface="Cambria Math" panose="02040503050406030204" pitchFamily="18" charset="0"/>
+                                </a:rPr>
+                                <m:t>Γ</m:t>
+                              </m:r>
+                            </m:e>
+                            <m:sub>
+                              <m:r>
+                                <a:rPr lang="en-US" b="0" i="1" smtClean="0">
+                                  <a:latin typeface="Cambria Math" panose="02040503050406030204" pitchFamily="18" charset="0"/>
+                                  <a:ea typeface="Cambria Math" panose="02040503050406030204" pitchFamily="18" charset="0"/>
+                                </a:rPr>
+                                <m:t>𝑓</m:t>
+                              </m:r>
+                            </m:sub>
+                          </m:sSub>
+                        </m:oMath>
+                      </m:oMathPara>
+                    </a14:m>
+                    <a:endParaRPr lang="ru-RU" dirty="0"/>
+                  </a:p>
+                </p:txBody>
+              </p:sp>
+            </mc:Choice>
+            <mc:Fallback>
+              <p:sp>
+                <p:nvSpPr>
+                  <p:cNvPr id="117" name="TextBox 116">
+                    <a:extLst>
+                      <a:ext uri="{FF2B5EF4-FFF2-40B4-BE49-F238E27FC236}">
+                        <a16:creationId xmlns:a16="http://schemas.microsoft.com/office/drawing/2014/main" id="{602A78B8-F28C-4F8D-B60F-CA0C5948928A}"/>
+                      </a:ext>
+                    </a:extLst>
+                  </p:cNvPr>
+                  <p:cNvSpPr txBox="1">
+                    <a:spLocks noRot="1" noChangeAspect="1" noMove="1" noResize="1" noEditPoints="1" noAdjustHandles="1" noChangeArrowheads="1" noChangeShapeType="1" noTextEdit="1"/>
+                  </p:cNvSpPr>
+                  <p:nvPr/>
+                </p:nvSpPr>
+                <p:spPr>
+                  <a:xfrm>
+                    <a:off x="7037374" y="6420936"/>
+                    <a:ext cx="252184" cy="299249"/>
+                  </a:xfrm>
+                  <a:prstGeom prst="rect">
+                    <a:avLst/>
+                  </a:prstGeom>
+                  <a:blipFill>
+                    <a:blip r:embed="rId8"/>
+                    <a:stretch>
+                      <a:fillRect l="-21429" r="-14286" b="-26000"/>
+                    </a:stretch>
+                  </a:blipFill>
+                </p:spPr>
+                <p:txBody>
+                  <a:bodyPr/>
+                  <a:lstStyle/>
+                  <a:p>
+                    <a:r>
+                      <a:rPr lang="ru-RU">
+                        <a:noFill/>
+                      </a:rPr>
+                      <a:t> </a:t>
+                    </a:r>
+                  </a:p>
+                </p:txBody>
+              </p:sp>
+            </mc:Fallback>
+          </mc:AlternateContent>
+          <mc:AlternateContent xmlns:mc="http://schemas.openxmlformats.org/markup-compatibility/2006">
+            <mc:Choice xmlns:a14="http://schemas.microsoft.com/office/drawing/2010/main" Requires="a14">
+              <p:sp>
+                <p:nvSpPr>
+                  <p:cNvPr id="118" name="TextBox 117">
+                    <a:extLst>
+                      <a:ext uri="{FF2B5EF4-FFF2-40B4-BE49-F238E27FC236}">
+                        <a16:creationId xmlns:a16="http://schemas.microsoft.com/office/drawing/2014/main" id="{0A64567F-2287-49BA-8755-17B474C461B0}"/>
+                      </a:ext>
+                    </a:extLst>
+                  </p:cNvPr>
+                  <p:cNvSpPr txBox="1">
+                    <a:spLocks noChangeAspect="1"/>
+                  </p:cNvSpPr>
+                  <p:nvPr/>
+                </p:nvSpPr>
+                <p:spPr>
+                  <a:xfrm>
+                    <a:off x="9910368" y="6420936"/>
+                    <a:ext cx="278923" cy="276999"/>
+                  </a:xfrm>
+                  <a:prstGeom prst="rect">
+                    <a:avLst/>
+                  </a:prstGeom>
+                  <a:noFill/>
+                </p:spPr>
+                <p:txBody>
+                  <a:bodyPr wrap="square" lIns="0" tIns="0" rIns="0" bIns="0" rtlCol="0">
+                    <a:spAutoFit/>
+                  </a:bodyPr>
+                  <a:lstStyle/>
+                  <a:p>
+                    <a:pPr/>
+                    <a14:m>
+                      <m:oMathPara xmlns:m="http://schemas.openxmlformats.org/officeDocument/2006/math">
+                        <m:oMathParaPr>
+                          <m:jc m:val="centerGroup"/>
+                        </m:oMathParaPr>
+                        <m:oMath xmlns:m="http://schemas.openxmlformats.org/officeDocument/2006/math">
+                          <m:sSub>
+                            <m:sSubPr>
+                              <m:ctrlPr>
+                                <a:rPr lang="el-GR" i="1" smtClean="0">
+                                  <a:latin typeface="Cambria Math" panose="02040503050406030204" pitchFamily="18" charset="0"/>
+                                  <a:ea typeface="Cambria Math" panose="02040503050406030204" pitchFamily="18" charset="0"/>
+                                </a:rPr>
+                              </m:ctrlPr>
+                            </m:sSubPr>
+                            <m:e>
+                              <m:r>
+                                <m:rPr>
+                                  <m:sty m:val="p"/>
+                                </m:rPr>
+                                <a:rPr lang="el-GR" i="1" smtClean="0">
+                                  <a:latin typeface="Cambria Math" panose="02040503050406030204" pitchFamily="18" charset="0"/>
+                                  <a:ea typeface="Cambria Math" panose="02040503050406030204" pitchFamily="18" charset="0"/>
+                                </a:rPr>
+                                <m:t>Γ</m:t>
+                              </m:r>
+                            </m:e>
+                            <m:sub>
+                              <m:r>
+                                <a:rPr lang="en-US" b="0" i="1" smtClean="0">
+                                  <a:latin typeface="Cambria Math" panose="02040503050406030204" pitchFamily="18" charset="0"/>
+                                  <a:ea typeface="Cambria Math" panose="02040503050406030204" pitchFamily="18" charset="0"/>
+                                </a:rPr>
+                                <m:t>𝐵</m:t>
+                              </m:r>
+                            </m:sub>
+                          </m:sSub>
+                        </m:oMath>
+                      </m:oMathPara>
+                    </a14:m>
+                    <a:endParaRPr lang="ru-RU" dirty="0"/>
+                  </a:p>
+                </p:txBody>
+              </p:sp>
+            </mc:Choice>
+            <mc:Fallback>
+              <p:sp>
+                <p:nvSpPr>
+                  <p:cNvPr id="118" name="TextBox 117">
+                    <a:extLst>
+                      <a:ext uri="{FF2B5EF4-FFF2-40B4-BE49-F238E27FC236}">
+                        <a16:creationId xmlns:a16="http://schemas.microsoft.com/office/drawing/2014/main" id="{0A64567F-2287-49BA-8755-17B474C461B0}"/>
+                      </a:ext>
+                    </a:extLst>
+                  </p:cNvPr>
+                  <p:cNvSpPr txBox="1">
+                    <a:spLocks noRot="1" noChangeAspect="1" noMove="1" noResize="1" noEditPoints="1" noAdjustHandles="1" noChangeArrowheads="1" noChangeShapeType="1" noTextEdit="1"/>
+                  </p:cNvSpPr>
+                  <p:nvPr/>
+                </p:nvSpPr>
+                <p:spPr>
+                  <a:xfrm>
+                    <a:off x="9910368" y="6420936"/>
+                    <a:ext cx="278923" cy="276999"/>
+                  </a:xfrm>
+                  <a:prstGeom prst="rect">
+                    <a:avLst/>
+                  </a:prstGeom>
+                  <a:blipFill>
+                    <a:blip r:embed="rId9"/>
+                    <a:stretch>
+                      <a:fillRect l="-22222" r="-6667" b="-15217"/>
+                    </a:stretch>
+                  </a:blipFill>
+                </p:spPr>
+                <p:txBody>
+                  <a:bodyPr/>
+                  <a:lstStyle/>
+                  <a:p>
+                    <a:r>
+                      <a:rPr lang="ru-RU">
+                        <a:noFill/>
+                      </a:rPr>
+                      <a:t> </a:t>
+                    </a:r>
+                  </a:p>
+                </p:txBody>
+              </p:sp>
+            </mc:Fallback>
+          </mc:AlternateContent>
+          <mc:AlternateContent xmlns:mc="http://schemas.openxmlformats.org/markup-compatibility/2006">
+            <mc:Choice xmlns:a14="http://schemas.microsoft.com/office/drawing/2010/main" Requires="a14">
+              <p:sp>
+                <p:nvSpPr>
+                  <p:cNvPr id="119" name="TextBox 118">
+                    <a:extLst>
+                      <a:ext uri="{FF2B5EF4-FFF2-40B4-BE49-F238E27FC236}">
+                        <a16:creationId xmlns:a16="http://schemas.microsoft.com/office/drawing/2014/main" id="{325443A3-A20D-4EFA-B9D7-C026338206E2}"/>
+                      </a:ext>
+                    </a:extLst>
+                  </p:cNvPr>
+                  <p:cNvSpPr txBox="1">
+                    <a:spLocks noChangeAspect="1"/>
+                  </p:cNvSpPr>
+                  <p:nvPr/>
+                </p:nvSpPr>
+                <p:spPr>
+                  <a:xfrm>
+                    <a:off x="11293948" y="5235248"/>
+                    <a:ext cx="276293" cy="276999"/>
+                  </a:xfrm>
+                  <a:prstGeom prst="rect">
+                    <a:avLst/>
+                  </a:prstGeom>
+                  <a:noFill/>
+                </p:spPr>
+                <p:txBody>
+                  <a:bodyPr wrap="square" lIns="0" tIns="0" rIns="0" bIns="0" rtlCol="0">
+                    <a:spAutoFit/>
+                  </a:bodyPr>
+                  <a:lstStyle/>
+                  <a:p>
+                    <a:pPr/>
+                    <a14:m>
+                      <m:oMathPara xmlns:m="http://schemas.openxmlformats.org/officeDocument/2006/math">
+                        <m:oMathParaPr>
+                          <m:jc m:val="centerGroup"/>
+                        </m:oMathParaPr>
+                        <m:oMath xmlns:m="http://schemas.openxmlformats.org/officeDocument/2006/math">
+                          <m:sSub>
+                            <m:sSubPr>
+                              <m:ctrlPr>
+                                <a:rPr lang="el-GR" i="1" smtClean="0">
+                                  <a:latin typeface="Cambria Math" panose="02040503050406030204" pitchFamily="18" charset="0"/>
+                                  <a:ea typeface="Cambria Math" panose="02040503050406030204" pitchFamily="18" charset="0"/>
+                                </a:rPr>
+                              </m:ctrlPr>
+                            </m:sSubPr>
+                            <m:e>
+                              <m:r>
+                                <m:rPr>
+                                  <m:sty m:val="p"/>
+                                </m:rPr>
+                                <a:rPr lang="el-GR" i="1" smtClean="0">
+                                  <a:latin typeface="Cambria Math" panose="02040503050406030204" pitchFamily="18" charset="0"/>
+                                  <a:ea typeface="Cambria Math" panose="02040503050406030204" pitchFamily="18" charset="0"/>
+                                </a:rPr>
+                                <m:t>Γ</m:t>
+                              </m:r>
+                            </m:e>
+                            <m:sub>
+                              <m:r>
+                                <a:rPr lang="en-US" b="0" i="1" smtClean="0">
+                                  <a:latin typeface="Cambria Math" panose="02040503050406030204" pitchFamily="18" charset="0"/>
+                                  <a:ea typeface="Cambria Math" panose="02040503050406030204" pitchFamily="18" charset="0"/>
+                                </a:rPr>
+                                <m:t>𝑅</m:t>
+                              </m:r>
+                            </m:sub>
+                          </m:sSub>
+                        </m:oMath>
+                      </m:oMathPara>
+                    </a14:m>
+                    <a:endParaRPr lang="ru-RU" dirty="0"/>
+                  </a:p>
+                </p:txBody>
+              </p:sp>
+            </mc:Choice>
+            <mc:Fallback>
+              <p:sp>
+                <p:nvSpPr>
+                  <p:cNvPr id="119" name="TextBox 118">
+                    <a:extLst>
+                      <a:ext uri="{FF2B5EF4-FFF2-40B4-BE49-F238E27FC236}">
+                        <a16:creationId xmlns:a16="http://schemas.microsoft.com/office/drawing/2014/main" id="{325443A3-A20D-4EFA-B9D7-C026338206E2}"/>
+                      </a:ext>
+                    </a:extLst>
+                  </p:cNvPr>
+                  <p:cNvSpPr txBox="1">
+                    <a:spLocks noRot="1" noChangeAspect="1" noMove="1" noResize="1" noEditPoints="1" noAdjustHandles="1" noChangeArrowheads="1" noChangeShapeType="1" noTextEdit="1"/>
+                  </p:cNvSpPr>
+                  <p:nvPr/>
+                </p:nvSpPr>
+                <p:spPr>
+                  <a:xfrm>
+                    <a:off x="11293948" y="5235248"/>
+                    <a:ext cx="276293" cy="276999"/>
+                  </a:xfrm>
+                  <a:prstGeom prst="rect">
+                    <a:avLst/>
+                  </a:prstGeom>
+                  <a:blipFill>
+                    <a:blip r:embed="rId10"/>
+                    <a:stretch>
+                      <a:fillRect l="-20000" r="-6667" b="-15556"/>
+                    </a:stretch>
+                  </a:blipFill>
+                </p:spPr>
+                <p:txBody>
+                  <a:bodyPr/>
+                  <a:lstStyle/>
+                  <a:p>
+                    <a:r>
+                      <a:rPr lang="ru-RU">
+                        <a:noFill/>
+                      </a:rPr>
+                      <a:t> </a:t>
+                    </a:r>
+                  </a:p>
+                </p:txBody>
+              </p:sp>
+            </mc:Fallback>
+          </mc:AlternateContent>
+          <mc:AlternateContent xmlns:mc="http://schemas.openxmlformats.org/markup-compatibility/2006">
+            <mc:Choice xmlns:a14="http://schemas.microsoft.com/office/drawing/2010/main" Requires="a14">
+              <p:sp>
+                <p:nvSpPr>
+                  <p:cNvPr id="120" name="TextBox 119">
+                    <a:extLst>
+                      <a:ext uri="{FF2B5EF4-FFF2-40B4-BE49-F238E27FC236}">
+                        <a16:creationId xmlns:a16="http://schemas.microsoft.com/office/drawing/2014/main" id="{45C13FEF-08D8-41E6-BB2F-777C706FECF4}"/>
+                      </a:ext>
+                    </a:extLst>
+                  </p:cNvPr>
+                  <p:cNvSpPr txBox="1">
+                    <a:spLocks noChangeAspect="1"/>
+                  </p:cNvSpPr>
+                  <p:nvPr/>
+                </p:nvSpPr>
+                <p:spPr>
+                  <a:xfrm>
+                    <a:off x="8221551" y="4070216"/>
+                    <a:ext cx="278088" cy="276999"/>
+                  </a:xfrm>
+                  <a:prstGeom prst="rect">
+                    <a:avLst/>
+                  </a:prstGeom>
+                  <a:noFill/>
+                </p:spPr>
+                <p:txBody>
+                  <a:bodyPr wrap="square" lIns="0" tIns="0" rIns="0" bIns="0" rtlCol="0">
+                    <a:spAutoFit/>
+                  </a:bodyPr>
+                  <a:lstStyle/>
+                  <a:p>
+                    <a:pPr/>
+                    <a14:m>
+                      <m:oMathPara xmlns:m="http://schemas.openxmlformats.org/officeDocument/2006/math">
+                        <m:oMathParaPr>
+                          <m:jc m:val="centerGroup"/>
+                        </m:oMathParaPr>
+                        <m:oMath xmlns:m="http://schemas.openxmlformats.org/officeDocument/2006/math">
+                          <m:sSub>
+                            <m:sSubPr>
+                              <m:ctrlPr>
+                                <a:rPr lang="el-GR" i="1" smtClean="0">
+                                  <a:latin typeface="Cambria Math" panose="02040503050406030204" pitchFamily="18" charset="0"/>
+                                  <a:ea typeface="Cambria Math" panose="02040503050406030204" pitchFamily="18" charset="0"/>
+                                </a:rPr>
+                              </m:ctrlPr>
+                            </m:sSubPr>
+                            <m:e>
+                              <m:r>
+                                <m:rPr>
+                                  <m:sty m:val="p"/>
+                                </m:rPr>
+                                <a:rPr lang="el-GR" i="1" smtClean="0">
+                                  <a:latin typeface="Cambria Math" panose="02040503050406030204" pitchFamily="18" charset="0"/>
+                                  <a:ea typeface="Cambria Math" panose="02040503050406030204" pitchFamily="18" charset="0"/>
+                                </a:rPr>
+                                <m:t>Γ</m:t>
+                              </m:r>
+                            </m:e>
+                            <m:sub>
+                              <m:r>
+                                <a:rPr lang="en-US" b="0" i="1" smtClean="0">
+                                  <a:latin typeface="Cambria Math" panose="02040503050406030204" pitchFamily="18" charset="0"/>
+                                  <a:ea typeface="Cambria Math" panose="02040503050406030204" pitchFamily="18" charset="0"/>
+                                </a:rPr>
+                                <m:t>𝑇</m:t>
+                              </m:r>
+                            </m:sub>
+                          </m:sSub>
+                        </m:oMath>
+                      </m:oMathPara>
+                    </a14:m>
+                    <a:endParaRPr lang="ru-RU" dirty="0"/>
+                  </a:p>
+                </p:txBody>
+              </p:sp>
+            </mc:Choice>
+            <mc:Fallback>
+              <p:sp>
+                <p:nvSpPr>
+                  <p:cNvPr id="120" name="TextBox 119">
+                    <a:extLst>
+                      <a:ext uri="{FF2B5EF4-FFF2-40B4-BE49-F238E27FC236}">
+                        <a16:creationId xmlns:a16="http://schemas.microsoft.com/office/drawing/2014/main" id="{45C13FEF-08D8-41E6-BB2F-777C706FECF4}"/>
+                      </a:ext>
+                    </a:extLst>
+                  </p:cNvPr>
+                  <p:cNvSpPr txBox="1">
+                    <a:spLocks noRot="1" noChangeAspect="1" noMove="1" noResize="1" noEditPoints="1" noAdjustHandles="1" noChangeArrowheads="1" noChangeShapeType="1" noTextEdit="1"/>
+                  </p:cNvSpPr>
+                  <p:nvPr/>
+                </p:nvSpPr>
+                <p:spPr>
+                  <a:xfrm>
+                    <a:off x="8221551" y="4070216"/>
+                    <a:ext cx="278088" cy="276999"/>
+                  </a:xfrm>
+                  <a:prstGeom prst="rect">
+                    <a:avLst/>
+                  </a:prstGeom>
+                  <a:blipFill>
+                    <a:blip r:embed="rId11"/>
+                    <a:stretch>
+                      <a:fillRect l="-22222" r="-4444" b="-15556"/>
+                    </a:stretch>
+                  </a:blipFill>
+                </p:spPr>
+                <p:txBody>
+                  <a:bodyPr/>
+                  <a:lstStyle/>
+                  <a:p>
+                    <a:r>
+                      <a:rPr lang="ru-RU">
+                        <a:noFill/>
+                      </a:rPr>
+                      <a:t> </a:t>
+                    </a:r>
+                  </a:p>
+                </p:txBody>
+              </p:sp>
+            </mc:Fallback>
+          </mc:AlternateContent>
+        </p:grpSp>
         <mc:AlternateContent xmlns:mc="http://schemas.openxmlformats.org/markup-compatibility/2006">
           <mc:Choice xmlns:a14="http://schemas.microsoft.com/office/drawing/2010/main" Requires="a14">
             <p:sp>
               <p:nvSpPr>
-                <p:cNvPr id="112" name="TextBox 111">
+                <p:cNvPr id="115" name="TextBox 114">
                   <a:extLst>
                     <a:ext uri="{FF2B5EF4-FFF2-40B4-BE49-F238E27FC236}">
-                      <a16:creationId xmlns:a16="http://schemas.microsoft.com/office/drawing/2014/main" id="{93C5AD03-8867-4E1E-B16F-88E967C0A31F}"/>
+                      <a16:creationId xmlns:a16="http://schemas.microsoft.com/office/drawing/2014/main" id="{8B184312-DAF0-4725-AF11-3B4AEEFE2681}"/>
                     </a:ext>
                   </a:extLst>
                 </p:cNvPr>
@@ -7599,16 +8650,13 @@
               </p:nvSpPr>
               <p:spPr>
                 <a:xfrm>
-                  <a:off x="7545784" y="6241731"/>
-                  <a:ext cx="121700" cy="184666"/>
+                  <a:off x="6018302" y="5879014"/>
+                  <a:ext cx="277320" cy="276999"/>
                 </a:xfrm>
                 <a:prstGeom prst="rect">
                   <a:avLst/>
                 </a:prstGeom>
                 <a:noFill/>
-                <a:ln w="28575">
-                  <a:noFill/>
-                </a:ln>
               </p:spPr>
               <p:txBody>
                 <a:bodyPr wrap="square" lIns="0" tIns="0" rIns="0" bIns="0" rtlCol="0">
@@ -7616,6 +8664,7 @@
                 </a:bodyPr>
                 <a:lstStyle/>
                 <a:p>
+                  <a:pPr/>
                   <a14:m>
                     <m:oMathPara xmlns:m="http://schemas.openxmlformats.org/officeDocument/2006/math">
                       <m:oMathParaPr>
@@ -7623,10 +8672,14 @@
                       </m:oMathParaPr>
                       <m:oMath xmlns:m="http://schemas.openxmlformats.org/officeDocument/2006/math">
                         <m:r>
-                          <a:rPr lang="en-US" sz="1200" b="0" i="1" smtClean="0">
+                          <m:rPr>
+                            <m:sty m:val="p"/>
+                          </m:rPr>
+                          <a:rPr lang="el-GR" i="1" smtClean="0">
                             <a:latin typeface="Cambria Math" panose="02040503050406030204" pitchFamily="18" charset="0"/>
+                            <a:ea typeface="Cambria Math" panose="02040503050406030204" pitchFamily="18" charset="0"/>
                           </a:rPr>
-                          <m:t>𝑥</m:t>
+                          <m:t>Ω</m:t>
                         </m:r>
                       </m:oMath>
                     </m:oMathPara>
@@ -7639,10 +8692,10 @@
           <mc:Fallback>
             <p:sp>
               <p:nvSpPr>
-                <p:cNvPr id="112" name="TextBox 111">
+                <p:cNvPr id="115" name="TextBox 114">
                   <a:extLst>
                     <a:ext uri="{FF2B5EF4-FFF2-40B4-BE49-F238E27FC236}">
-                      <a16:creationId xmlns:a16="http://schemas.microsoft.com/office/drawing/2014/main" id="{93C5AD03-8867-4E1E-B16F-88E967C0A31F}"/>
+                      <a16:creationId xmlns:a16="http://schemas.microsoft.com/office/drawing/2014/main" id="{8B184312-DAF0-4725-AF11-3B4AEEFE2681}"/>
                     </a:ext>
                   </a:extLst>
                 </p:cNvPr>
@@ -7653,21 +8706,18 @@
               </p:nvSpPr>
               <p:spPr>
                 <a:xfrm>
-                  <a:off x="7545784" y="6241731"/>
-                  <a:ext cx="121700" cy="184666"/>
+                  <a:off x="6018302" y="5879014"/>
+                  <a:ext cx="277320" cy="276999"/>
                 </a:xfrm>
                 <a:prstGeom prst="rect">
                   <a:avLst/>
                 </a:prstGeom>
                 <a:blipFill>
-                  <a:blip r:embed="rId5"/>
+                  <a:blip r:embed="rId12"/>
                   <a:stretch>
-                    <a:fillRect/>
+                    <a:fillRect l="-6522" r="-8696" b="-6667"/>
                   </a:stretch>
                 </a:blipFill>
-                <a:ln w="28575">
-                  <a:noFill/>
-                </a:ln>
               </p:spPr>
               <p:txBody>
                 <a:bodyPr/>
@@ -7684,865 +8734,7 @@
             </p:sp>
           </mc:Fallback>
         </mc:AlternateContent>
-        <mc:AlternateContent xmlns:mc="http://schemas.openxmlformats.org/markup-compatibility/2006">
-          <mc:Choice xmlns:a14="http://schemas.microsoft.com/office/drawing/2010/main" Requires="a14">
-            <p:sp>
-              <p:nvSpPr>
-                <p:cNvPr id="113" name="TextBox 112">
-                  <a:extLst>
-                    <a:ext uri="{FF2B5EF4-FFF2-40B4-BE49-F238E27FC236}">
-                      <a16:creationId xmlns:a16="http://schemas.microsoft.com/office/drawing/2014/main" id="{93BAF3D1-7F09-4B84-A184-51B213B0CAAC}"/>
-                    </a:ext>
-                  </a:extLst>
-                </p:cNvPr>
-                <p:cNvSpPr txBox="1">
-                  <a:spLocks noChangeAspect="1"/>
-                </p:cNvSpPr>
-                <p:nvPr/>
-              </p:nvSpPr>
-              <p:spPr>
-                <a:xfrm>
-                  <a:off x="7049957" y="5745255"/>
-                  <a:ext cx="124457" cy="184666"/>
-                </a:xfrm>
-                <a:prstGeom prst="rect">
-                  <a:avLst/>
-                </a:prstGeom>
-                <a:noFill/>
-                <a:ln w="28575">
-                  <a:noFill/>
-                </a:ln>
-              </p:spPr>
-              <p:txBody>
-                <a:bodyPr wrap="square" lIns="0" tIns="0" rIns="0" bIns="0" rtlCol="0">
-                  <a:spAutoFit/>
-                </a:bodyPr>
-                <a:lstStyle/>
-                <a:p>
-                  <a14:m>
-                    <m:oMathPara xmlns:m="http://schemas.openxmlformats.org/officeDocument/2006/math">
-                      <m:oMathParaPr>
-                        <m:jc m:val="centerGroup"/>
-                      </m:oMathParaPr>
-                      <m:oMath xmlns:m="http://schemas.openxmlformats.org/officeDocument/2006/math">
-                        <m:r>
-                          <a:rPr lang="en-US" sz="1200" b="0" i="1" smtClean="0">
-                            <a:latin typeface="Cambria Math" panose="02040503050406030204" pitchFamily="18" charset="0"/>
-                          </a:rPr>
-                          <m:t>𝑦</m:t>
-                        </m:r>
-                      </m:oMath>
-                    </m:oMathPara>
-                  </a14:m>
-                  <a:endParaRPr lang="ru-RU" dirty="0"/>
-                </a:p>
-              </p:txBody>
-            </p:sp>
-          </mc:Choice>
-          <mc:Fallback>
-            <p:sp>
-              <p:nvSpPr>
-                <p:cNvPr id="113" name="TextBox 112">
-                  <a:extLst>
-                    <a:ext uri="{FF2B5EF4-FFF2-40B4-BE49-F238E27FC236}">
-                      <a16:creationId xmlns:a16="http://schemas.microsoft.com/office/drawing/2014/main" id="{93BAF3D1-7F09-4B84-A184-51B213B0CAAC}"/>
-                    </a:ext>
-                  </a:extLst>
-                </p:cNvPr>
-                <p:cNvSpPr txBox="1">
-                  <a:spLocks noRot="1" noChangeAspect="1" noMove="1" noResize="1" noEditPoints="1" noAdjustHandles="1" noChangeArrowheads="1" noChangeShapeType="1" noTextEdit="1"/>
-                </p:cNvSpPr>
-                <p:nvPr/>
-              </p:nvSpPr>
-              <p:spPr>
-                <a:xfrm>
-                  <a:off x="7049957" y="5745255"/>
-                  <a:ext cx="124457" cy="184666"/>
-                </a:xfrm>
-                <a:prstGeom prst="rect">
-                  <a:avLst/>
-                </a:prstGeom>
-                <a:blipFill>
-                  <a:blip r:embed="rId6"/>
-                  <a:stretch>
-                    <a:fillRect l="-7143" r="-7143"/>
-                  </a:stretch>
-                </a:blipFill>
-                <a:ln w="28575">
-                  <a:noFill/>
-                </a:ln>
-              </p:spPr>
-              <p:txBody>
-                <a:bodyPr/>
-                <a:lstStyle/>
-                <a:p>
-                  <a:r>
-                    <a:rPr lang="ru-RU">
-                      <a:noFill/>
-                    </a:rPr>
-                    <a:t> </a:t>
-                  </a:r>
-                </a:p>
-              </p:txBody>
-            </p:sp>
-          </mc:Fallback>
-        </mc:AlternateContent>
-        <p:cxnSp>
-          <p:nvCxnSpPr>
-            <p:cNvPr id="110" name="Прямая со стрелкой 109">
-              <a:extLst>
-                <a:ext uri="{FF2B5EF4-FFF2-40B4-BE49-F238E27FC236}">
-                  <a16:creationId xmlns:a16="http://schemas.microsoft.com/office/drawing/2014/main" id="{C525283B-4DEB-4ADF-8354-E85BC0334DE4}"/>
-                </a:ext>
-              </a:extLst>
-            </p:cNvPr>
-            <p:cNvCxnSpPr>
-              <a:cxnSpLocks noChangeAspect="1"/>
-            </p:cNvCxnSpPr>
-            <p:nvPr/>
-          </p:nvCxnSpPr>
-          <p:spPr>
-            <a:xfrm>
-              <a:off x="7220890" y="6217771"/>
-              <a:ext cx="430548" cy="0"/>
-            </a:xfrm>
-            <a:prstGeom prst="straightConnector1">
-              <a:avLst/>
-            </a:prstGeom>
-            <a:ln w="28575">
-              <a:solidFill>
-                <a:srgbClr val="FF0000"/>
-              </a:solidFill>
-              <a:tailEnd type="triangle"/>
-            </a:ln>
-          </p:spPr>
-          <p:style>
-            <a:lnRef idx="1">
-              <a:schemeClr val="accent1"/>
-            </a:lnRef>
-            <a:fillRef idx="0">
-              <a:schemeClr val="accent1"/>
-            </a:fillRef>
-            <a:effectRef idx="0">
-              <a:schemeClr val="accent1"/>
-            </a:effectRef>
-            <a:fontRef idx="minor">
-              <a:schemeClr val="tx1"/>
-            </a:fontRef>
-          </p:style>
-        </p:cxnSp>
       </p:grpSp>
-      <mc:AlternateContent xmlns:mc="http://schemas.openxmlformats.org/markup-compatibility/2006">
-        <mc:Choice xmlns:a14="http://schemas.microsoft.com/office/drawing/2010/main" Requires="a14">
-          <p:sp>
-            <p:nvSpPr>
-              <p:cNvPr id="115" name="TextBox 114">
-                <a:extLst>
-                  <a:ext uri="{FF2B5EF4-FFF2-40B4-BE49-F238E27FC236}">
-                    <a16:creationId xmlns:a16="http://schemas.microsoft.com/office/drawing/2014/main" id="{8B184312-DAF0-4725-AF11-3B4AEEFE2681}"/>
-                  </a:ext>
-                </a:extLst>
-              </p:cNvPr>
-              <p:cNvSpPr txBox="1">
-                <a:spLocks noChangeAspect="1"/>
-              </p:cNvSpPr>
-              <p:nvPr/>
-            </p:nvSpPr>
-            <p:spPr>
-              <a:xfrm>
-                <a:off x="6018302" y="5879014"/>
-                <a:ext cx="277320" cy="276999"/>
-              </a:xfrm>
-              <a:prstGeom prst="rect">
-                <a:avLst/>
-              </a:prstGeom>
-              <a:noFill/>
-            </p:spPr>
-            <p:txBody>
-              <a:bodyPr wrap="square" lIns="0" tIns="0" rIns="0" bIns="0" rtlCol="0">
-                <a:spAutoFit/>
-              </a:bodyPr>
-              <a:lstStyle/>
-              <a:p>
-                <a14:m>
-                  <m:oMathPara xmlns:m="http://schemas.openxmlformats.org/officeDocument/2006/math">
-                    <m:oMathParaPr>
-                      <m:jc m:val="centerGroup"/>
-                    </m:oMathParaPr>
-                    <m:oMath xmlns:m="http://schemas.openxmlformats.org/officeDocument/2006/math">
-                      <m:r>
-                        <m:rPr>
-                          <m:sty m:val="p"/>
-                        </m:rPr>
-                        <a:rPr lang="el-GR" i="1" smtClean="0">
-                          <a:latin typeface="Cambria Math" panose="02040503050406030204" pitchFamily="18" charset="0"/>
-                          <a:ea typeface="Cambria Math" panose="02040503050406030204" pitchFamily="18" charset="0"/>
-                        </a:rPr>
-                        <m:t>Ω</m:t>
-                      </m:r>
-                    </m:oMath>
-                  </m:oMathPara>
-                </a14:m>
-                <a:endParaRPr lang="ru-RU" dirty="0"/>
-              </a:p>
-            </p:txBody>
-          </p:sp>
-        </mc:Choice>
-        <mc:Fallback>
-          <p:sp>
-            <p:nvSpPr>
-              <p:cNvPr id="115" name="TextBox 114">
-                <a:extLst>
-                  <a:ext uri="{FF2B5EF4-FFF2-40B4-BE49-F238E27FC236}">
-                    <a16:creationId xmlns:a16="http://schemas.microsoft.com/office/drawing/2014/main" id="{8B184312-DAF0-4725-AF11-3B4AEEFE2681}"/>
-                  </a:ext>
-                </a:extLst>
-              </p:cNvPr>
-              <p:cNvSpPr txBox="1">
-                <a:spLocks noRot="1" noChangeAspect="1" noMove="1" noResize="1" noEditPoints="1" noAdjustHandles="1" noChangeArrowheads="1" noChangeShapeType="1" noTextEdit="1"/>
-              </p:cNvSpPr>
-              <p:nvPr/>
-            </p:nvSpPr>
-            <p:spPr>
-              <a:xfrm>
-                <a:off x="6018302" y="5879014"/>
-                <a:ext cx="277320" cy="276999"/>
-              </a:xfrm>
-              <a:prstGeom prst="rect">
-                <a:avLst/>
-              </a:prstGeom>
-              <a:blipFill>
-                <a:blip r:embed="rId7"/>
-                <a:stretch>
-                  <a:fillRect l="-6522" r="-8696" b="-6522"/>
-                </a:stretch>
-              </a:blipFill>
-            </p:spPr>
-            <p:txBody>
-              <a:bodyPr/>
-              <a:lstStyle/>
-              <a:p>
-                <a:r>
-                  <a:rPr lang="ru-RU">
-                    <a:noFill/>
-                  </a:rPr>
-                  <a:t> </a:t>
-                </a:r>
-              </a:p>
-            </p:txBody>
-          </p:sp>
-        </mc:Fallback>
-      </mc:AlternateContent>
-      <mc:AlternateContent xmlns:mc="http://schemas.openxmlformats.org/markup-compatibility/2006">
-        <mc:Choice xmlns:a14="http://schemas.microsoft.com/office/drawing/2010/main" Requires="a14">
-          <p:sp>
-            <p:nvSpPr>
-              <p:cNvPr id="116" name="TextBox 115">
-                <a:extLst>
-                  <a:ext uri="{FF2B5EF4-FFF2-40B4-BE49-F238E27FC236}">
-                    <a16:creationId xmlns:a16="http://schemas.microsoft.com/office/drawing/2014/main" id="{5D0F617F-B506-41FD-B40B-9790B79BDACB}"/>
-                  </a:ext>
-                </a:extLst>
-              </p:cNvPr>
-              <p:cNvSpPr txBox="1">
-                <a:spLocks noChangeAspect="1"/>
-              </p:cNvSpPr>
-              <p:nvPr/>
-            </p:nvSpPr>
-            <p:spPr>
-              <a:xfrm>
-                <a:off x="5404680" y="5175411"/>
-                <a:ext cx="225703" cy="276999"/>
-              </a:xfrm>
-              <a:prstGeom prst="rect">
-                <a:avLst/>
-              </a:prstGeom>
-              <a:noFill/>
-            </p:spPr>
-            <p:txBody>
-              <a:bodyPr wrap="square" lIns="0" tIns="0" rIns="0" bIns="0" rtlCol="0">
-                <a:spAutoFit/>
-              </a:bodyPr>
-              <a:lstStyle/>
-              <a:p>
-                <a14:m>
-                  <m:oMathPara xmlns:m="http://schemas.openxmlformats.org/officeDocument/2006/math">
-                    <m:oMathParaPr>
-                      <m:jc m:val="centerGroup"/>
-                    </m:oMathParaPr>
-                    <m:oMath xmlns:m="http://schemas.openxmlformats.org/officeDocument/2006/math">
-                      <m:sSub>
-                        <m:sSubPr>
-                          <m:ctrlPr>
-                            <a:rPr lang="el-GR" i="1" smtClean="0">
-                              <a:latin typeface="Cambria Math" panose="02040503050406030204" pitchFamily="18" charset="0"/>
-                              <a:ea typeface="Cambria Math" panose="02040503050406030204" pitchFamily="18" charset="0"/>
-                            </a:rPr>
-                          </m:ctrlPr>
-                        </m:sSubPr>
-                        <m:e>
-                          <m:r>
-                            <m:rPr>
-                              <m:sty m:val="p"/>
-                            </m:rPr>
-                            <a:rPr lang="el-GR" i="1" smtClean="0">
-                              <a:latin typeface="Cambria Math" panose="02040503050406030204" pitchFamily="18" charset="0"/>
-                              <a:ea typeface="Cambria Math" panose="02040503050406030204" pitchFamily="18" charset="0"/>
-                            </a:rPr>
-                            <m:t>Γ</m:t>
-                          </m:r>
-                        </m:e>
-                        <m:sub>
-                          <m:r>
-                            <a:rPr lang="en-US" b="0" i="1" smtClean="0">
-                              <a:latin typeface="Cambria Math" panose="02040503050406030204" pitchFamily="18" charset="0"/>
-                              <a:ea typeface="Cambria Math" panose="02040503050406030204" pitchFamily="18" charset="0"/>
-                            </a:rPr>
-                            <m:t>𝑙</m:t>
-                          </m:r>
-                        </m:sub>
-                      </m:sSub>
-                    </m:oMath>
-                  </m:oMathPara>
-                </a14:m>
-                <a:endParaRPr lang="ru-RU" dirty="0"/>
-              </a:p>
-            </p:txBody>
-          </p:sp>
-        </mc:Choice>
-        <mc:Fallback>
-          <p:sp>
-            <p:nvSpPr>
-              <p:cNvPr id="116" name="TextBox 115">
-                <a:extLst>
-                  <a:ext uri="{FF2B5EF4-FFF2-40B4-BE49-F238E27FC236}">
-                    <a16:creationId xmlns:a16="http://schemas.microsoft.com/office/drawing/2014/main" id="{5D0F617F-B506-41FD-B40B-9790B79BDACB}"/>
-                  </a:ext>
-                </a:extLst>
-              </p:cNvPr>
-              <p:cNvSpPr txBox="1">
-                <a:spLocks noRot="1" noChangeAspect="1" noMove="1" noResize="1" noEditPoints="1" noAdjustHandles="1" noChangeArrowheads="1" noChangeShapeType="1" noTextEdit="1"/>
-              </p:cNvSpPr>
-              <p:nvPr/>
-            </p:nvSpPr>
-            <p:spPr>
-              <a:xfrm>
-                <a:off x="5404680" y="5175411"/>
-                <a:ext cx="225703" cy="276999"/>
-              </a:xfrm>
-              <a:prstGeom prst="rect">
-                <a:avLst/>
-              </a:prstGeom>
-              <a:blipFill>
-                <a:blip r:embed="rId8"/>
-                <a:stretch>
-                  <a:fillRect l="-27027" r="-8108" b="-17778"/>
-                </a:stretch>
-              </a:blipFill>
-            </p:spPr>
-            <p:txBody>
-              <a:bodyPr/>
-              <a:lstStyle/>
-              <a:p>
-                <a:r>
-                  <a:rPr lang="ru-RU">
-                    <a:noFill/>
-                  </a:rPr>
-                  <a:t> </a:t>
-                </a:r>
-              </a:p>
-            </p:txBody>
-          </p:sp>
-        </mc:Fallback>
-      </mc:AlternateContent>
-      <mc:AlternateContent xmlns:mc="http://schemas.openxmlformats.org/markup-compatibility/2006">
-        <mc:Choice xmlns:a14="http://schemas.microsoft.com/office/drawing/2010/main" Requires="a14">
-          <p:sp>
-            <p:nvSpPr>
-              <p:cNvPr id="117" name="TextBox 116">
-                <a:extLst>
-                  <a:ext uri="{FF2B5EF4-FFF2-40B4-BE49-F238E27FC236}">
-                    <a16:creationId xmlns:a16="http://schemas.microsoft.com/office/drawing/2014/main" id="{602A78B8-F28C-4F8D-B60F-CA0C5948928A}"/>
-                  </a:ext>
-                </a:extLst>
-              </p:cNvPr>
-              <p:cNvSpPr txBox="1">
-                <a:spLocks noChangeAspect="1"/>
-              </p:cNvSpPr>
-              <p:nvPr/>
-            </p:nvSpPr>
-            <p:spPr>
-              <a:xfrm>
-                <a:off x="7037374" y="6420936"/>
-                <a:ext cx="252184" cy="299249"/>
-              </a:xfrm>
-              <a:prstGeom prst="rect">
-                <a:avLst/>
-              </a:prstGeom>
-              <a:noFill/>
-            </p:spPr>
-            <p:txBody>
-              <a:bodyPr wrap="square" lIns="0" tIns="0" rIns="0" bIns="0" rtlCol="0">
-                <a:spAutoFit/>
-              </a:bodyPr>
-              <a:lstStyle/>
-              <a:p>
-                <a14:m>
-                  <m:oMathPara xmlns:m="http://schemas.openxmlformats.org/officeDocument/2006/math">
-                    <m:oMathParaPr>
-                      <m:jc m:val="centerGroup"/>
-                    </m:oMathParaPr>
-                    <m:oMath xmlns:m="http://schemas.openxmlformats.org/officeDocument/2006/math">
-                      <m:sSub>
-                        <m:sSubPr>
-                          <m:ctrlPr>
-                            <a:rPr lang="el-GR" i="1" smtClean="0">
-                              <a:latin typeface="Cambria Math" panose="02040503050406030204" pitchFamily="18" charset="0"/>
-                              <a:ea typeface="Cambria Math" panose="02040503050406030204" pitchFamily="18" charset="0"/>
-                            </a:rPr>
-                          </m:ctrlPr>
-                        </m:sSubPr>
-                        <m:e>
-                          <m:r>
-                            <m:rPr>
-                              <m:sty m:val="p"/>
-                            </m:rPr>
-                            <a:rPr lang="el-GR" i="1" smtClean="0">
-                              <a:latin typeface="Cambria Math" panose="02040503050406030204" pitchFamily="18" charset="0"/>
-                              <a:ea typeface="Cambria Math" panose="02040503050406030204" pitchFamily="18" charset="0"/>
-                            </a:rPr>
-                            <m:t>Γ</m:t>
-                          </m:r>
-                        </m:e>
-                        <m:sub>
-                          <m:r>
-                            <a:rPr lang="en-US" b="0" i="1" smtClean="0">
-                              <a:latin typeface="Cambria Math" panose="02040503050406030204" pitchFamily="18" charset="0"/>
-                              <a:ea typeface="Cambria Math" panose="02040503050406030204" pitchFamily="18" charset="0"/>
-                            </a:rPr>
-                            <m:t>𝑓</m:t>
-                          </m:r>
-                        </m:sub>
-                      </m:sSub>
-                    </m:oMath>
-                  </m:oMathPara>
-                </a14:m>
-                <a:endParaRPr lang="ru-RU" dirty="0"/>
-              </a:p>
-            </p:txBody>
-          </p:sp>
-        </mc:Choice>
-        <mc:Fallback>
-          <p:sp>
-            <p:nvSpPr>
-              <p:cNvPr id="117" name="TextBox 116">
-                <a:extLst>
-                  <a:ext uri="{FF2B5EF4-FFF2-40B4-BE49-F238E27FC236}">
-                    <a16:creationId xmlns:a16="http://schemas.microsoft.com/office/drawing/2014/main" id="{602A78B8-F28C-4F8D-B60F-CA0C5948928A}"/>
-                  </a:ext>
-                </a:extLst>
-              </p:cNvPr>
-              <p:cNvSpPr txBox="1">
-                <a:spLocks noRot="1" noChangeAspect="1" noMove="1" noResize="1" noEditPoints="1" noAdjustHandles="1" noChangeArrowheads="1" noChangeShapeType="1" noTextEdit="1"/>
-              </p:cNvSpPr>
-              <p:nvPr/>
-            </p:nvSpPr>
-            <p:spPr>
-              <a:xfrm>
-                <a:off x="7037374" y="6420936"/>
-                <a:ext cx="252184" cy="299249"/>
-              </a:xfrm>
-              <a:prstGeom prst="rect">
-                <a:avLst/>
-              </a:prstGeom>
-              <a:blipFill>
-                <a:blip r:embed="rId9"/>
-                <a:stretch>
-                  <a:fillRect l="-21429" r="-14286" b="-28571"/>
-                </a:stretch>
-              </a:blipFill>
-            </p:spPr>
-            <p:txBody>
-              <a:bodyPr/>
-              <a:lstStyle/>
-              <a:p>
-                <a:r>
-                  <a:rPr lang="ru-RU">
-                    <a:noFill/>
-                  </a:rPr>
-                  <a:t> </a:t>
-                </a:r>
-              </a:p>
-            </p:txBody>
-          </p:sp>
-        </mc:Fallback>
-      </mc:AlternateContent>
-      <mc:AlternateContent xmlns:mc="http://schemas.openxmlformats.org/markup-compatibility/2006">
-        <mc:Choice xmlns:a14="http://schemas.microsoft.com/office/drawing/2010/main" Requires="a14">
-          <p:sp>
-            <p:nvSpPr>
-              <p:cNvPr id="118" name="TextBox 117">
-                <a:extLst>
-                  <a:ext uri="{FF2B5EF4-FFF2-40B4-BE49-F238E27FC236}">
-                    <a16:creationId xmlns:a16="http://schemas.microsoft.com/office/drawing/2014/main" id="{0A64567F-2287-49BA-8755-17B474C461B0}"/>
-                  </a:ext>
-                </a:extLst>
-              </p:cNvPr>
-              <p:cNvSpPr txBox="1">
-                <a:spLocks noChangeAspect="1"/>
-              </p:cNvSpPr>
-              <p:nvPr/>
-            </p:nvSpPr>
-            <p:spPr>
-              <a:xfrm>
-                <a:off x="9910368" y="6420936"/>
-                <a:ext cx="278923" cy="276999"/>
-              </a:xfrm>
-              <a:prstGeom prst="rect">
-                <a:avLst/>
-              </a:prstGeom>
-              <a:noFill/>
-            </p:spPr>
-            <p:txBody>
-              <a:bodyPr wrap="square" lIns="0" tIns="0" rIns="0" bIns="0" rtlCol="0">
-                <a:spAutoFit/>
-              </a:bodyPr>
-              <a:lstStyle/>
-              <a:p>
-                <a14:m>
-                  <m:oMathPara xmlns:m="http://schemas.openxmlformats.org/officeDocument/2006/math">
-                    <m:oMathParaPr>
-                      <m:jc m:val="centerGroup"/>
-                    </m:oMathParaPr>
-                    <m:oMath xmlns:m="http://schemas.openxmlformats.org/officeDocument/2006/math">
-                      <m:sSub>
-                        <m:sSubPr>
-                          <m:ctrlPr>
-                            <a:rPr lang="el-GR" i="1" smtClean="0">
-                              <a:latin typeface="Cambria Math" panose="02040503050406030204" pitchFamily="18" charset="0"/>
-                              <a:ea typeface="Cambria Math" panose="02040503050406030204" pitchFamily="18" charset="0"/>
-                            </a:rPr>
-                          </m:ctrlPr>
-                        </m:sSubPr>
-                        <m:e>
-                          <m:r>
-                            <m:rPr>
-                              <m:sty m:val="p"/>
-                            </m:rPr>
-                            <a:rPr lang="el-GR" i="1" smtClean="0">
-                              <a:latin typeface="Cambria Math" panose="02040503050406030204" pitchFamily="18" charset="0"/>
-                              <a:ea typeface="Cambria Math" panose="02040503050406030204" pitchFamily="18" charset="0"/>
-                            </a:rPr>
-                            <m:t>Γ</m:t>
-                          </m:r>
-                        </m:e>
-                        <m:sub>
-                          <m:r>
-                            <a:rPr lang="en-US" b="0" i="1" smtClean="0">
-                              <a:latin typeface="Cambria Math" panose="02040503050406030204" pitchFamily="18" charset="0"/>
-                              <a:ea typeface="Cambria Math" panose="02040503050406030204" pitchFamily="18" charset="0"/>
-                            </a:rPr>
-                            <m:t>𝐵</m:t>
-                          </m:r>
-                        </m:sub>
-                      </m:sSub>
-                    </m:oMath>
-                  </m:oMathPara>
-                </a14:m>
-                <a:endParaRPr lang="ru-RU" dirty="0"/>
-              </a:p>
-            </p:txBody>
-          </p:sp>
-        </mc:Choice>
-        <mc:Fallback>
-          <p:sp>
-            <p:nvSpPr>
-              <p:cNvPr id="118" name="TextBox 117">
-                <a:extLst>
-                  <a:ext uri="{FF2B5EF4-FFF2-40B4-BE49-F238E27FC236}">
-                    <a16:creationId xmlns:a16="http://schemas.microsoft.com/office/drawing/2014/main" id="{0A64567F-2287-49BA-8755-17B474C461B0}"/>
-                  </a:ext>
-                </a:extLst>
-              </p:cNvPr>
-              <p:cNvSpPr txBox="1">
-                <a:spLocks noRot="1" noChangeAspect="1" noMove="1" noResize="1" noEditPoints="1" noAdjustHandles="1" noChangeArrowheads="1" noChangeShapeType="1" noTextEdit="1"/>
-              </p:cNvSpPr>
-              <p:nvPr/>
-            </p:nvSpPr>
-            <p:spPr>
-              <a:xfrm>
-                <a:off x="9910368" y="6420936"/>
-                <a:ext cx="278923" cy="276999"/>
-              </a:xfrm>
-              <a:prstGeom prst="rect">
-                <a:avLst/>
-              </a:prstGeom>
-              <a:blipFill>
-                <a:blip r:embed="rId10"/>
-                <a:stretch>
-                  <a:fillRect l="-22222" r="-6667" b="-15217"/>
-                </a:stretch>
-              </a:blipFill>
-            </p:spPr>
-            <p:txBody>
-              <a:bodyPr/>
-              <a:lstStyle/>
-              <a:p>
-                <a:r>
-                  <a:rPr lang="ru-RU">
-                    <a:noFill/>
-                  </a:rPr>
-                  <a:t> </a:t>
-                </a:r>
-              </a:p>
-            </p:txBody>
-          </p:sp>
-        </mc:Fallback>
-      </mc:AlternateContent>
-      <mc:AlternateContent xmlns:mc="http://schemas.openxmlformats.org/markup-compatibility/2006">
-        <mc:Choice xmlns:a14="http://schemas.microsoft.com/office/drawing/2010/main" Requires="a14">
-          <p:sp>
-            <p:nvSpPr>
-              <p:cNvPr id="119" name="TextBox 118">
-                <a:extLst>
-                  <a:ext uri="{FF2B5EF4-FFF2-40B4-BE49-F238E27FC236}">
-                    <a16:creationId xmlns:a16="http://schemas.microsoft.com/office/drawing/2014/main" id="{325443A3-A20D-4EFA-B9D7-C026338206E2}"/>
-                  </a:ext>
-                </a:extLst>
-              </p:cNvPr>
-              <p:cNvSpPr txBox="1">
-                <a:spLocks noChangeAspect="1"/>
-              </p:cNvSpPr>
-              <p:nvPr/>
-            </p:nvSpPr>
-            <p:spPr>
-              <a:xfrm>
-                <a:off x="11293948" y="5235248"/>
-                <a:ext cx="276293" cy="276999"/>
-              </a:xfrm>
-              <a:prstGeom prst="rect">
-                <a:avLst/>
-              </a:prstGeom>
-              <a:noFill/>
-            </p:spPr>
-            <p:txBody>
-              <a:bodyPr wrap="square" lIns="0" tIns="0" rIns="0" bIns="0" rtlCol="0">
-                <a:spAutoFit/>
-              </a:bodyPr>
-              <a:lstStyle/>
-              <a:p>
-                <a14:m>
-                  <m:oMathPara xmlns:m="http://schemas.openxmlformats.org/officeDocument/2006/math">
-                    <m:oMathParaPr>
-                      <m:jc m:val="centerGroup"/>
-                    </m:oMathParaPr>
-                    <m:oMath xmlns:m="http://schemas.openxmlformats.org/officeDocument/2006/math">
-                      <m:sSub>
-                        <m:sSubPr>
-                          <m:ctrlPr>
-                            <a:rPr lang="el-GR" i="1" smtClean="0">
-                              <a:latin typeface="Cambria Math" panose="02040503050406030204" pitchFamily="18" charset="0"/>
-                              <a:ea typeface="Cambria Math" panose="02040503050406030204" pitchFamily="18" charset="0"/>
-                            </a:rPr>
-                          </m:ctrlPr>
-                        </m:sSubPr>
-                        <m:e>
-                          <m:r>
-                            <m:rPr>
-                              <m:sty m:val="p"/>
-                            </m:rPr>
-                            <a:rPr lang="el-GR" i="1" smtClean="0">
-                              <a:latin typeface="Cambria Math" panose="02040503050406030204" pitchFamily="18" charset="0"/>
-                              <a:ea typeface="Cambria Math" panose="02040503050406030204" pitchFamily="18" charset="0"/>
-                            </a:rPr>
-                            <m:t>Γ</m:t>
-                          </m:r>
-                        </m:e>
-                        <m:sub>
-                          <m:r>
-                            <a:rPr lang="en-US" b="0" i="1" smtClean="0">
-                              <a:latin typeface="Cambria Math" panose="02040503050406030204" pitchFamily="18" charset="0"/>
-                              <a:ea typeface="Cambria Math" panose="02040503050406030204" pitchFamily="18" charset="0"/>
-                            </a:rPr>
-                            <m:t>𝑅</m:t>
-                          </m:r>
-                        </m:sub>
-                      </m:sSub>
-                    </m:oMath>
-                  </m:oMathPara>
-                </a14:m>
-                <a:endParaRPr lang="ru-RU" dirty="0"/>
-              </a:p>
-            </p:txBody>
-          </p:sp>
-        </mc:Choice>
-        <mc:Fallback>
-          <p:sp>
-            <p:nvSpPr>
-              <p:cNvPr id="119" name="TextBox 118">
-                <a:extLst>
-                  <a:ext uri="{FF2B5EF4-FFF2-40B4-BE49-F238E27FC236}">
-                    <a16:creationId xmlns:a16="http://schemas.microsoft.com/office/drawing/2014/main" id="{325443A3-A20D-4EFA-B9D7-C026338206E2}"/>
-                  </a:ext>
-                </a:extLst>
-              </p:cNvPr>
-              <p:cNvSpPr txBox="1">
-                <a:spLocks noRot="1" noChangeAspect="1" noMove="1" noResize="1" noEditPoints="1" noAdjustHandles="1" noChangeArrowheads="1" noChangeShapeType="1" noTextEdit="1"/>
-              </p:cNvSpPr>
-              <p:nvPr/>
-            </p:nvSpPr>
-            <p:spPr>
-              <a:xfrm>
-                <a:off x="11293948" y="5235248"/>
-                <a:ext cx="276293" cy="276999"/>
-              </a:xfrm>
-              <a:prstGeom prst="rect">
-                <a:avLst/>
-              </a:prstGeom>
-              <a:blipFill>
-                <a:blip r:embed="rId11"/>
-                <a:stretch>
-                  <a:fillRect l="-20000" r="-6667" b="-15556"/>
-                </a:stretch>
-              </a:blipFill>
-            </p:spPr>
-            <p:txBody>
-              <a:bodyPr/>
-              <a:lstStyle/>
-              <a:p>
-                <a:r>
-                  <a:rPr lang="ru-RU">
-                    <a:noFill/>
-                  </a:rPr>
-                  <a:t> </a:t>
-                </a:r>
-              </a:p>
-            </p:txBody>
-          </p:sp>
-        </mc:Fallback>
-      </mc:AlternateContent>
-      <mc:AlternateContent xmlns:mc="http://schemas.openxmlformats.org/markup-compatibility/2006">
-        <mc:Choice xmlns:a14="http://schemas.microsoft.com/office/drawing/2010/main" Requires="a14">
-          <p:sp>
-            <p:nvSpPr>
-              <p:cNvPr id="120" name="TextBox 119">
-                <a:extLst>
-                  <a:ext uri="{FF2B5EF4-FFF2-40B4-BE49-F238E27FC236}">
-                    <a16:creationId xmlns:a16="http://schemas.microsoft.com/office/drawing/2014/main" id="{45C13FEF-08D8-41E6-BB2F-777C706FECF4}"/>
-                  </a:ext>
-                </a:extLst>
-              </p:cNvPr>
-              <p:cNvSpPr txBox="1">
-                <a:spLocks noChangeAspect="1"/>
-              </p:cNvSpPr>
-              <p:nvPr/>
-            </p:nvSpPr>
-            <p:spPr>
-              <a:xfrm>
-                <a:off x="8221551" y="4070216"/>
-                <a:ext cx="278088" cy="276999"/>
-              </a:xfrm>
-              <a:prstGeom prst="rect">
-                <a:avLst/>
-              </a:prstGeom>
-              <a:noFill/>
-            </p:spPr>
-            <p:txBody>
-              <a:bodyPr wrap="square" lIns="0" tIns="0" rIns="0" bIns="0" rtlCol="0">
-                <a:spAutoFit/>
-              </a:bodyPr>
-              <a:lstStyle/>
-              <a:p>
-                <a14:m>
-                  <m:oMathPara xmlns:m="http://schemas.openxmlformats.org/officeDocument/2006/math">
-                    <m:oMathParaPr>
-                      <m:jc m:val="centerGroup"/>
-                    </m:oMathParaPr>
-                    <m:oMath xmlns:m="http://schemas.openxmlformats.org/officeDocument/2006/math">
-                      <m:sSub>
-                        <m:sSubPr>
-                          <m:ctrlPr>
-                            <a:rPr lang="el-GR" i="1" smtClean="0">
-                              <a:latin typeface="Cambria Math" panose="02040503050406030204" pitchFamily="18" charset="0"/>
-                              <a:ea typeface="Cambria Math" panose="02040503050406030204" pitchFamily="18" charset="0"/>
-                            </a:rPr>
-                          </m:ctrlPr>
-                        </m:sSubPr>
-                        <m:e>
-                          <m:r>
-                            <m:rPr>
-                              <m:sty m:val="p"/>
-                            </m:rPr>
-                            <a:rPr lang="el-GR" i="1" smtClean="0">
-                              <a:latin typeface="Cambria Math" panose="02040503050406030204" pitchFamily="18" charset="0"/>
-                              <a:ea typeface="Cambria Math" panose="02040503050406030204" pitchFamily="18" charset="0"/>
-                            </a:rPr>
-                            <m:t>Γ</m:t>
-                          </m:r>
-                        </m:e>
-                        <m:sub>
-                          <m:r>
-                            <a:rPr lang="en-US" b="0" i="1" smtClean="0">
-                              <a:latin typeface="Cambria Math" panose="02040503050406030204" pitchFamily="18" charset="0"/>
-                              <a:ea typeface="Cambria Math" panose="02040503050406030204" pitchFamily="18" charset="0"/>
-                            </a:rPr>
-                            <m:t>𝑇</m:t>
-                          </m:r>
-                        </m:sub>
-                      </m:sSub>
-                    </m:oMath>
-                  </m:oMathPara>
-                </a14:m>
-                <a:endParaRPr lang="ru-RU" dirty="0"/>
-              </a:p>
-            </p:txBody>
-          </p:sp>
-        </mc:Choice>
-        <mc:Fallback>
-          <p:sp>
-            <p:nvSpPr>
-              <p:cNvPr id="120" name="TextBox 119">
-                <a:extLst>
-                  <a:ext uri="{FF2B5EF4-FFF2-40B4-BE49-F238E27FC236}">
-                    <a16:creationId xmlns:a16="http://schemas.microsoft.com/office/drawing/2014/main" id="{45C13FEF-08D8-41E6-BB2F-777C706FECF4}"/>
-                  </a:ext>
-                </a:extLst>
-              </p:cNvPr>
-              <p:cNvSpPr txBox="1">
-                <a:spLocks noRot="1" noChangeAspect="1" noMove="1" noResize="1" noEditPoints="1" noAdjustHandles="1" noChangeArrowheads="1" noChangeShapeType="1" noTextEdit="1"/>
-              </p:cNvSpPr>
-              <p:nvPr/>
-            </p:nvSpPr>
-            <p:spPr>
-              <a:xfrm>
-                <a:off x="8221551" y="4070216"/>
-                <a:ext cx="278088" cy="276999"/>
-              </a:xfrm>
-              <a:prstGeom prst="rect">
-                <a:avLst/>
-              </a:prstGeom>
-              <a:blipFill>
-                <a:blip r:embed="rId12"/>
-                <a:stretch>
-                  <a:fillRect l="-22222" r="-4444" b="-15556"/>
-                </a:stretch>
-              </a:blipFill>
-            </p:spPr>
-            <p:txBody>
-              <a:bodyPr/>
-              <a:lstStyle/>
-              <a:p>
-                <a:r>
-                  <a:rPr lang="ru-RU">
-                    <a:noFill/>
-                  </a:rPr>
-                  <a:t> </a:t>
-                </a:r>
-              </a:p>
-            </p:txBody>
-          </p:sp>
-        </mc:Fallback>
-      </mc:AlternateContent>
       <p:sp>
         <p:nvSpPr>
           <p:cNvPr id="130" name="Стрелка: влево-вправо 129">
@@ -9124,8 +9316,8 @@
           </a:p>
         </p:txBody>
       </p:sp>
-      <mc:AlternateContent xmlns:mc="http://schemas.openxmlformats.org/markup-compatibility/2006">
-        <mc:Choice xmlns:a14="http://schemas.microsoft.com/office/drawing/2010/main" Requires="a14">
+      <mc:AlternateContent xmlns:mc="http://schemas.openxmlformats.org/markup-compatibility/2006" xmlns:a14="http://schemas.microsoft.com/office/drawing/2010/main">
+        <mc:Choice Requires="a14">
           <p:sp>
             <p:nvSpPr>
               <p:cNvPr id="70" name="TextBox 69">
@@ -9200,7 +9392,7 @@
             </p:txBody>
           </p:sp>
         </mc:Choice>
-        <mc:Fallback>
+        <mc:Fallback xmlns="">
           <p:sp>
             <p:nvSpPr>
               <p:cNvPr id="70" name="TextBox 69">
@@ -9245,8 +9437,8 @@
           </p:sp>
         </mc:Fallback>
       </mc:AlternateContent>
-      <mc:AlternateContent xmlns:mc="http://schemas.openxmlformats.org/markup-compatibility/2006">
-        <mc:Choice xmlns:a14="http://schemas.microsoft.com/office/drawing/2010/main" Requires="a14">
+      <mc:AlternateContent xmlns:mc="http://schemas.openxmlformats.org/markup-compatibility/2006" xmlns:a14="http://schemas.microsoft.com/office/drawing/2010/main">
+        <mc:Choice Requires="a14">
           <p:sp>
             <p:nvSpPr>
               <p:cNvPr id="71" name="TextBox 70">
@@ -9321,7 +9513,7 @@
             </p:txBody>
           </p:sp>
         </mc:Choice>
-        <mc:Fallback>
+        <mc:Fallback xmlns="">
           <p:sp>
             <p:nvSpPr>
               <p:cNvPr id="71" name="TextBox 70">
@@ -9366,8 +9558,8 @@
           </p:sp>
         </mc:Fallback>
       </mc:AlternateContent>
-      <mc:AlternateContent xmlns:mc="http://schemas.openxmlformats.org/markup-compatibility/2006">
-        <mc:Choice xmlns:a14="http://schemas.microsoft.com/office/drawing/2010/main" Requires="a14">
+      <mc:AlternateContent xmlns:mc="http://schemas.openxmlformats.org/markup-compatibility/2006" xmlns:a14="http://schemas.microsoft.com/office/drawing/2010/main">
+        <mc:Choice Requires="a14">
           <p:sp>
             <p:nvSpPr>
               <p:cNvPr id="72" name="TextBox 71">
@@ -9442,7 +9634,7 @@
             </p:txBody>
           </p:sp>
         </mc:Choice>
-        <mc:Fallback>
+        <mc:Fallback xmlns="">
           <p:sp>
             <p:nvSpPr>
               <p:cNvPr id="72" name="TextBox 71">
@@ -9487,8 +9679,8 @@
           </p:sp>
         </mc:Fallback>
       </mc:AlternateContent>
-      <mc:AlternateContent xmlns:mc="http://schemas.openxmlformats.org/markup-compatibility/2006">
-        <mc:Choice xmlns:a14="http://schemas.microsoft.com/office/drawing/2010/main" Requires="a14">
+      <mc:AlternateContent xmlns:mc="http://schemas.openxmlformats.org/markup-compatibility/2006" xmlns:a14="http://schemas.microsoft.com/office/drawing/2010/main">
+        <mc:Choice Requires="a14">
           <p:sp>
             <p:nvSpPr>
               <p:cNvPr id="73" name="TextBox 72">
@@ -9563,7 +9755,7 @@
             </p:txBody>
           </p:sp>
         </mc:Choice>
-        <mc:Fallback>
+        <mc:Fallback xmlns="">
           <p:sp>
             <p:nvSpPr>
               <p:cNvPr id="73" name="TextBox 72">
@@ -9608,8 +9800,8 @@
           </p:sp>
         </mc:Fallback>
       </mc:AlternateContent>
-      <mc:AlternateContent xmlns:mc="http://schemas.openxmlformats.org/markup-compatibility/2006">
-        <mc:Choice xmlns:a14="http://schemas.microsoft.com/office/drawing/2010/main" Requires="a14">
+      <mc:AlternateContent xmlns:mc="http://schemas.openxmlformats.org/markup-compatibility/2006" xmlns:a14="http://schemas.microsoft.com/office/drawing/2010/main">
+        <mc:Choice Requires="a14">
           <p:sp>
             <p:nvSpPr>
               <p:cNvPr id="74" name="TextBox 73">
@@ -9684,7 +9876,7 @@
             </p:txBody>
           </p:sp>
         </mc:Choice>
-        <mc:Fallback>
+        <mc:Fallback xmlns="">
           <p:sp>
             <p:nvSpPr>
               <p:cNvPr id="74" name="TextBox 73">
@@ -10053,8 +10245,8 @@
           </a:p>
         </p:txBody>
       </p:sp>
-      <mc:AlternateContent xmlns:mc="http://schemas.openxmlformats.org/markup-compatibility/2006">
-        <mc:Choice xmlns:a14="http://schemas.microsoft.com/office/drawing/2010/main" Requires="a14">
+      <mc:AlternateContent xmlns:mc="http://schemas.openxmlformats.org/markup-compatibility/2006" xmlns:a14="http://schemas.microsoft.com/office/drawing/2010/main">
+        <mc:Choice Requires="a14">
           <p:sp>
             <p:nvSpPr>
               <p:cNvPr id="87" name="TextBox 86">
@@ -10129,7 +10321,7 @@
             </p:txBody>
           </p:sp>
         </mc:Choice>
-        <mc:Fallback>
+        <mc:Fallback xmlns="">
           <p:sp>
             <p:nvSpPr>
               <p:cNvPr id="87" name="TextBox 86">
@@ -10174,8 +10366,8 @@
           </p:sp>
         </mc:Fallback>
       </mc:AlternateContent>
-      <mc:AlternateContent xmlns:mc="http://schemas.openxmlformats.org/markup-compatibility/2006">
-        <mc:Choice xmlns:a14="http://schemas.microsoft.com/office/drawing/2010/main" Requires="a14">
+      <mc:AlternateContent xmlns:mc="http://schemas.openxmlformats.org/markup-compatibility/2006" xmlns:a14="http://schemas.microsoft.com/office/drawing/2010/main">
+        <mc:Choice Requires="a14">
           <p:sp>
             <p:nvSpPr>
               <p:cNvPr id="100" name="TextBox 99">
@@ -10229,7 +10421,7 @@
             </p:txBody>
           </p:sp>
         </mc:Choice>
-        <mc:Fallback>
+        <mc:Fallback xmlns="">
           <p:sp>
             <p:nvSpPr>
               <p:cNvPr id="100" name="TextBox 99">
@@ -10697,8 +10889,8 @@
             </p:style>
           </p:cxnSp>
         </p:grpSp>
-        <mc:AlternateContent xmlns:mc="http://schemas.openxmlformats.org/markup-compatibility/2006">
-          <mc:Choice xmlns:a14="http://schemas.microsoft.com/office/drawing/2010/main" Requires="a14">
+        <mc:AlternateContent xmlns:mc="http://schemas.openxmlformats.org/markup-compatibility/2006" xmlns:a14="http://schemas.microsoft.com/office/drawing/2010/main">
+          <mc:Choice Requires="a14">
             <p:sp>
               <p:nvSpPr>
                 <p:cNvPr id="68" name="TextBox 67">
@@ -10751,7 +10943,7 @@
               </p:txBody>
             </p:sp>
           </mc:Choice>
-          <mc:Fallback>
+          <mc:Fallback xmlns="">
             <p:sp>
               <p:nvSpPr>
                 <p:cNvPr id="68" name="TextBox 67">
@@ -10799,8 +10991,8 @@
             </p:sp>
           </mc:Fallback>
         </mc:AlternateContent>
-        <mc:AlternateContent xmlns:mc="http://schemas.openxmlformats.org/markup-compatibility/2006">
-          <mc:Choice xmlns:a14="http://schemas.microsoft.com/office/drawing/2010/main" Requires="a14">
+        <mc:AlternateContent xmlns:mc="http://schemas.openxmlformats.org/markup-compatibility/2006" xmlns:a14="http://schemas.microsoft.com/office/drawing/2010/main">
+          <mc:Choice Requires="a14">
             <p:sp>
               <p:nvSpPr>
                 <p:cNvPr id="69" name="TextBox 68">
@@ -10853,7 +11045,7 @@
               </p:txBody>
             </p:sp>
           </mc:Choice>
-          <mc:Fallback>
+          <mc:Fallback xmlns="">
             <p:sp>
               <p:nvSpPr>
                 <p:cNvPr id="69" name="TextBox 68">
@@ -11130,8 +11322,8 @@
             </p:style>
           </p:cxnSp>
         </p:grpSp>
-        <mc:AlternateContent xmlns:mc="http://schemas.openxmlformats.org/markup-compatibility/2006">
-          <mc:Choice xmlns:a14="http://schemas.microsoft.com/office/drawing/2010/main" Requires="a14">
+        <mc:AlternateContent xmlns:mc="http://schemas.openxmlformats.org/markup-compatibility/2006" xmlns:a14="http://schemas.microsoft.com/office/drawing/2010/main">
+          <mc:Choice Requires="a14">
             <p:sp>
               <p:nvSpPr>
                 <p:cNvPr id="103" name="TextBox 102">
@@ -11181,7 +11373,7 @@
               </p:txBody>
             </p:sp>
           </mc:Choice>
-          <mc:Fallback>
+          <mc:Fallback xmlns="">
             <p:sp>
               <p:nvSpPr>
                 <p:cNvPr id="103" name="TextBox 102">
@@ -11226,8 +11418,8 @@
             </p:sp>
           </mc:Fallback>
         </mc:AlternateContent>
-        <mc:AlternateContent xmlns:mc="http://schemas.openxmlformats.org/markup-compatibility/2006">
-          <mc:Choice xmlns:a14="http://schemas.microsoft.com/office/drawing/2010/main" Requires="a14">
+        <mc:AlternateContent xmlns:mc="http://schemas.openxmlformats.org/markup-compatibility/2006" xmlns:a14="http://schemas.microsoft.com/office/drawing/2010/main">
+          <mc:Choice Requires="a14">
             <p:sp>
               <p:nvSpPr>
                 <p:cNvPr id="104" name="TextBox 103">
@@ -11277,7 +11469,7 @@
               </p:txBody>
             </p:sp>
           </mc:Choice>
-          <mc:Fallback>
+          <mc:Fallback xmlns="">
             <p:sp>
               <p:nvSpPr>
                 <p:cNvPr id="104" name="TextBox 103">
@@ -11322,8 +11514,8 @@
             </p:sp>
           </mc:Fallback>
         </mc:AlternateContent>
-        <mc:AlternateContent xmlns:mc="http://schemas.openxmlformats.org/markup-compatibility/2006">
-          <mc:Choice xmlns:a14="http://schemas.microsoft.com/office/drawing/2010/main" Requires="a14">
+        <mc:AlternateContent xmlns:mc="http://schemas.openxmlformats.org/markup-compatibility/2006" xmlns:a14="http://schemas.microsoft.com/office/drawing/2010/main">
+          <mc:Choice Requires="a14">
             <p:sp>
               <p:nvSpPr>
                 <p:cNvPr id="105" name="TextBox 104">
@@ -11373,7 +11565,7 @@
               </p:txBody>
             </p:sp>
           </mc:Choice>
-          <mc:Fallback>
+          <mc:Fallback xmlns="">
             <p:sp>
               <p:nvSpPr>
                 <p:cNvPr id="105" name="TextBox 104">
@@ -12050,8 +12242,8 @@
           </a:p>
         </p:txBody>
       </p:sp>
-      <mc:AlternateContent xmlns:mc="http://schemas.openxmlformats.org/markup-compatibility/2006">
-        <mc:Choice xmlns:a14="http://schemas.microsoft.com/office/drawing/2010/main" Requires="a14">
+      <mc:AlternateContent xmlns:mc="http://schemas.openxmlformats.org/markup-compatibility/2006" xmlns:a14="http://schemas.microsoft.com/office/drawing/2010/main">
+        <mc:Choice Requires="a14">
           <p:sp>
             <p:nvSpPr>
               <p:cNvPr id="70" name="TextBox 69">
@@ -12126,7 +12318,7 @@
             </p:txBody>
           </p:sp>
         </mc:Choice>
-        <mc:Fallback>
+        <mc:Fallback xmlns="">
           <p:sp>
             <p:nvSpPr>
               <p:cNvPr id="70" name="TextBox 69">
@@ -12171,8 +12363,8 @@
           </p:sp>
         </mc:Fallback>
       </mc:AlternateContent>
-      <mc:AlternateContent xmlns:mc="http://schemas.openxmlformats.org/markup-compatibility/2006">
-        <mc:Choice xmlns:a14="http://schemas.microsoft.com/office/drawing/2010/main" Requires="a14">
+      <mc:AlternateContent xmlns:mc="http://schemas.openxmlformats.org/markup-compatibility/2006" xmlns:a14="http://schemas.microsoft.com/office/drawing/2010/main">
+        <mc:Choice Requires="a14">
           <p:sp>
             <p:nvSpPr>
               <p:cNvPr id="71" name="TextBox 70">
@@ -12247,7 +12439,7 @@
             </p:txBody>
           </p:sp>
         </mc:Choice>
-        <mc:Fallback>
+        <mc:Fallback xmlns="">
           <p:sp>
             <p:nvSpPr>
               <p:cNvPr id="71" name="TextBox 70">
@@ -12292,8 +12484,8 @@
           </p:sp>
         </mc:Fallback>
       </mc:AlternateContent>
-      <mc:AlternateContent xmlns:mc="http://schemas.openxmlformats.org/markup-compatibility/2006">
-        <mc:Choice xmlns:a14="http://schemas.microsoft.com/office/drawing/2010/main" Requires="a14">
+      <mc:AlternateContent xmlns:mc="http://schemas.openxmlformats.org/markup-compatibility/2006" xmlns:a14="http://schemas.microsoft.com/office/drawing/2010/main">
+        <mc:Choice Requires="a14">
           <p:sp>
             <p:nvSpPr>
               <p:cNvPr id="72" name="TextBox 71">
@@ -12368,7 +12560,7 @@
             </p:txBody>
           </p:sp>
         </mc:Choice>
-        <mc:Fallback>
+        <mc:Fallback xmlns="">
           <p:sp>
             <p:nvSpPr>
               <p:cNvPr id="72" name="TextBox 71">
@@ -12413,8 +12605,8 @@
           </p:sp>
         </mc:Fallback>
       </mc:AlternateContent>
-      <mc:AlternateContent xmlns:mc="http://schemas.openxmlformats.org/markup-compatibility/2006">
-        <mc:Choice xmlns:a14="http://schemas.microsoft.com/office/drawing/2010/main" Requires="a14">
+      <mc:AlternateContent xmlns:mc="http://schemas.openxmlformats.org/markup-compatibility/2006" xmlns:a14="http://schemas.microsoft.com/office/drawing/2010/main">
+        <mc:Choice Requires="a14">
           <p:sp>
             <p:nvSpPr>
               <p:cNvPr id="73" name="TextBox 72">
@@ -12489,7 +12681,7 @@
             </p:txBody>
           </p:sp>
         </mc:Choice>
-        <mc:Fallback>
+        <mc:Fallback xmlns="">
           <p:sp>
             <p:nvSpPr>
               <p:cNvPr id="73" name="TextBox 72">
@@ -12534,8 +12726,8 @@
           </p:sp>
         </mc:Fallback>
       </mc:AlternateContent>
-      <mc:AlternateContent xmlns:mc="http://schemas.openxmlformats.org/markup-compatibility/2006">
-        <mc:Choice xmlns:a14="http://schemas.microsoft.com/office/drawing/2010/main" Requires="a14">
+      <mc:AlternateContent xmlns:mc="http://schemas.openxmlformats.org/markup-compatibility/2006" xmlns:a14="http://schemas.microsoft.com/office/drawing/2010/main">
+        <mc:Choice Requires="a14">
           <p:sp>
             <p:nvSpPr>
               <p:cNvPr id="74" name="TextBox 73">
@@ -12610,7 +12802,7 @@
             </p:txBody>
           </p:sp>
         </mc:Choice>
-        <mc:Fallback>
+        <mc:Fallback xmlns="">
           <p:sp>
             <p:nvSpPr>
               <p:cNvPr id="74" name="TextBox 73">
@@ -12979,8 +13171,8 @@
           </a:p>
         </p:txBody>
       </p:sp>
-      <mc:AlternateContent xmlns:mc="http://schemas.openxmlformats.org/markup-compatibility/2006">
-        <mc:Choice xmlns:a14="http://schemas.microsoft.com/office/drawing/2010/main" Requires="a14">
+      <mc:AlternateContent xmlns:mc="http://schemas.openxmlformats.org/markup-compatibility/2006" xmlns:a14="http://schemas.microsoft.com/office/drawing/2010/main">
+        <mc:Choice Requires="a14">
           <p:sp>
             <p:nvSpPr>
               <p:cNvPr id="87" name="TextBox 86">
@@ -13055,7 +13247,7 @@
             </p:txBody>
           </p:sp>
         </mc:Choice>
-        <mc:Fallback>
+        <mc:Fallback xmlns="">
           <p:sp>
             <p:nvSpPr>
               <p:cNvPr id="87" name="TextBox 86">
@@ -13100,8 +13292,8 @@
           </p:sp>
         </mc:Fallback>
       </mc:AlternateContent>
-      <mc:AlternateContent xmlns:mc="http://schemas.openxmlformats.org/markup-compatibility/2006">
-        <mc:Choice xmlns:a14="http://schemas.microsoft.com/office/drawing/2010/main" Requires="a14">
+      <mc:AlternateContent xmlns:mc="http://schemas.openxmlformats.org/markup-compatibility/2006" xmlns:a14="http://schemas.microsoft.com/office/drawing/2010/main">
+        <mc:Choice Requires="a14">
           <p:sp>
             <p:nvSpPr>
               <p:cNvPr id="100" name="TextBox 99">
@@ -13155,7 +13347,7 @@
             </p:txBody>
           </p:sp>
         </mc:Choice>
-        <mc:Fallback>
+        <mc:Fallback xmlns="">
           <p:sp>
             <p:nvSpPr>
               <p:cNvPr id="100" name="TextBox 99">
@@ -13379,8 +13571,8 @@
             </p:style>
           </p:cxnSp>
         </p:grpSp>
-        <mc:AlternateContent xmlns:mc="http://schemas.openxmlformats.org/markup-compatibility/2006">
-          <mc:Choice xmlns:a14="http://schemas.microsoft.com/office/drawing/2010/main" Requires="a14">
+        <mc:AlternateContent xmlns:mc="http://schemas.openxmlformats.org/markup-compatibility/2006" xmlns:a14="http://schemas.microsoft.com/office/drawing/2010/main">
+          <mc:Choice Requires="a14">
             <p:sp>
               <p:nvSpPr>
                 <p:cNvPr id="68" name="TextBox 67">
@@ -13433,7 +13625,7 @@
               </p:txBody>
             </p:sp>
           </mc:Choice>
-          <mc:Fallback>
+          <mc:Fallback xmlns="">
             <p:sp>
               <p:nvSpPr>
                 <p:cNvPr id="68" name="TextBox 67">
@@ -13481,8 +13673,8 @@
             </p:sp>
           </mc:Fallback>
         </mc:AlternateContent>
-        <mc:AlternateContent xmlns:mc="http://schemas.openxmlformats.org/markup-compatibility/2006">
-          <mc:Choice xmlns:a14="http://schemas.microsoft.com/office/drawing/2010/main" Requires="a14">
+        <mc:AlternateContent xmlns:mc="http://schemas.openxmlformats.org/markup-compatibility/2006" xmlns:a14="http://schemas.microsoft.com/office/drawing/2010/main">
+          <mc:Choice Requires="a14">
             <p:sp>
               <p:nvSpPr>
                 <p:cNvPr id="69" name="TextBox 68">
@@ -13535,7 +13727,7 @@
               </p:txBody>
             </p:sp>
           </mc:Choice>
-          <mc:Fallback>
+          <mc:Fallback xmlns="">
             <p:sp>
               <p:nvSpPr>
                 <p:cNvPr id="69" name="TextBox 68">
@@ -13866,8 +14058,8 @@
             </p:style>
           </p:cxnSp>
         </p:grpSp>
-        <mc:AlternateContent xmlns:mc="http://schemas.openxmlformats.org/markup-compatibility/2006">
-          <mc:Choice xmlns:a14="http://schemas.microsoft.com/office/drawing/2010/main" Requires="a14">
+        <mc:AlternateContent xmlns:mc="http://schemas.openxmlformats.org/markup-compatibility/2006" xmlns:a14="http://schemas.microsoft.com/office/drawing/2010/main">
+          <mc:Choice Requires="a14">
             <p:sp>
               <p:nvSpPr>
                 <p:cNvPr id="103" name="TextBox 102">
@@ -13917,7 +14109,7 @@
               </p:txBody>
             </p:sp>
           </mc:Choice>
-          <mc:Fallback>
+          <mc:Fallback xmlns="">
             <p:sp>
               <p:nvSpPr>
                 <p:cNvPr id="103" name="TextBox 102">
@@ -13962,8 +14154,8 @@
             </p:sp>
           </mc:Fallback>
         </mc:AlternateContent>
-        <mc:AlternateContent xmlns:mc="http://schemas.openxmlformats.org/markup-compatibility/2006">
-          <mc:Choice xmlns:a14="http://schemas.microsoft.com/office/drawing/2010/main" Requires="a14">
+        <mc:AlternateContent xmlns:mc="http://schemas.openxmlformats.org/markup-compatibility/2006" xmlns:a14="http://schemas.microsoft.com/office/drawing/2010/main">
+          <mc:Choice Requires="a14">
             <p:sp>
               <p:nvSpPr>
                 <p:cNvPr id="104" name="TextBox 103">
@@ -14013,7 +14205,7 @@
               </p:txBody>
             </p:sp>
           </mc:Choice>
-          <mc:Fallback>
+          <mc:Fallback xmlns="">
             <p:sp>
               <p:nvSpPr>
                 <p:cNvPr id="104" name="TextBox 103">
@@ -14058,8 +14250,8 @@
             </p:sp>
           </mc:Fallback>
         </mc:AlternateContent>
-        <mc:AlternateContent xmlns:mc="http://schemas.openxmlformats.org/markup-compatibility/2006">
-          <mc:Choice xmlns:a14="http://schemas.microsoft.com/office/drawing/2010/main" Requires="a14">
+        <mc:AlternateContent xmlns:mc="http://schemas.openxmlformats.org/markup-compatibility/2006" xmlns:a14="http://schemas.microsoft.com/office/drawing/2010/main">
+          <mc:Choice Requires="a14">
             <p:sp>
               <p:nvSpPr>
                 <p:cNvPr id="105" name="TextBox 104">
@@ -14109,7 +14301,7 @@
               </p:txBody>
             </p:sp>
           </mc:Choice>
-          <mc:Fallback>
+          <mc:Fallback xmlns="">
             <p:sp>
               <p:nvSpPr>
                 <p:cNvPr id="105" name="TextBox 104">
